--- a/ppt/Javascript 교안/_06_Todolist 실습.pptx
+++ b/ppt/Javascript 교안/_06_Todolist 실습.pptx
@@ -5,7 +5,7 @@
     <p:sldMasterId id="2147484259" r:id="rId1"/>
   </p:sldMasterIdLst>
   <p:notesMasterIdLst>
-    <p:notesMasterId r:id="rId13"/>
+    <p:notesMasterId r:id="rId14"/>
   </p:notesMasterIdLst>
   <p:sldIdLst>
     <p:sldId id="266" r:id="rId2"/>
@@ -17,8 +17,9 @@
     <p:sldId id="308" r:id="rId8"/>
     <p:sldId id="296" r:id="rId9"/>
     <p:sldId id="309" r:id="rId10"/>
-    <p:sldId id="306" r:id="rId11"/>
-    <p:sldId id="295" r:id="rId12"/>
+    <p:sldId id="310" r:id="rId11"/>
+    <p:sldId id="306" r:id="rId12"/>
+    <p:sldId id="295" r:id="rId13"/>
   </p:sldIdLst>
   <p:sldSz cx="12192000" cy="6858000"/>
   <p:notesSz cx="6858000" cy="9144000"/>
@@ -210,7 +211,7 @@
           <a:p>
             <a:fld id="{8DFB2E54-8ADE-1C42-B7E1-8C04B8CD0931}" type="datetimeFigureOut">
               <a:rPr kumimoji="1" lang="ko-Kore-KR" altLang="en-US" smtClean="0"/>
-              <a:t>5/26/21</a:t>
+              <a:t>5/31/21</a:t>
             </a:fld>
             <a:endParaRPr kumimoji="1" lang="ko-Kore-KR" altLang="en-US"/>
           </a:p>
@@ -606,3541 +607,6 @@
           <a:bodyPr/>
           <a:lstStyle/>
           <a:p>
-            <a:r>
-              <a:rPr lang="en" altLang="ko-KR" sz="1200" b="0" kern="1200" dirty="0">
-                <a:solidFill>
-                  <a:schemeClr val="tx1"/>
-                </a:solidFill>
-                <a:effectLst/>
-                <a:latin typeface="+mn-lt"/>
-                <a:ea typeface="+mn-ea"/>
-                <a:cs typeface="+mn-cs"/>
-              </a:rPr>
-              <a:t>&lt;!DOCTYPE html&gt;</a:t>
-            </a:r>
-          </a:p>
-          <a:p>
-            <a:r>
-              <a:rPr lang="en" altLang="ko-KR" sz="1200" b="0" kern="1200" dirty="0">
-                <a:solidFill>
-                  <a:schemeClr val="tx1"/>
-                </a:solidFill>
-                <a:effectLst/>
-                <a:latin typeface="+mn-lt"/>
-                <a:ea typeface="+mn-ea"/>
-                <a:cs typeface="+mn-cs"/>
-              </a:rPr>
-              <a:t>&lt;html&gt;</a:t>
-            </a:r>
-          </a:p>
-          <a:p>
-            <a:br>
-              <a:rPr lang="en" altLang="ko-KR" sz="1200" b="0" kern="1200" dirty="0">
-                <a:solidFill>
-                  <a:schemeClr val="tx1"/>
-                </a:solidFill>
-                <a:effectLst/>
-                <a:latin typeface="+mn-lt"/>
-                <a:ea typeface="+mn-ea"/>
-                <a:cs typeface="+mn-cs"/>
-              </a:rPr>
-            </a:br>
-            <a:r>
-              <a:rPr lang="en" altLang="ko-KR" sz="1200" b="0" kern="1200" dirty="0">
-                <a:solidFill>
-                  <a:schemeClr val="tx1"/>
-                </a:solidFill>
-                <a:effectLst/>
-                <a:latin typeface="+mn-lt"/>
-                <a:ea typeface="+mn-ea"/>
-                <a:cs typeface="+mn-cs"/>
-              </a:rPr>
-              <a:t>&lt;head&gt;</a:t>
-            </a:r>
-          </a:p>
-          <a:p>
-            <a:r>
-              <a:rPr lang="en" altLang="ko-KR" sz="1200" b="0" kern="1200" dirty="0">
-                <a:solidFill>
-                  <a:schemeClr val="tx1"/>
-                </a:solidFill>
-                <a:effectLst/>
-                <a:latin typeface="+mn-lt"/>
-                <a:ea typeface="+mn-ea"/>
-                <a:cs typeface="+mn-cs"/>
-              </a:rPr>
-              <a:t>&lt;meta charset="utf-8"&gt;</a:t>
-            </a:r>
-          </a:p>
-          <a:p>
-            <a:r>
-              <a:rPr lang="en" altLang="ko-KR" sz="1200" b="0" kern="1200" dirty="0">
-                <a:solidFill>
-                  <a:schemeClr val="tx1"/>
-                </a:solidFill>
-                <a:effectLst/>
-                <a:latin typeface="+mn-lt"/>
-                <a:ea typeface="+mn-ea"/>
-                <a:cs typeface="+mn-cs"/>
-              </a:rPr>
-              <a:t>&lt;meta name="viewport" content="width=device-width, initial-scale=1.0"&gt;</a:t>
-            </a:r>
-          </a:p>
-          <a:p>
-            <a:r>
-              <a:rPr lang="en" altLang="ko-KR" sz="1200" b="0" kern="1200" dirty="0">
-                <a:solidFill>
-                  <a:schemeClr val="tx1"/>
-                </a:solidFill>
-                <a:effectLst/>
-                <a:latin typeface="+mn-lt"/>
-                <a:ea typeface="+mn-ea"/>
-                <a:cs typeface="+mn-cs"/>
-              </a:rPr>
-              <a:t>&lt;title&gt;</a:t>
-            </a:r>
-            <a:r>
-              <a:rPr lang="en" altLang="ko-KR" sz="1200" b="0" kern="1200" dirty="0" err="1">
-                <a:solidFill>
-                  <a:schemeClr val="tx1"/>
-                </a:solidFill>
-                <a:effectLst/>
-                <a:latin typeface="+mn-lt"/>
-                <a:ea typeface="+mn-ea"/>
-                <a:cs typeface="+mn-cs"/>
-              </a:rPr>
-              <a:t>ToDoList</a:t>
-            </a:r>
-            <a:r>
-              <a:rPr lang="en" altLang="ko-KR" sz="1200" b="0" kern="1200" dirty="0">
-                <a:solidFill>
-                  <a:schemeClr val="tx1"/>
-                </a:solidFill>
-                <a:effectLst/>
-                <a:latin typeface="+mn-lt"/>
-                <a:ea typeface="+mn-ea"/>
-                <a:cs typeface="+mn-cs"/>
-              </a:rPr>
-              <a:t>&lt;/title&gt;</a:t>
-            </a:r>
-          </a:p>
-          <a:p>
-            <a:br>
-              <a:rPr lang="en" altLang="ko-KR" sz="1200" b="0" kern="1200" dirty="0">
-                <a:solidFill>
-                  <a:schemeClr val="tx1"/>
-                </a:solidFill>
-                <a:effectLst/>
-                <a:latin typeface="+mn-lt"/>
-                <a:ea typeface="+mn-ea"/>
-                <a:cs typeface="+mn-cs"/>
-              </a:rPr>
-            </a:br>
-            <a:r>
-              <a:rPr lang="en" altLang="ko-KR" sz="1200" b="0" kern="1200" dirty="0">
-                <a:solidFill>
-                  <a:schemeClr val="tx1"/>
-                </a:solidFill>
-                <a:effectLst/>
-                <a:latin typeface="+mn-lt"/>
-                <a:ea typeface="+mn-ea"/>
-                <a:cs typeface="+mn-cs"/>
-              </a:rPr>
-              <a:t>&lt;link </a:t>
-            </a:r>
-            <a:r>
-              <a:rPr lang="en" altLang="ko-KR" sz="1200" b="0" kern="1200" dirty="0" err="1">
-                <a:solidFill>
-                  <a:schemeClr val="tx1"/>
-                </a:solidFill>
-                <a:effectLst/>
-                <a:latin typeface="+mn-lt"/>
-                <a:ea typeface="+mn-ea"/>
-                <a:cs typeface="+mn-cs"/>
-              </a:rPr>
-              <a:t>rel</a:t>
-            </a:r>
-            <a:r>
-              <a:rPr lang="en" altLang="ko-KR" sz="1200" b="0" kern="1200" dirty="0">
-                <a:solidFill>
-                  <a:schemeClr val="tx1"/>
-                </a:solidFill>
-                <a:effectLst/>
-                <a:latin typeface="+mn-lt"/>
-                <a:ea typeface="+mn-ea"/>
-                <a:cs typeface="+mn-cs"/>
-              </a:rPr>
-              <a:t>="stylesheet" </a:t>
-            </a:r>
-            <a:r>
-              <a:rPr lang="en" altLang="ko-KR" sz="1200" b="0" kern="1200" dirty="0" err="1">
-                <a:solidFill>
-                  <a:schemeClr val="tx1"/>
-                </a:solidFill>
-                <a:effectLst/>
-                <a:latin typeface="+mn-lt"/>
-                <a:ea typeface="+mn-ea"/>
-                <a:cs typeface="+mn-cs"/>
-              </a:rPr>
-              <a:t>href</a:t>
-            </a:r>
-            <a:r>
-              <a:rPr lang="en" altLang="ko-KR" sz="1200" b="0" kern="1200" dirty="0">
-                <a:solidFill>
-                  <a:schemeClr val="tx1"/>
-                </a:solidFill>
-                <a:effectLst/>
-                <a:latin typeface="+mn-lt"/>
-                <a:ea typeface="+mn-ea"/>
-                <a:cs typeface="+mn-cs"/>
-              </a:rPr>
-              <a:t>="</a:t>
-            </a:r>
-            <a:r>
-              <a:rPr lang="en" altLang="ko-KR" sz="1200" b="0" kern="1200" dirty="0" err="1">
-                <a:solidFill>
-                  <a:schemeClr val="tx1"/>
-                </a:solidFill>
-                <a:effectLst/>
-                <a:latin typeface="+mn-lt"/>
-                <a:ea typeface="+mn-ea"/>
-                <a:cs typeface="+mn-cs"/>
-              </a:rPr>
-              <a:t>layout.css</a:t>
-            </a:r>
-            <a:r>
-              <a:rPr lang="en" altLang="ko-KR" sz="1200" b="0" kern="1200" dirty="0">
-                <a:solidFill>
-                  <a:schemeClr val="tx1"/>
-                </a:solidFill>
-                <a:effectLst/>
-                <a:latin typeface="+mn-lt"/>
-                <a:ea typeface="+mn-ea"/>
-                <a:cs typeface="+mn-cs"/>
-              </a:rPr>
-              <a:t>" type="text/</a:t>
-            </a:r>
-            <a:r>
-              <a:rPr lang="en" altLang="ko-KR" sz="1200" b="0" kern="1200" dirty="0" err="1">
-                <a:solidFill>
-                  <a:schemeClr val="tx1"/>
-                </a:solidFill>
-                <a:effectLst/>
-                <a:latin typeface="+mn-lt"/>
-                <a:ea typeface="+mn-ea"/>
-                <a:cs typeface="+mn-cs"/>
-              </a:rPr>
-              <a:t>css</a:t>
-            </a:r>
-            <a:r>
-              <a:rPr lang="en" altLang="ko-KR" sz="1200" b="0" kern="1200" dirty="0">
-                <a:solidFill>
-                  <a:schemeClr val="tx1"/>
-                </a:solidFill>
-                <a:effectLst/>
-                <a:latin typeface="+mn-lt"/>
-                <a:ea typeface="+mn-ea"/>
-                <a:cs typeface="+mn-cs"/>
-              </a:rPr>
-              <a:t>"&gt;</a:t>
-            </a:r>
-          </a:p>
-          <a:p>
-            <a:r>
-              <a:rPr lang="en" altLang="ko-KR" sz="1200" b="0" kern="1200" dirty="0">
-                <a:solidFill>
-                  <a:schemeClr val="tx1"/>
-                </a:solidFill>
-                <a:effectLst/>
-                <a:latin typeface="+mn-lt"/>
-                <a:ea typeface="+mn-ea"/>
-                <a:cs typeface="+mn-cs"/>
-              </a:rPr>
-              <a:t>&lt;script type="text/</a:t>
-            </a:r>
-            <a:r>
-              <a:rPr lang="en" altLang="ko-KR" sz="1200" b="0" kern="1200" dirty="0" err="1">
-                <a:solidFill>
-                  <a:schemeClr val="tx1"/>
-                </a:solidFill>
-                <a:effectLst/>
-                <a:latin typeface="+mn-lt"/>
-                <a:ea typeface="+mn-ea"/>
-                <a:cs typeface="+mn-cs"/>
-              </a:rPr>
-              <a:t>javascript</a:t>
-            </a:r>
-            <a:r>
-              <a:rPr lang="en" altLang="ko-KR" sz="1200" b="0" kern="1200" dirty="0">
-                <a:solidFill>
-                  <a:schemeClr val="tx1"/>
-                </a:solidFill>
-                <a:effectLst/>
-                <a:latin typeface="+mn-lt"/>
-                <a:ea typeface="+mn-ea"/>
-                <a:cs typeface="+mn-cs"/>
-              </a:rPr>
-              <a:t>" </a:t>
-            </a:r>
-            <a:r>
-              <a:rPr lang="en" altLang="ko-KR" sz="1200" b="0" kern="1200" dirty="0" err="1">
-                <a:solidFill>
-                  <a:schemeClr val="tx1"/>
-                </a:solidFill>
-                <a:effectLst/>
-                <a:latin typeface="+mn-lt"/>
-                <a:ea typeface="+mn-ea"/>
-                <a:cs typeface="+mn-cs"/>
-              </a:rPr>
-              <a:t>src</a:t>
-            </a:r>
-            <a:r>
-              <a:rPr lang="en" altLang="ko-KR" sz="1200" b="0" kern="1200" dirty="0">
-                <a:solidFill>
-                  <a:schemeClr val="tx1"/>
-                </a:solidFill>
-                <a:effectLst/>
-                <a:latin typeface="+mn-lt"/>
-                <a:ea typeface="+mn-ea"/>
-                <a:cs typeface="+mn-cs"/>
-              </a:rPr>
-              <a:t>="</a:t>
-            </a:r>
-            <a:r>
-              <a:rPr lang="en" altLang="ko-KR" sz="1200" b="0" kern="1200" dirty="0" err="1">
-                <a:solidFill>
-                  <a:schemeClr val="tx1"/>
-                </a:solidFill>
-                <a:effectLst/>
-                <a:latin typeface="+mn-lt"/>
-                <a:ea typeface="+mn-ea"/>
-                <a:cs typeface="+mn-cs"/>
-              </a:rPr>
-              <a:t>fun.js</a:t>
-            </a:r>
-            <a:r>
-              <a:rPr lang="en" altLang="ko-KR" sz="1200" b="0" kern="1200" dirty="0">
-                <a:solidFill>
-                  <a:schemeClr val="tx1"/>
-                </a:solidFill>
-                <a:effectLst/>
-                <a:latin typeface="+mn-lt"/>
-                <a:ea typeface="+mn-ea"/>
-                <a:cs typeface="+mn-cs"/>
-              </a:rPr>
-              <a:t>" defer&gt;&lt;/script&gt;</a:t>
-            </a:r>
-          </a:p>
-          <a:p>
-            <a:br>
-              <a:rPr lang="en" altLang="ko-KR" sz="1200" b="0" kern="1200" dirty="0">
-                <a:solidFill>
-                  <a:schemeClr val="tx1"/>
-                </a:solidFill>
-                <a:effectLst/>
-                <a:latin typeface="+mn-lt"/>
-                <a:ea typeface="+mn-ea"/>
-                <a:cs typeface="+mn-cs"/>
-              </a:rPr>
-            </a:br>
-            <a:r>
-              <a:rPr lang="en" altLang="ko-KR" sz="1200" b="0" kern="1200" dirty="0">
-                <a:solidFill>
-                  <a:schemeClr val="tx1"/>
-                </a:solidFill>
-                <a:effectLst/>
-                <a:latin typeface="+mn-lt"/>
-                <a:ea typeface="+mn-ea"/>
-                <a:cs typeface="+mn-cs"/>
-              </a:rPr>
-              <a:t>&lt;link </a:t>
-            </a:r>
-            <a:r>
-              <a:rPr lang="en" altLang="ko-KR" sz="1200" b="0" kern="1200" dirty="0" err="1">
-                <a:solidFill>
-                  <a:schemeClr val="tx1"/>
-                </a:solidFill>
-                <a:effectLst/>
-                <a:latin typeface="+mn-lt"/>
-                <a:ea typeface="+mn-ea"/>
-                <a:cs typeface="+mn-cs"/>
-              </a:rPr>
-              <a:t>href</a:t>
-            </a:r>
-            <a:r>
-              <a:rPr lang="en" altLang="ko-KR" sz="1200" b="0" kern="1200" dirty="0">
-                <a:solidFill>
-                  <a:schemeClr val="tx1"/>
-                </a:solidFill>
-                <a:effectLst/>
-                <a:latin typeface="+mn-lt"/>
-                <a:ea typeface="+mn-ea"/>
-                <a:cs typeface="+mn-cs"/>
-              </a:rPr>
-              <a:t>="https://</a:t>
-            </a:r>
-            <a:r>
-              <a:rPr lang="en" altLang="ko-KR" sz="1200" b="0" kern="1200" dirty="0" err="1">
-                <a:solidFill>
-                  <a:schemeClr val="tx1"/>
-                </a:solidFill>
-                <a:effectLst/>
-                <a:latin typeface="+mn-lt"/>
-                <a:ea typeface="+mn-ea"/>
-                <a:cs typeface="+mn-cs"/>
-              </a:rPr>
-              <a:t>fonts.googleapis.com</a:t>
-            </a:r>
-            <a:r>
-              <a:rPr lang="en" altLang="ko-KR" sz="1200" b="0" kern="1200" dirty="0">
-                <a:solidFill>
-                  <a:schemeClr val="tx1"/>
-                </a:solidFill>
-                <a:effectLst/>
-                <a:latin typeface="+mn-lt"/>
-                <a:ea typeface="+mn-ea"/>
-                <a:cs typeface="+mn-cs"/>
-              </a:rPr>
-              <a:t>/</a:t>
-            </a:r>
-            <a:r>
-              <a:rPr lang="en" altLang="ko-KR" sz="1200" b="0" kern="1200" dirty="0" err="1">
-                <a:solidFill>
-                  <a:schemeClr val="tx1"/>
-                </a:solidFill>
-                <a:effectLst/>
-                <a:latin typeface="+mn-lt"/>
-                <a:ea typeface="+mn-ea"/>
-                <a:cs typeface="+mn-cs"/>
-              </a:rPr>
-              <a:t>icon?family</a:t>
-            </a:r>
-            <a:r>
-              <a:rPr lang="en" altLang="ko-KR" sz="1200" b="0" kern="1200" dirty="0">
-                <a:solidFill>
-                  <a:schemeClr val="tx1"/>
-                </a:solidFill>
-                <a:effectLst/>
-                <a:latin typeface="+mn-lt"/>
-                <a:ea typeface="+mn-ea"/>
-                <a:cs typeface="+mn-cs"/>
-              </a:rPr>
-              <a:t>=</a:t>
-            </a:r>
-            <a:r>
-              <a:rPr lang="en" altLang="ko-KR" sz="1200" b="0" kern="1200" dirty="0" err="1">
-                <a:solidFill>
-                  <a:schemeClr val="tx1"/>
-                </a:solidFill>
-                <a:effectLst/>
-                <a:latin typeface="+mn-lt"/>
-                <a:ea typeface="+mn-ea"/>
-                <a:cs typeface="+mn-cs"/>
-              </a:rPr>
-              <a:t>Material+Icons</a:t>
-            </a:r>
-            <a:r>
-              <a:rPr lang="en" altLang="ko-KR" sz="1200" b="0" kern="1200" dirty="0">
-                <a:solidFill>
-                  <a:schemeClr val="tx1"/>
-                </a:solidFill>
-                <a:effectLst/>
-                <a:latin typeface="+mn-lt"/>
-                <a:ea typeface="+mn-ea"/>
-                <a:cs typeface="+mn-cs"/>
-              </a:rPr>
-              <a:t>" </a:t>
-            </a:r>
-            <a:r>
-              <a:rPr lang="en" altLang="ko-KR" sz="1200" b="0" kern="1200" dirty="0" err="1">
-                <a:solidFill>
-                  <a:schemeClr val="tx1"/>
-                </a:solidFill>
-                <a:effectLst/>
-                <a:latin typeface="+mn-lt"/>
-                <a:ea typeface="+mn-ea"/>
-                <a:cs typeface="+mn-cs"/>
-              </a:rPr>
-              <a:t>rel</a:t>
-            </a:r>
-            <a:r>
-              <a:rPr lang="en" altLang="ko-KR" sz="1200" b="0" kern="1200" dirty="0">
-                <a:solidFill>
-                  <a:schemeClr val="tx1"/>
-                </a:solidFill>
-                <a:effectLst/>
-                <a:latin typeface="+mn-lt"/>
-                <a:ea typeface="+mn-ea"/>
-                <a:cs typeface="+mn-cs"/>
-              </a:rPr>
-              <a:t>="stylesheet"&gt;</a:t>
-            </a:r>
-          </a:p>
-          <a:p>
-            <a:r>
-              <a:rPr lang="en" altLang="ko-KR" sz="1200" b="0" kern="1200" dirty="0">
-                <a:solidFill>
-                  <a:schemeClr val="tx1"/>
-                </a:solidFill>
-                <a:effectLst/>
-                <a:latin typeface="+mn-lt"/>
-                <a:ea typeface="+mn-ea"/>
-                <a:cs typeface="+mn-cs"/>
-              </a:rPr>
-              <a:t>&lt;/head&gt;</a:t>
-            </a:r>
-          </a:p>
-          <a:p>
-            <a:br>
-              <a:rPr lang="en" altLang="ko-KR" sz="1200" b="0" kern="1200" dirty="0">
-                <a:solidFill>
-                  <a:schemeClr val="tx1"/>
-                </a:solidFill>
-                <a:effectLst/>
-                <a:latin typeface="+mn-lt"/>
-                <a:ea typeface="+mn-ea"/>
-                <a:cs typeface="+mn-cs"/>
-              </a:rPr>
-            </a:br>
-            <a:br>
-              <a:rPr lang="en" altLang="ko-KR" sz="1200" b="0" kern="1200" dirty="0">
-                <a:solidFill>
-                  <a:schemeClr val="tx1"/>
-                </a:solidFill>
-                <a:effectLst/>
-                <a:latin typeface="+mn-lt"/>
-                <a:ea typeface="+mn-ea"/>
-                <a:cs typeface="+mn-cs"/>
-              </a:rPr>
-            </a:br>
-            <a:endParaRPr lang="en" altLang="ko-KR" sz="1200" b="0" kern="1200" dirty="0">
-              <a:solidFill>
-                <a:schemeClr val="tx1"/>
-              </a:solidFill>
-              <a:effectLst/>
-              <a:latin typeface="+mn-lt"/>
-              <a:ea typeface="+mn-ea"/>
-              <a:cs typeface="+mn-cs"/>
-            </a:endParaRPr>
-          </a:p>
-          <a:p>
-            <a:br>
-              <a:rPr lang="en" altLang="ko-KR" sz="1200" b="0" kern="1200" dirty="0">
-                <a:solidFill>
-                  <a:schemeClr val="tx1"/>
-                </a:solidFill>
-                <a:effectLst/>
-                <a:latin typeface="+mn-lt"/>
-                <a:ea typeface="+mn-ea"/>
-                <a:cs typeface="+mn-cs"/>
-              </a:rPr>
-            </a:br>
-            <a:r>
-              <a:rPr lang="en" altLang="ko-KR" sz="1200" b="0" kern="1200" dirty="0">
-                <a:solidFill>
-                  <a:schemeClr val="tx1"/>
-                </a:solidFill>
-                <a:effectLst/>
-                <a:latin typeface="+mn-lt"/>
-                <a:ea typeface="+mn-ea"/>
-                <a:cs typeface="+mn-cs"/>
-              </a:rPr>
-              <a:t>&lt;body class="</a:t>
-            </a:r>
-            <a:r>
-              <a:rPr lang="en" altLang="ko-KR" sz="1200" b="0" kern="1200" dirty="0" err="1">
-                <a:solidFill>
-                  <a:schemeClr val="tx1"/>
-                </a:solidFill>
-                <a:effectLst/>
-                <a:latin typeface="+mn-lt"/>
-                <a:ea typeface="+mn-ea"/>
-                <a:cs typeface="+mn-cs"/>
-              </a:rPr>
-              <a:t>containter</a:t>
-            </a:r>
-            <a:r>
-              <a:rPr lang="en" altLang="ko-KR" sz="1200" b="0" kern="1200" dirty="0">
-                <a:solidFill>
-                  <a:schemeClr val="tx1"/>
-                </a:solidFill>
-                <a:effectLst/>
-                <a:latin typeface="+mn-lt"/>
-                <a:ea typeface="+mn-ea"/>
-                <a:cs typeface="+mn-cs"/>
-              </a:rPr>
-              <a:t>"&gt;</a:t>
-            </a:r>
-          </a:p>
-          <a:p>
-            <a:r>
-              <a:rPr lang="en" altLang="ko-KR" sz="1200" b="0" kern="1200" dirty="0">
-                <a:solidFill>
-                  <a:schemeClr val="tx1"/>
-                </a:solidFill>
-                <a:effectLst/>
-                <a:latin typeface="+mn-lt"/>
-                <a:ea typeface="+mn-ea"/>
-                <a:cs typeface="+mn-cs"/>
-              </a:rPr>
-              <a:t>&lt;</a:t>
-            </a:r>
-            <a:r>
-              <a:rPr lang="en" altLang="ko-KR" sz="1200" b="0" kern="1200" dirty="0" err="1">
-                <a:solidFill>
-                  <a:schemeClr val="tx1"/>
-                </a:solidFill>
-                <a:effectLst/>
-                <a:latin typeface="+mn-lt"/>
-                <a:ea typeface="+mn-ea"/>
-                <a:cs typeface="+mn-cs"/>
-              </a:rPr>
-              <a:t>img</a:t>
-            </a:r>
-            <a:r>
-              <a:rPr lang="en" altLang="ko-KR" sz="1200" b="0" kern="1200" dirty="0">
-                <a:solidFill>
-                  <a:schemeClr val="tx1"/>
-                </a:solidFill>
-                <a:effectLst/>
-                <a:latin typeface="+mn-lt"/>
-                <a:ea typeface="+mn-ea"/>
-                <a:cs typeface="+mn-cs"/>
-              </a:rPr>
-              <a:t> class="</a:t>
-            </a:r>
-            <a:r>
-              <a:rPr lang="en" altLang="ko-KR" sz="1200" b="0" kern="1200" dirty="0" err="1">
-                <a:solidFill>
-                  <a:schemeClr val="tx1"/>
-                </a:solidFill>
-                <a:effectLst/>
-                <a:latin typeface="+mn-lt"/>
-                <a:ea typeface="+mn-ea"/>
-                <a:cs typeface="+mn-cs"/>
-              </a:rPr>
-              <a:t>myImg</a:t>
-            </a:r>
-            <a:r>
-              <a:rPr lang="en" altLang="ko-KR" sz="1200" b="0" kern="1200" dirty="0">
-                <a:solidFill>
-                  <a:schemeClr val="tx1"/>
-                </a:solidFill>
-                <a:effectLst/>
-                <a:latin typeface="+mn-lt"/>
-                <a:ea typeface="+mn-ea"/>
-                <a:cs typeface="+mn-cs"/>
-              </a:rPr>
-              <a:t>" </a:t>
-            </a:r>
-            <a:r>
-              <a:rPr lang="en" altLang="ko-KR" sz="1200" b="0" kern="1200" dirty="0" err="1">
-                <a:solidFill>
-                  <a:schemeClr val="tx1"/>
-                </a:solidFill>
-                <a:effectLst/>
-                <a:latin typeface="+mn-lt"/>
-                <a:ea typeface="+mn-ea"/>
-                <a:cs typeface="+mn-cs"/>
-              </a:rPr>
-              <a:t>src</a:t>
-            </a:r>
-            <a:r>
-              <a:rPr lang="en" altLang="ko-KR" sz="1200" b="0" kern="1200" dirty="0">
-                <a:solidFill>
-                  <a:schemeClr val="tx1"/>
-                </a:solidFill>
-                <a:effectLst/>
-                <a:latin typeface="+mn-lt"/>
-                <a:ea typeface="+mn-ea"/>
-                <a:cs typeface="+mn-cs"/>
-              </a:rPr>
-              <a:t>="https://kimjeonghun91.github.io/assets/</a:t>
-            </a:r>
-            <a:r>
-              <a:rPr lang="en" altLang="ko-KR" sz="1200" b="0" kern="1200" dirty="0" err="1">
-                <a:solidFill>
-                  <a:schemeClr val="tx1"/>
-                </a:solidFill>
-                <a:effectLst/>
-                <a:latin typeface="+mn-lt"/>
-                <a:ea typeface="+mn-ea"/>
-                <a:cs typeface="+mn-cs"/>
-              </a:rPr>
-              <a:t>img</a:t>
-            </a:r>
-            <a:r>
-              <a:rPr lang="en" altLang="ko-KR" sz="1200" b="0" kern="1200" dirty="0">
-                <a:solidFill>
-                  <a:schemeClr val="tx1"/>
-                </a:solidFill>
-                <a:effectLst/>
-                <a:latin typeface="+mn-lt"/>
-                <a:ea typeface="+mn-ea"/>
-                <a:cs typeface="+mn-cs"/>
-              </a:rPr>
-              <a:t>/</a:t>
-            </a:r>
-            <a:r>
-              <a:rPr lang="en" altLang="ko-KR" sz="1200" b="0" kern="1200" dirty="0" err="1">
-                <a:solidFill>
-                  <a:schemeClr val="tx1"/>
-                </a:solidFill>
-                <a:effectLst/>
-                <a:latin typeface="+mn-lt"/>
-                <a:ea typeface="+mn-ea"/>
-                <a:cs typeface="+mn-cs"/>
-              </a:rPr>
-              <a:t>me.png</a:t>
-            </a:r>
-            <a:r>
-              <a:rPr lang="en" altLang="ko-KR" sz="1200" b="0" kern="1200" dirty="0">
-                <a:solidFill>
-                  <a:schemeClr val="tx1"/>
-                </a:solidFill>
-                <a:effectLst/>
-                <a:latin typeface="+mn-lt"/>
-                <a:ea typeface="+mn-ea"/>
-                <a:cs typeface="+mn-cs"/>
-              </a:rPr>
-              <a:t>" /&gt;</a:t>
-            </a:r>
-          </a:p>
-          <a:p>
-            <a:br>
-              <a:rPr lang="en" altLang="ko-KR" sz="1200" b="0" kern="1200" dirty="0">
-                <a:solidFill>
-                  <a:schemeClr val="tx1"/>
-                </a:solidFill>
-                <a:effectLst/>
-                <a:latin typeface="+mn-lt"/>
-                <a:ea typeface="+mn-ea"/>
-                <a:cs typeface="+mn-cs"/>
-              </a:rPr>
-            </a:br>
-            <a:r>
-              <a:rPr lang="en" altLang="ko-KR" sz="1200" b="0" kern="1200" dirty="0">
-                <a:solidFill>
-                  <a:schemeClr val="tx1"/>
-                </a:solidFill>
-                <a:effectLst/>
-                <a:latin typeface="+mn-lt"/>
-                <a:ea typeface="+mn-ea"/>
-                <a:cs typeface="+mn-cs"/>
-              </a:rPr>
-              <a:t>&lt;h2 class="title"&gt;</a:t>
-            </a:r>
-            <a:r>
-              <a:rPr lang="en" altLang="ko-KR" sz="1200" b="0" kern="1200" dirty="0" err="1">
-                <a:solidFill>
-                  <a:schemeClr val="tx1"/>
-                </a:solidFill>
-                <a:effectLst/>
-                <a:latin typeface="+mn-lt"/>
-                <a:ea typeface="+mn-ea"/>
-                <a:cs typeface="+mn-cs"/>
-              </a:rPr>
-              <a:t>Todo</a:t>
-            </a:r>
-            <a:r>
-              <a:rPr lang="en" altLang="ko-KR" sz="1200" b="0" kern="1200" dirty="0">
-                <a:solidFill>
-                  <a:schemeClr val="tx1"/>
-                </a:solidFill>
-                <a:effectLst/>
-                <a:latin typeface="+mn-lt"/>
-                <a:ea typeface="+mn-ea"/>
-                <a:cs typeface="+mn-cs"/>
-              </a:rPr>
-              <a:t> List&lt;/h2&gt;</a:t>
-            </a:r>
-          </a:p>
-          <a:p>
-            <a:r>
-              <a:rPr lang="en" altLang="ko-KR" sz="1200" b="0" kern="1200" dirty="0">
-                <a:solidFill>
-                  <a:schemeClr val="tx1"/>
-                </a:solidFill>
-                <a:effectLst/>
-                <a:latin typeface="+mn-lt"/>
-                <a:ea typeface="+mn-ea"/>
-                <a:cs typeface="+mn-cs"/>
-              </a:rPr>
-              <a:t>&lt;span class="subtitle"&gt;</a:t>
-            </a:r>
-            <a:r>
-              <a:rPr lang="ko-KR" altLang="en-US" sz="1200" b="0" kern="1200" dirty="0">
-                <a:solidFill>
-                  <a:schemeClr val="tx1"/>
-                </a:solidFill>
-                <a:effectLst/>
-                <a:latin typeface="+mn-lt"/>
-                <a:ea typeface="+mn-ea"/>
-                <a:cs typeface="+mn-cs"/>
-              </a:rPr>
-              <a:t>김정훈님의 </a:t>
-            </a:r>
-            <a:r>
-              <a:rPr lang="en" altLang="ko-KR" sz="1200" b="0" kern="1200" dirty="0" err="1">
-                <a:solidFill>
-                  <a:schemeClr val="tx1"/>
-                </a:solidFill>
-                <a:effectLst/>
-                <a:latin typeface="+mn-lt"/>
-                <a:ea typeface="+mn-ea"/>
-                <a:cs typeface="+mn-cs"/>
-              </a:rPr>
-              <a:t>Todolist</a:t>
-            </a:r>
-            <a:r>
-              <a:rPr lang="en" altLang="ko-KR" sz="1200" b="0" kern="1200" dirty="0">
-                <a:solidFill>
-                  <a:schemeClr val="tx1"/>
-                </a:solidFill>
-                <a:effectLst/>
-                <a:latin typeface="+mn-lt"/>
-                <a:ea typeface="+mn-ea"/>
-                <a:cs typeface="+mn-cs"/>
-              </a:rPr>
-              <a:t> </a:t>
-            </a:r>
-            <a:r>
-              <a:rPr lang="ko-KR" altLang="en-US" sz="1200" b="0" kern="1200" dirty="0">
-                <a:solidFill>
-                  <a:schemeClr val="tx1"/>
-                </a:solidFill>
-                <a:effectLst/>
-                <a:latin typeface="+mn-lt"/>
-                <a:ea typeface="+mn-ea"/>
-                <a:cs typeface="+mn-cs"/>
-              </a:rPr>
-              <a:t>입니다</a:t>
-            </a:r>
-            <a:r>
-              <a:rPr lang="en-US" altLang="ko-KR" sz="1200" b="0" kern="1200" dirty="0">
-                <a:solidFill>
-                  <a:schemeClr val="tx1"/>
-                </a:solidFill>
-                <a:effectLst/>
-                <a:latin typeface="+mn-lt"/>
-                <a:ea typeface="+mn-ea"/>
-                <a:cs typeface="+mn-cs"/>
-              </a:rPr>
-              <a:t>&lt;/</a:t>
-            </a:r>
-            <a:r>
-              <a:rPr lang="en" altLang="ko-KR" sz="1200" b="0" kern="1200" dirty="0">
-                <a:solidFill>
-                  <a:schemeClr val="tx1"/>
-                </a:solidFill>
-                <a:effectLst/>
-                <a:latin typeface="+mn-lt"/>
-                <a:ea typeface="+mn-ea"/>
-                <a:cs typeface="+mn-cs"/>
-              </a:rPr>
-              <a:t>span&gt;</a:t>
-            </a:r>
-          </a:p>
-          <a:p>
-            <a:br>
-              <a:rPr lang="en" altLang="ko-KR" sz="1200" b="0" kern="1200" dirty="0">
-                <a:solidFill>
-                  <a:schemeClr val="tx1"/>
-                </a:solidFill>
-                <a:effectLst/>
-                <a:latin typeface="+mn-lt"/>
-                <a:ea typeface="+mn-ea"/>
-                <a:cs typeface="+mn-cs"/>
-              </a:rPr>
-            </a:br>
-            <a:r>
-              <a:rPr lang="en" altLang="ko-KR" sz="1200" b="0" kern="1200" dirty="0">
-                <a:solidFill>
-                  <a:schemeClr val="tx1"/>
-                </a:solidFill>
-                <a:effectLst/>
-                <a:latin typeface="+mn-lt"/>
-                <a:ea typeface="+mn-ea"/>
-                <a:cs typeface="+mn-cs"/>
-              </a:rPr>
-              <a:t>&lt;div class="</a:t>
-            </a:r>
-            <a:r>
-              <a:rPr lang="en" altLang="ko-KR" sz="1200" b="0" kern="1200" dirty="0" err="1">
-                <a:solidFill>
-                  <a:schemeClr val="tx1"/>
-                </a:solidFill>
-                <a:effectLst/>
-                <a:latin typeface="+mn-lt"/>
-                <a:ea typeface="+mn-ea"/>
-                <a:cs typeface="+mn-cs"/>
-              </a:rPr>
-              <a:t>ipWrap</a:t>
-            </a:r>
-            <a:r>
-              <a:rPr lang="en" altLang="ko-KR" sz="1200" b="0" kern="1200" dirty="0">
-                <a:solidFill>
-                  <a:schemeClr val="tx1"/>
-                </a:solidFill>
-                <a:effectLst/>
-                <a:latin typeface="+mn-lt"/>
-                <a:ea typeface="+mn-ea"/>
-                <a:cs typeface="+mn-cs"/>
-              </a:rPr>
-              <a:t>"&gt;</a:t>
-            </a:r>
-          </a:p>
-          <a:p>
-            <a:r>
-              <a:rPr lang="en" altLang="ko-KR" sz="1200" b="0" kern="1200" dirty="0">
-                <a:solidFill>
-                  <a:schemeClr val="tx1"/>
-                </a:solidFill>
-                <a:effectLst/>
-                <a:latin typeface="+mn-lt"/>
-                <a:ea typeface="+mn-ea"/>
-                <a:cs typeface="+mn-cs"/>
-              </a:rPr>
-              <a:t>&lt;input type="text" class="</a:t>
-            </a:r>
-            <a:r>
-              <a:rPr lang="en" altLang="ko-KR" sz="1200" b="0" kern="1200" dirty="0" err="1">
-                <a:solidFill>
-                  <a:schemeClr val="tx1"/>
-                </a:solidFill>
-                <a:effectLst/>
-                <a:latin typeface="+mn-lt"/>
-                <a:ea typeface="+mn-ea"/>
-                <a:cs typeface="+mn-cs"/>
-              </a:rPr>
-              <a:t>enterText</a:t>
-            </a:r>
-            <a:r>
-              <a:rPr lang="en" altLang="ko-KR" sz="1200" b="0" kern="1200" dirty="0">
-                <a:solidFill>
-                  <a:schemeClr val="tx1"/>
-                </a:solidFill>
-                <a:effectLst/>
-                <a:latin typeface="+mn-lt"/>
-                <a:ea typeface="+mn-ea"/>
-                <a:cs typeface="+mn-cs"/>
-              </a:rPr>
-              <a:t>" required size="24"&gt;</a:t>
-            </a:r>
-          </a:p>
-          <a:p>
-            <a:r>
-              <a:rPr lang="en" altLang="ko-KR" sz="1200" b="0" kern="1200" dirty="0">
-                <a:solidFill>
-                  <a:schemeClr val="tx1"/>
-                </a:solidFill>
-                <a:effectLst/>
-                <a:latin typeface="+mn-lt"/>
-                <a:ea typeface="+mn-ea"/>
-                <a:cs typeface="+mn-cs"/>
-              </a:rPr>
-              <a:t>&lt;button class="</a:t>
-            </a:r>
-            <a:r>
-              <a:rPr lang="en" altLang="ko-KR" sz="1200" b="0" kern="1200" dirty="0" err="1">
-                <a:solidFill>
-                  <a:schemeClr val="tx1"/>
-                </a:solidFill>
-                <a:effectLst/>
-                <a:latin typeface="+mn-lt"/>
-                <a:ea typeface="+mn-ea"/>
-                <a:cs typeface="+mn-cs"/>
-              </a:rPr>
-              <a:t>enterBtn</a:t>
-            </a:r>
-            <a:r>
-              <a:rPr lang="en" altLang="ko-KR" sz="1200" b="0" kern="1200" dirty="0">
-                <a:solidFill>
-                  <a:schemeClr val="tx1"/>
-                </a:solidFill>
-                <a:effectLst/>
-                <a:latin typeface="+mn-lt"/>
-                <a:ea typeface="+mn-ea"/>
-                <a:cs typeface="+mn-cs"/>
-              </a:rPr>
-              <a:t>" type="button"&gt; </a:t>
-            </a:r>
-            <a:r>
-              <a:rPr lang="ko-KR" altLang="en-US" sz="1200" b="0" kern="1200" dirty="0">
-                <a:solidFill>
-                  <a:schemeClr val="tx1"/>
-                </a:solidFill>
-                <a:effectLst/>
-                <a:latin typeface="+mn-lt"/>
-                <a:ea typeface="+mn-ea"/>
-                <a:cs typeface="+mn-cs"/>
-              </a:rPr>
-              <a:t>추가하기 </a:t>
-            </a:r>
-            <a:r>
-              <a:rPr lang="en-US" altLang="ko-KR" sz="1200" b="0" kern="1200" dirty="0">
-                <a:solidFill>
-                  <a:schemeClr val="tx1"/>
-                </a:solidFill>
-                <a:effectLst/>
-                <a:latin typeface="+mn-lt"/>
-                <a:ea typeface="+mn-ea"/>
-                <a:cs typeface="+mn-cs"/>
-              </a:rPr>
-              <a:t>&lt;/</a:t>
-            </a:r>
-            <a:r>
-              <a:rPr lang="en" altLang="ko-KR" sz="1200" b="0" kern="1200" dirty="0">
-                <a:solidFill>
-                  <a:schemeClr val="tx1"/>
-                </a:solidFill>
-                <a:effectLst/>
-                <a:latin typeface="+mn-lt"/>
-                <a:ea typeface="+mn-ea"/>
-                <a:cs typeface="+mn-cs"/>
-              </a:rPr>
-              <a:t>button&gt;</a:t>
-            </a:r>
-          </a:p>
-          <a:p>
-            <a:r>
-              <a:rPr lang="en" altLang="ko-KR" sz="1200" b="0" kern="1200" dirty="0">
-                <a:solidFill>
-                  <a:schemeClr val="tx1"/>
-                </a:solidFill>
-                <a:effectLst/>
-                <a:latin typeface="+mn-lt"/>
-                <a:ea typeface="+mn-ea"/>
-                <a:cs typeface="+mn-cs"/>
-              </a:rPr>
-              <a:t>&lt;/div&gt;</a:t>
-            </a:r>
-          </a:p>
-          <a:p>
-            <a:br>
-              <a:rPr lang="en" altLang="ko-KR" sz="1200" b="0" kern="1200" dirty="0">
-                <a:solidFill>
-                  <a:schemeClr val="tx1"/>
-                </a:solidFill>
-                <a:effectLst/>
-                <a:latin typeface="+mn-lt"/>
-                <a:ea typeface="+mn-ea"/>
-                <a:cs typeface="+mn-cs"/>
-              </a:rPr>
-            </a:br>
-            <a:r>
-              <a:rPr lang="en" altLang="ko-KR" sz="1200" b="0" kern="1200" dirty="0">
-                <a:solidFill>
-                  <a:schemeClr val="tx1"/>
-                </a:solidFill>
-                <a:effectLst/>
-                <a:latin typeface="+mn-lt"/>
-                <a:ea typeface="+mn-ea"/>
-                <a:cs typeface="+mn-cs"/>
-              </a:rPr>
-              <a:t>&lt;span class="</a:t>
-            </a:r>
-            <a:r>
-              <a:rPr lang="en" altLang="ko-KR" sz="1200" b="0" kern="1200" dirty="0" err="1">
-                <a:solidFill>
-                  <a:schemeClr val="tx1"/>
-                </a:solidFill>
-                <a:effectLst/>
-                <a:latin typeface="+mn-lt"/>
-                <a:ea typeface="+mn-ea"/>
-                <a:cs typeface="+mn-cs"/>
-              </a:rPr>
-              <a:t>notiText</a:t>
-            </a:r>
-            <a:r>
-              <a:rPr lang="en" altLang="ko-KR" sz="1200" b="0" kern="1200" dirty="0">
-                <a:solidFill>
-                  <a:schemeClr val="tx1"/>
-                </a:solidFill>
-                <a:effectLst/>
-                <a:latin typeface="+mn-lt"/>
-                <a:ea typeface="+mn-ea"/>
-                <a:cs typeface="+mn-cs"/>
-              </a:rPr>
-              <a:t>"&gt;</a:t>
-            </a:r>
-            <a:r>
-              <a:rPr lang="ko-KR" altLang="en-US" sz="1200" b="0" kern="1200" dirty="0" err="1">
-                <a:solidFill>
-                  <a:schemeClr val="tx1"/>
-                </a:solidFill>
-                <a:effectLst/>
-                <a:latin typeface="+mn-lt"/>
-                <a:ea typeface="+mn-ea"/>
-                <a:cs typeface="+mn-cs"/>
-              </a:rPr>
-              <a:t>할일이</a:t>
-            </a:r>
-            <a:r>
-              <a:rPr lang="ko-KR" altLang="en-US" sz="1200" b="0" kern="1200" dirty="0">
-                <a:solidFill>
-                  <a:schemeClr val="tx1"/>
-                </a:solidFill>
-                <a:effectLst/>
-                <a:latin typeface="+mn-lt"/>
-                <a:ea typeface="+mn-ea"/>
-                <a:cs typeface="+mn-cs"/>
-              </a:rPr>
-              <a:t> </a:t>
-            </a:r>
-            <a:r>
-              <a:rPr lang="en-US" altLang="ko-KR" sz="1200" b="0" kern="1200" dirty="0">
-                <a:solidFill>
-                  <a:schemeClr val="tx1"/>
-                </a:solidFill>
-                <a:effectLst/>
-                <a:latin typeface="+mn-lt"/>
-                <a:ea typeface="+mn-ea"/>
-                <a:cs typeface="+mn-cs"/>
-              </a:rPr>
-              <a:t>3</a:t>
-            </a:r>
-            <a:r>
-              <a:rPr lang="ko-KR" altLang="en-US" sz="1200" b="0" kern="1200" dirty="0">
-                <a:solidFill>
-                  <a:schemeClr val="tx1"/>
-                </a:solidFill>
-                <a:effectLst/>
-                <a:latin typeface="+mn-lt"/>
-                <a:ea typeface="+mn-ea"/>
-                <a:cs typeface="+mn-cs"/>
-              </a:rPr>
-              <a:t>개 남았습니다</a:t>
-            </a:r>
-            <a:r>
-              <a:rPr lang="en-US" altLang="ko-KR" sz="1200" b="0" kern="1200" dirty="0">
-                <a:solidFill>
-                  <a:schemeClr val="tx1"/>
-                </a:solidFill>
-                <a:effectLst/>
-                <a:latin typeface="+mn-lt"/>
-                <a:ea typeface="+mn-ea"/>
-                <a:cs typeface="+mn-cs"/>
-              </a:rPr>
-              <a:t>&lt;/</a:t>
-            </a:r>
-            <a:r>
-              <a:rPr lang="en" altLang="ko-KR" sz="1200" b="0" kern="1200" dirty="0">
-                <a:solidFill>
-                  <a:schemeClr val="tx1"/>
-                </a:solidFill>
-                <a:effectLst/>
-                <a:latin typeface="+mn-lt"/>
-                <a:ea typeface="+mn-ea"/>
-                <a:cs typeface="+mn-cs"/>
-              </a:rPr>
-              <a:t>span&gt;</a:t>
-            </a:r>
-          </a:p>
-          <a:p>
-            <a:br>
-              <a:rPr lang="en" altLang="ko-KR" sz="1200" b="0" kern="1200" dirty="0">
-                <a:solidFill>
-                  <a:schemeClr val="tx1"/>
-                </a:solidFill>
-                <a:effectLst/>
-                <a:latin typeface="+mn-lt"/>
-                <a:ea typeface="+mn-ea"/>
-                <a:cs typeface="+mn-cs"/>
-              </a:rPr>
-            </a:br>
-            <a:br>
-              <a:rPr lang="en" altLang="ko-KR" sz="1200" b="0" kern="1200" dirty="0">
-                <a:solidFill>
-                  <a:schemeClr val="tx1"/>
-                </a:solidFill>
-                <a:effectLst/>
-                <a:latin typeface="+mn-lt"/>
-                <a:ea typeface="+mn-ea"/>
-                <a:cs typeface="+mn-cs"/>
-              </a:rPr>
-            </a:br>
-            <a:r>
-              <a:rPr lang="en" altLang="ko-KR" sz="1200" b="0" kern="1200" dirty="0">
-                <a:solidFill>
-                  <a:schemeClr val="tx1"/>
-                </a:solidFill>
-                <a:effectLst/>
-                <a:latin typeface="+mn-lt"/>
-                <a:ea typeface="+mn-ea"/>
-                <a:cs typeface="+mn-cs"/>
-              </a:rPr>
-              <a:t>&lt;div class="</a:t>
-            </a:r>
-            <a:r>
-              <a:rPr lang="en" altLang="ko-KR" sz="1200" b="0" kern="1200" dirty="0" err="1">
-                <a:solidFill>
-                  <a:schemeClr val="tx1"/>
-                </a:solidFill>
-                <a:effectLst/>
-                <a:latin typeface="+mn-lt"/>
-                <a:ea typeface="+mn-ea"/>
-                <a:cs typeface="+mn-cs"/>
-              </a:rPr>
-              <a:t>itemList</a:t>
-            </a:r>
-            <a:r>
-              <a:rPr lang="en" altLang="ko-KR" sz="1200" b="0" kern="1200" dirty="0">
-                <a:solidFill>
-                  <a:schemeClr val="tx1"/>
-                </a:solidFill>
-                <a:effectLst/>
-                <a:latin typeface="+mn-lt"/>
-                <a:ea typeface="+mn-ea"/>
-                <a:cs typeface="+mn-cs"/>
-              </a:rPr>
-              <a:t>"&gt;</a:t>
-            </a:r>
-          </a:p>
-          <a:p>
-            <a:r>
-              <a:rPr lang="en" altLang="ko-KR" sz="1200" b="0" kern="1200" dirty="0">
-                <a:solidFill>
-                  <a:schemeClr val="tx1"/>
-                </a:solidFill>
-                <a:effectLst/>
-                <a:latin typeface="+mn-lt"/>
-                <a:ea typeface="+mn-ea"/>
-                <a:cs typeface="+mn-cs"/>
-              </a:rPr>
-              <a:t>&lt;div class="</a:t>
-            </a:r>
-            <a:r>
-              <a:rPr lang="en" altLang="ko-KR" sz="1200" b="0" kern="1200" dirty="0" err="1">
-                <a:solidFill>
-                  <a:schemeClr val="tx1"/>
-                </a:solidFill>
-                <a:effectLst/>
-                <a:latin typeface="+mn-lt"/>
-                <a:ea typeface="+mn-ea"/>
-                <a:cs typeface="+mn-cs"/>
-              </a:rPr>
-              <a:t>itemWrap</a:t>
-            </a:r>
-            <a:r>
-              <a:rPr lang="en" altLang="ko-KR" sz="1200" b="0" kern="1200" dirty="0">
-                <a:solidFill>
-                  <a:schemeClr val="tx1"/>
-                </a:solidFill>
-                <a:effectLst/>
-                <a:latin typeface="+mn-lt"/>
-                <a:ea typeface="+mn-ea"/>
-                <a:cs typeface="+mn-cs"/>
-              </a:rPr>
-              <a:t>"&gt;</a:t>
-            </a:r>
-          </a:p>
-          <a:p>
-            <a:r>
-              <a:rPr lang="en" altLang="ko-KR" sz="1200" b="0" kern="1200" dirty="0">
-                <a:solidFill>
-                  <a:schemeClr val="tx1"/>
-                </a:solidFill>
-                <a:effectLst/>
-                <a:latin typeface="+mn-lt"/>
-                <a:ea typeface="+mn-ea"/>
-                <a:cs typeface="+mn-cs"/>
-              </a:rPr>
-              <a:t>&lt;span class="material-icons md-48 </a:t>
-            </a:r>
-            <a:r>
-              <a:rPr lang="en" altLang="ko-KR" sz="1200" b="0" kern="1200" dirty="0" err="1">
-                <a:solidFill>
-                  <a:schemeClr val="tx1"/>
-                </a:solidFill>
-                <a:effectLst/>
-                <a:latin typeface="+mn-lt"/>
-                <a:ea typeface="+mn-ea"/>
-                <a:cs typeface="+mn-cs"/>
-              </a:rPr>
-              <a:t>checkBtn</a:t>
-            </a:r>
-            <a:r>
-              <a:rPr lang="en" altLang="ko-KR" sz="1200" b="0" kern="1200" dirty="0">
-                <a:solidFill>
-                  <a:schemeClr val="tx1"/>
-                </a:solidFill>
-                <a:effectLst/>
-                <a:latin typeface="+mn-lt"/>
-                <a:ea typeface="+mn-ea"/>
-                <a:cs typeface="+mn-cs"/>
-              </a:rPr>
-              <a:t>"&gt;done&lt;/span&gt;</a:t>
-            </a:r>
-          </a:p>
-          <a:p>
-            <a:r>
-              <a:rPr lang="en" altLang="ko-KR" sz="1200" b="0" kern="1200" dirty="0">
-                <a:solidFill>
-                  <a:schemeClr val="tx1"/>
-                </a:solidFill>
-                <a:effectLst/>
-                <a:latin typeface="+mn-lt"/>
-                <a:ea typeface="+mn-ea"/>
-                <a:cs typeface="+mn-cs"/>
-              </a:rPr>
-              <a:t>&lt;span class="</a:t>
-            </a:r>
-            <a:r>
-              <a:rPr lang="en" altLang="ko-KR" sz="1200" b="0" kern="1200" dirty="0" err="1">
-                <a:solidFill>
-                  <a:schemeClr val="tx1"/>
-                </a:solidFill>
-                <a:effectLst/>
-                <a:latin typeface="+mn-lt"/>
-                <a:ea typeface="+mn-ea"/>
-                <a:cs typeface="+mn-cs"/>
-              </a:rPr>
-              <a:t>itemText</a:t>
-            </a:r>
-            <a:r>
-              <a:rPr lang="en" altLang="ko-KR" sz="1200" b="0" kern="1200" dirty="0">
-                <a:solidFill>
-                  <a:schemeClr val="tx1"/>
-                </a:solidFill>
-                <a:effectLst/>
-                <a:latin typeface="+mn-lt"/>
-                <a:ea typeface="+mn-ea"/>
-                <a:cs typeface="+mn-cs"/>
-              </a:rPr>
-              <a:t>"&gt;8</a:t>
-            </a:r>
-            <a:r>
-              <a:rPr lang="ko-KR" altLang="en-US" sz="1200" b="0" kern="1200" dirty="0">
-                <a:solidFill>
-                  <a:schemeClr val="tx1"/>
-                </a:solidFill>
-                <a:effectLst/>
-                <a:latin typeface="+mn-lt"/>
-                <a:ea typeface="+mn-ea"/>
-                <a:cs typeface="+mn-cs"/>
-              </a:rPr>
-              <a:t>시 영어학원 가기</a:t>
-            </a:r>
-            <a:r>
-              <a:rPr lang="en-US" altLang="ko-KR" sz="1200" b="0" kern="1200" dirty="0">
-                <a:solidFill>
-                  <a:schemeClr val="tx1"/>
-                </a:solidFill>
-                <a:effectLst/>
-                <a:latin typeface="+mn-lt"/>
-                <a:ea typeface="+mn-ea"/>
-                <a:cs typeface="+mn-cs"/>
-              </a:rPr>
-              <a:t>&lt;/</a:t>
-            </a:r>
-            <a:r>
-              <a:rPr lang="en" altLang="ko-KR" sz="1200" b="0" kern="1200" dirty="0">
-                <a:solidFill>
-                  <a:schemeClr val="tx1"/>
-                </a:solidFill>
-                <a:effectLst/>
-                <a:latin typeface="+mn-lt"/>
-                <a:ea typeface="+mn-ea"/>
-                <a:cs typeface="+mn-cs"/>
-              </a:rPr>
-              <a:t>span&gt;</a:t>
-            </a:r>
-          </a:p>
-          <a:p>
-            <a:br>
-              <a:rPr lang="en" altLang="ko-KR" sz="1200" b="0" kern="1200" dirty="0">
-                <a:solidFill>
-                  <a:schemeClr val="tx1"/>
-                </a:solidFill>
-                <a:effectLst/>
-                <a:latin typeface="+mn-lt"/>
-                <a:ea typeface="+mn-ea"/>
-                <a:cs typeface="+mn-cs"/>
-              </a:rPr>
-            </a:br>
-            <a:r>
-              <a:rPr lang="en" altLang="ko-KR" sz="1200" b="0" kern="1200" dirty="0">
-                <a:solidFill>
-                  <a:schemeClr val="tx1"/>
-                </a:solidFill>
-                <a:effectLst/>
-                <a:latin typeface="+mn-lt"/>
-                <a:ea typeface="+mn-ea"/>
-                <a:cs typeface="+mn-cs"/>
-              </a:rPr>
-              <a:t>&lt;span class="material-icons md-48 </a:t>
-            </a:r>
-            <a:r>
-              <a:rPr lang="en" altLang="ko-KR" sz="1200" b="0" kern="1200" dirty="0" err="1">
-                <a:solidFill>
-                  <a:schemeClr val="tx1"/>
-                </a:solidFill>
-                <a:effectLst/>
-                <a:latin typeface="+mn-lt"/>
-                <a:ea typeface="+mn-ea"/>
-                <a:cs typeface="+mn-cs"/>
-              </a:rPr>
-              <a:t>delBtn</a:t>
-            </a:r>
-            <a:r>
-              <a:rPr lang="en" altLang="ko-KR" sz="1200" b="0" kern="1200" dirty="0">
-                <a:solidFill>
-                  <a:schemeClr val="tx1"/>
-                </a:solidFill>
-                <a:effectLst/>
-                <a:latin typeface="+mn-lt"/>
-                <a:ea typeface="+mn-ea"/>
-                <a:cs typeface="+mn-cs"/>
-              </a:rPr>
-              <a:t>"&gt;delete&lt;/span&gt;</a:t>
-            </a:r>
-          </a:p>
-          <a:p>
-            <a:r>
-              <a:rPr lang="en" altLang="ko-KR" sz="1200" b="0" kern="1200" dirty="0">
-                <a:solidFill>
-                  <a:schemeClr val="tx1"/>
-                </a:solidFill>
-                <a:effectLst/>
-                <a:latin typeface="+mn-lt"/>
-                <a:ea typeface="+mn-ea"/>
-                <a:cs typeface="+mn-cs"/>
-              </a:rPr>
-              <a:t>&lt;/div&gt;</a:t>
-            </a:r>
-          </a:p>
-          <a:p>
-            <a:br>
-              <a:rPr lang="en" altLang="ko-KR" sz="1200" b="0" kern="1200" dirty="0">
-                <a:solidFill>
-                  <a:schemeClr val="tx1"/>
-                </a:solidFill>
-                <a:effectLst/>
-                <a:latin typeface="+mn-lt"/>
-                <a:ea typeface="+mn-ea"/>
-                <a:cs typeface="+mn-cs"/>
-              </a:rPr>
-            </a:br>
-            <a:r>
-              <a:rPr lang="en" altLang="ko-KR" sz="1200" b="0" kern="1200" dirty="0">
-                <a:solidFill>
-                  <a:schemeClr val="tx1"/>
-                </a:solidFill>
-                <a:effectLst/>
-                <a:latin typeface="+mn-lt"/>
-                <a:ea typeface="+mn-ea"/>
-                <a:cs typeface="+mn-cs"/>
-              </a:rPr>
-              <a:t>&lt;div class="</a:t>
-            </a:r>
-            <a:r>
-              <a:rPr lang="en" altLang="ko-KR" sz="1200" b="0" kern="1200" dirty="0" err="1">
-                <a:solidFill>
-                  <a:schemeClr val="tx1"/>
-                </a:solidFill>
-                <a:effectLst/>
-                <a:latin typeface="+mn-lt"/>
-                <a:ea typeface="+mn-ea"/>
-                <a:cs typeface="+mn-cs"/>
-              </a:rPr>
-              <a:t>itemWrap</a:t>
-            </a:r>
-            <a:r>
-              <a:rPr lang="en" altLang="ko-KR" sz="1200" b="0" kern="1200" dirty="0">
-                <a:solidFill>
-                  <a:schemeClr val="tx1"/>
-                </a:solidFill>
-                <a:effectLst/>
-                <a:latin typeface="+mn-lt"/>
-                <a:ea typeface="+mn-ea"/>
-                <a:cs typeface="+mn-cs"/>
-              </a:rPr>
-              <a:t>"&gt;</a:t>
-            </a:r>
-          </a:p>
-          <a:p>
-            <a:r>
-              <a:rPr lang="en" altLang="ko-KR" sz="1200" b="0" kern="1200" dirty="0">
-                <a:solidFill>
-                  <a:schemeClr val="tx1"/>
-                </a:solidFill>
-                <a:effectLst/>
-                <a:latin typeface="+mn-lt"/>
-                <a:ea typeface="+mn-ea"/>
-                <a:cs typeface="+mn-cs"/>
-              </a:rPr>
-              <a:t>&lt;span class="material-icons md-48 </a:t>
-            </a:r>
-            <a:r>
-              <a:rPr lang="en" altLang="ko-KR" sz="1200" b="0" kern="1200" dirty="0" err="1">
-                <a:solidFill>
-                  <a:schemeClr val="tx1"/>
-                </a:solidFill>
-                <a:effectLst/>
-                <a:latin typeface="+mn-lt"/>
-                <a:ea typeface="+mn-ea"/>
-                <a:cs typeface="+mn-cs"/>
-              </a:rPr>
-              <a:t>checkBtn</a:t>
-            </a:r>
-            <a:r>
-              <a:rPr lang="en" altLang="ko-KR" sz="1200" b="0" kern="1200" dirty="0">
-                <a:solidFill>
-                  <a:schemeClr val="tx1"/>
-                </a:solidFill>
-                <a:effectLst/>
-                <a:latin typeface="+mn-lt"/>
-                <a:ea typeface="+mn-ea"/>
-                <a:cs typeface="+mn-cs"/>
-              </a:rPr>
-              <a:t>" style="color: green;"&gt;done&lt;/span&gt;</a:t>
-            </a:r>
-          </a:p>
-          <a:p>
-            <a:r>
-              <a:rPr lang="en" altLang="ko-KR" sz="1200" b="0" kern="1200" dirty="0">
-                <a:solidFill>
-                  <a:schemeClr val="tx1"/>
-                </a:solidFill>
-                <a:effectLst/>
-                <a:latin typeface="+mn-lt"/>
-                <a:ea typeface="+mn-ea"/>
-                <a:cs typeface="+mn-cs"/>
-              </a:rPr>
-              <a:t>&lt;span class="</a:t>
-            </a:r>
-            <a:r>
-              <a:rPr lang="en" altLang="ko-KR" sz="1200" b="0" kern="1200" dirty="0" err="1">
-                <a:solidFill>
-                  <a:schemeClr val="tx1"/>
-                </a:solidFill>
-                <a:effectLst/>
-                <a:latin typeface="+mn-lt"/>
-                <a:ea typeface="+mn-ea"/>
-                <a:cs typeface="+mn-cs"/>
-              </a:rPr>
-              <a:t>itemText</a:t>
-            </a:r>
-            <a:r>
-              <a:rPr lang="en" altLang="ko-KR" sz="1200" b="0" kern="1200" dirty="0">
-                <a:solidFill>
-                  <a:schemeClr val="tx1"/>
-                </a:solidFill>
-                <a:effectLst/>
-                <a:latin typeface="+mn-lt"/>
-                <a:ea typeface="+mn-ea"/>
-                <a:cs typeface="+mn-cs"/>
-              </a:rPr>
-              <a:t>"&gt;10</a:t>
-            </a:r>
-            <a:r>
-              <a:rPr lang="ko-KR" altLang="en-US" sz="1200" b="0" kern="1200" dirty="0">
-                <a:solidFill>
-                  <a:schemeClr val="tx1"/>
-                </a:solidFill>
-                <a:effectLst/>
-                <a:latin typeface="+mn-lt"/>
-                <a:ea typeface="+mn-ea"/>
-                <a:cs typeface="+mn-cs"/>
-              </a:rPr>
-              <a:t>시 출근 하기</a:t>
-            </a:r>
-            <a:r>
-              <a:rPr lang="en-US" altLang="ko-KR" sz="1200" b="0" kern="1200" dirty="0">
-                <a:solidFill>
-                  <a:schemeClr val="tx1"/>
-                </a:solidFill>
-                <a:effectLst/>
-                <a:latin typeface="+mn-lt"/>
-                <a:ea typeface="+mn-ea"/>
-                <a:cs typeface="+mn-cs"/>
-              </a:rPr>
-              <a:t>&lt;/</a:t>
-            </a:r>
-            <a:r>
-              <a:rPr lang="en" altLang="ko-KR" sz="1200" b="0" kern="1200" dirty="0">
-                <a:solidFill>
-                  <a:schemeClr val="tx1"/>
-                </a:solidFill>
-                <a:effectLst/>
-                <a:latin typeface="+mn-lt"/>
-                <a:ea typeface="+mn-ea"/>
-                <a:cs typeface="+mn-cs"/>
-              </a:rPr>
-              <a:t>span&gt;</a:t>
-            </a:r>
-          </a:p>
-          <a:p>
-            <a:br>
-              <a:rPr lang="en" altLang="ko-KR" sz="1200" b="0" kern="1200" dirty="0">
-                <a:solidFill>
-                  <a:schemeClr val="tx1"/>
-                </a:solidFill>
-                <a:effectLst/>
-                <a:latin typeface="+mn-lt"/>
-                <a:ea typeface="+mn-ea"/>
-                <a:cs typeface="+mn-cs"/>
-              </a:rPr>
-            </a:br>
-            <a:r>
-              <a:rPr lang="en" altLang="ko-KR" sz="1200" b="0" kern="1200" dirty="0">
-                <a:solidFill>
-                  <a:schemeClr val="tx1"/>
-                </a:solidFill>
-                <a:effectLst/>
-                <a:latin typeface="+mn-lt"/>
-                <a:ea typeface="+mn-ea"/>
-                <a:cs typeface="+mn-cs"/>
-              </a:rPr>
-              <a:t>&lt;span class="material-icons md-48 </a:t>
-            </a:r>
-            <a:r>
-              <a:rPr lang="en" altLang="ko-KR" sz="1200" b="0" kern="1200" dirty="0" err="1">
-                <a:solidFill>
-                  <a:schemeClr val="tx1"/>
-                </a:solidFill>
-                <a:effectLst/>
-                <a:latin typeface="+mn-lt"/>
-                <a:ea typeface="+mn-ea"/>
-                <a:cs typeface="+mn-cs"/>
-              </a:rPr>
-              <a:t>delBtn</a:t>
-            </a:r>
-            <a:r>
-              <a:rPr lang="en" altLang="ko-KR" sz="1200" b="0" kern="1200" dirty="0">
-                <a:solidFill>
-                  <a:schemeClr val="tx1"/>
-                </a:solidFill>
-                <a:effectLst/>
-                <a:latin typeface="+mn-lt"/>
-                <a:ea typeface="+mn-ea"/>
-                <a:cs typeface="+mn-cs"/>
-              </a:rPr>
-              <a:t>" style="color: red;"&gt;delete&lt;/span&gt;</a:t>
-            </a:r>
-          </a:p>
-          <a:p>
-            <a:r>
-              <a:rPr lang="en" altLang="ko-KR" sz="1200" b="0" kern="1200" dirty="0">
-                <a:solidFill>
-                  <a:schemeClr val="tx1"/>
-                </a:solidFill>
-                <a:effectLst/>
-                <a:latin typeface="+mn-lt"/>
-                <a:ea typeface="+mn-ea"/>
-                <a:cs typeface="+mn-cs"/>
-              </a:rPr>
-              <a:t>&lt;/div&gt;</a:t>
-            </a:r>
-          </a:p>
-          <a:p>
-            <a:r>
-              <a:rPr lang="en" altLang="ko-KR" sz="1200" b="0" kern="1200" dirty="0">
-                <a:solidFill>
-                  <a:schemeClr val="tx1"/>
-                </a:solidFill>
-                <a:effectLst/>
-                <a:latin typeface="+mn-lt"/>
-                <a:ea typeface="+mn-ea"/>
-                <a:cs typeface="+mn-cs"/>
-              </a:rPr>
-              <a:t>&lt;/div&gt;</a:t>
-            </a:r>
-          </a:p>
-          <a:p>
-            <a:br>
-              <a:rPr lang="en" altLang="ko-KR" sz="1200" b="0" kern="1200" dirty="0">
-                <a:solidFill>
-                  <a:schemeClr val="tx1"/>
-                </a:solidFill>
-                <a:effectLst/>
-                <a:latin typeface="+mn-lt"/>
-                <a:ea typeface="+mn-ea"/>
-                <a:cs typeface="+mn-cs"/>
-              </a:rPr>
-            </a:br>
-            <a:r>
-              <a:rPr lang="en" altLang="ko-KR" sz="1200" b="0" kern="1200" dirty="0">
-                <a:solidFill>
-                  <a:schemeClr val="tx1"/>
-                </a:solidFill>
-                <a:effectLst/>
-                <a:latin typeface="+mn-lt"/>
-                <a:ea typeface="+mn-ea"/>
-                <a:cs typeface="+mn-cs"/>
-              </a:rPr>
-              <a:t>&lt;/body&gt;</a:t>
-            </a:r>
-          </a:p>
-          <a:p>
-            <a:br>
-              <a:rPr lang="en" altLang="ko-KR" sz="1200" b="0" kern="1200" dirty="0">
-                <a:solidFill>
-                  <a:schemeClr val="tx1"/>
-                </a:solidFill>
-                <a:effectLst/>
-                <a:latin typeface="+mn-lt"/>
-                <a:ea typeface="+mn-ea"/>
-                <a:cs typeface="+mn-cs"/>
-              </a:rPr>
-            </a:br>
-            <a:r>
-              <a:rPr lang="en" altLang="ko-KR" sz="1200" b="0" kern="1200" dirty="0">
-                <a:solidFill>
-                  <a:schemeClr val="tx1"/>
-                </a:solidFill>
-                <a:effectLst/>
-                <a:latin typeface="+mn-lt"/>
-                <a:ea typeface="+mn-ea"/>
-                <a:cs typeface="+mn-cs"/>
-              </a:rPr>
-              <a:t>&lt;/html&gt;</a:t>
-            </a:r>
-          </a:p>
-          <a:p>
-            <a:endParaRPr lang="en" altLang="ko-KR" sz="1200" b="0" kern="1200" dirty="0">
-              <a:solidFill>
-                <a:schemeClr val="tx1"/>
-              </a:solidFill>
-              <a:effectLst/>
-              <a:latin typeface="+mn-lt"/>
-              <a:ea typeface="+mn-ea"/>
-              <a:cs typeface="+mn-cs"/>
-            </a:endParaRPr>
-          </a:p>
-          <a:p>
-            <a:r>
-              <a:rPr lang="en" altLang="ko-KR" sz="1200" b="0" kern="1200" dirty="0">
-                <a:solidFill>
-                  <a:schemeClr val="tx1"/>
-                </a:solidFill>
-                <a:effectLst/>
-                <a:latin typeface="+mn-lt"/>
-                <a:ea typeface="+mn-ea"/>
-                <a:cs typeface="+mn-cs"/>
-              </a:rPr>
-              <a:t>.</a:t>
-            </a:r>
-            <a:r>
-              <a:rPr lang="en" altLang="ko-KR" sz="1200" b="0" kern="1200" dirty="0" err="1">
-                <a:solidFill>
-                  <a:schemeClr val="tx1"/>
-                </a:solidFill>
-                <a:effectLst/>
-                <a:latin typeface="+mn-lt"/>
-                <a:ea typeface="+mn-ea"/>
-                <a:cs typeface="+mn-cs"/>
-              </a:rPr>
-              <a:t>containter</a:t>
-            </a:r>
-            <a:r>
-              <a:rPr lang="en" altLang="ko-KR" sz="1200" b="0" kern="1200" dirty="0">
-                <a:solidFill>
-                  <a:schemeClr val="tx1"/>
-                </a:solidFill>
-                <a:effectLst/>
-                <a:latin typeface="+mn-lt"/>
-                <a:ea typeface="+mn-ea"/>
-                <a:cs typeface="+mn-cs"/>
-              </a:rPr>
-              <a:t>{</a:t>
-            </a:r>
-          </a:p>
-          <a:p>
-            <a:r>
-              <a:rPr lang="en" altLang="ko-KR" sz="1200" b="0" kern="1200" dirty="0">
-                <a:solidFill>
-                  <a:schemeClr val="tx1"/>
-                </a:solidFill>
-                <a:effectLst/>
-                <a:latin typeface="+mn-lt"/>
-                <a:ea typeface="+mn-ea"/>
-                <a:cs typeface="+mn-cs"/>
-              </a:rPr>
-              <a:t>background-color: #07dba6;</a:t>
-            </a:r>
-          </a:p>
-          <a:p>
-            <a:r>
-              <a:rPr lang="en" altLang="ko-KR" sz="1200" b="0" kern="1200" dirty="0">
-                <a:solidFill>
-                  <a:schemeClr val="tx1"/>
-                </a:solidFill>
-                <a:effectLst/>
-                <a:latin typeface="+mn-lt"/>
-                <a:ea typeface="+mn-ea"/>
-                <a:cs typeface="+mn-cs"/>
-              </a:rPr>
-              <a:t>display: flex;</a:t>
-            </a:r>
-          </a:p>
-          <a:p>
-            <a:r>
-              <a:rPr lang="en" altLang="ko-KR" sz="1200" b="0" kern="1200" dirty="0">
-                <a:solidFill>
-                  <a:schemeClr val="tx1"/>
-                </a:solidFill>
-                <a:effectLst/>
-                <a:latin typeface="+mn-lt"/>
-                <a:ea typeface="+mn-ea"/>
-                <a:cs typeface="+mn-cs"/>
-              </a:rPr>
-              <a:t>position: relative;</a:t>
-            </a:r>
-          </a:p>
-          <a:p>
-            <a:r>
-              <a:rPr lang="en" altLang="ko-KR" sz="1200" b="0" kern="1200" dirty="0">
-                <a:solidFill>
-                  <a:schemeClr val="tx1"/>
-                </a:solidFill>
-                <a:effectLst/>
-                <a:latin typeface="+mn-lt"/>
-                <a:ea typeface="+mn-ea"/>
-                <a:cs typeface="+mn-cs"/>
-              </a:rPr>
-              <a:t>align-items: center;</a:t>
-            </a:r>
-          </a:p>
-          <a:p>
-            <a:r>
-              <a:rPr lang="en" altLang="ko-KR" sz="1200" b="0" kern="1200" dirty="0">
-                <a:solidFill>
-                  <a:schemeClr val="tx1"/>
-                </a:solidFill>
-                <a:effectLst/>
-                <a:latin typeface="+mn-lt"/>
-                <a:ea typeface="+mn-ea"/>
-                <a:cs typeface="+mn-cs"/>
-              </a:rPr>
-              <a:t>flex:1;</a:t>
-            </a:r>
-          </a:p>
-          <a:p>
-            <a:r>
-              <a:rPr lang="en" altLang="ko-KR" sz="1200" b="0" kern="1200" dirty="0">
-                <a:solidFill>
-                  <a:schemeClr val="tx1"/>
-                </a:solidFill>
-                <a:effectLst/>
-                <a:latin typeface="+mn-lt"/>
-                <a:ea typeface="+mn-ea"/>
-                <a:cs typeface="+mn-cs"/>
-              </a:rPr>
-              <a:t>flex-direction: column;</a:t>
-            </a:r>
-          </a:p>
-          <a:p>
-            <a:r>
-              <a:rPr lang="en" altLang="ko-KR" sz="1200" b="0" kern="1200" dirty="0">
-                <a:solidFill>
-                  <a:schemeClr val="tx1"/>
-                </a:solidFill>
-                <a:effectLst/>
-                <a:latin typeface="+mn-lt"/>
-                <a:ea typeface="+mn-ea"/>
-                <a:cs typeface="+mn-cs"/>
-              </a:rPr>
-              <a:t>}</a:t>
-            </a:r>
-          </a:p>
-          <a:p>
-            <a:br>
-              <a:rPr lang="en" altLang="ko-KR" sz="1200" b="0" kern="1200" dirty="0">
-                <a:solidFill>
-                  <a:schemeClr val="tx1"/>
-                </a:solidFill>
-                <a:effectLst/>
-                <a:latin typeface="+mn-lt"/>
-                <a:ea typeface="+mn-ea"/>
-                <a:cs typeface="+mn-cs"/>
-              </a:rPr>
-            </a:br>
-            <a:r>
-              <a:rPr lang="en" altLang="ko-KR" sz="1200" b="0" kern="1200" dirty="0">
-                <a:solidFill>
-                  <a:schemeClr val="tx1"/>
-                </a:solidFill>
-                <a:effectLst/>
-                <a:latin typeface="+mn-lt"/>
-                <a:ea typeface="+mn-ea"/>
-                <a:cs typeface="+mn-cs"/>
-              </a:rPr>
-              <a:t>.</a:t>
-            </a:r>
-            <a:r>
-              <a:rPr lang="en" altLang="ko-KR" sz="1200" b="0" kern="1200" dirty="0" err="1">
-                <a:solidFill>
-                  <a:schemeClr val="tx1"/>
-                </a:solidFill>
-                <a:effectLst/>
-                <a:latin typeface="+mn-lt"/>
-                <a:ea typeface="+mn-ea"/>
-                <a:cs typeface="+mn-cs"/>
-              </a:rPr>
-              <a:t>myImg</a:t>
-            </a:r>
-            <a:r>
-              <a:rPr lang="en" altLang="ko-KR" sz="1200" b="0" kern="1200" dirty="0">
-                <a:solidFill>
-                  <a:schemeClr val="tx1"/>
-                </a:solidFill>
-                <a:effectLst/>
-                <a:latin typeface="+mn-lt"/>
-                <a:ea typeface="+mn-ea"/>
-                <a:cs typeface="+mn-cs"/>
-              </a:rPr>
-              <a:t> {</a:t>
-            </a:r>
-          </a:p>
-          <a:p>
-            <a:r>
-              <a:rPr lang="en" altLang="ko-KR" sz="1200" b="0" kern="1200" dirty="0">
-                <a:solidFill>
-                  <a:schemeClr val="tx1"/>
-                </a:solidFill>
-                <a:effectLst/>
-                <a:latin typeface="+mn-lt"/>
-                <a:ea typeface="+mn-ea"/>
-                <a:cs typeface="+mn-cs"/>
-              </a:rPr>
-              <a:t>width: 120px;</a:t>
-            </a:r>
-          </a:p>
-          <a:p>
-            <a:r>
-              <a:rPr lang="en" altLang="ko-KR" sz="1200" b="0" kern="1200" dirty="0">
-                <a:solidFill>
-                  <a:schemeClr val="tx1"/>
-                </a:solidFill>
-                <a:effectLst/>
-                <a:latin typeface="+mn-lt"/>
-                <a:ea typeface="+mn-ea"/>
-                <a:cs typeface="+mn-cs"/>
-              </a:rPr>
-              <a:t>height: 120px;</a:t>
-            </a:r>
-          </a:p>
-          <a:p>
-            <a:r>
-              <a:rPr lang="en" altLang="ko-KR" sz="1200" b="0" kern="1200" dirty="0">
-                <a:solidFill>
-                  <a:schemeClr val="tx1"/>
-                </a:solidFill>
-                <a:effectLst/>
-                <a:latin typeface="+mn-lt"/>
-                <a:ea typeface="+mn-ea"/>
-                <a:cs typeface="+mn-cs"/>
-              </a:rPr>
-              <a:t>border-radius: 50%;</a:t>
-            </a:r>
-          </a:p>
-          <a:p>
-            <a:r>
-              <a:rPr lang="en" altLang="ko-KR" sz="1200" b="0" kern="1200" dirty="0">
-                <a:solidFill>
-                  <a:schemeClr val="tx1"/>
-                </a:solidFill>
-                <a:effectLst/>
-                <a:latin typeface="+mn-lt"/>
-                <a:ea typeface="+mn-ea"/>
-                <a:cs typeface="+mn-cs"/>
-              </a:rPr>
-              <a:t>margin-top: 40px;</a:t>
-            </a:r>
-          </a:p>
-          <a:p>
-            <a:r>
-              <a:rPr lang="en" altLang="ko-KR" sz="1200" b="0" kern="1200" dirty="0">
-                <a:solidFill>
-                  <a:schemeClr val="tx1"/>
-                </a:solidFill>
-                <a:effectLst/>
-                <a:latin typeface="+mn-lt"/>
-                <a:ea typeface="+mn-ea"/>
-                <a:cs typeface="+mn-cs"/>
-              </a:rPr>
-              <a:t>}</a:t>
-            </a:r>
-          </a:p>
-          <a:p>
-            <a:br>
-              <a:rPr lang="en" altLang="ko-KR" sz="1200" b="0" kern="1200" dirty="0">
-                <a:solidFill>
-                  <a:schemeClr val="tx1"/>
-                </a:solidFill>
-                <a:effectLst/>
-                <a:latin typeface="+mn-lt"/>
-                <a:ea typeface="+mn-ea"/>
-                <a:cs typeface="+mn-cs"/>
-              </a:rPr>
-            </a:br>
-            <a:r>
-              <a:rPr lang="en" altLang="ko-KR" sz="1200" b="0" kern="1200" dirty="0">
-                <a:solidFill>
-                  <a:schemeClr val="tx1"/>
-                </a:solidFill>
-                <a:effectLst/>
-                <a:latin typeface="+mn-lt"/>
-                <a:ea typeface="+mn-ea"/>
-                <a:cs typeface="+mn-cs"/>
-              </a:rPr>
-              <a:t>.title {</a:t>
-            </a:r>
-          </a:p>
-          <a:p>
-            <a:r>
-              <a:rPr lang="en" altLang="ko-KR" sz="1200" b="0" kern="1200" dirty="0">
-                <a:solidFill>
-                  <a:schemeClr val="tx1"/>
-                </a:solidFill>
-                <a:effectLst/>
-                <a:latin typeface="+mn-lt"/>
-                <a:ea typeface="+mn-ea"/>
-                <a:cs typeface="+mn-cs"/>
-              </a:rPr>
-              <a:t>color: #</a:t>
-            </a:r>
-            <a:r>
-              <a:rPr lang="en" altLang="ko-KR" sz="1200" b="0" kern="1200" dirty="0" err="1">
-                <a:solidFill>
-                  <a:schemeClr val="tx1"/>
-                </a:solidFill>
-                <a:effectLst/>
-                <a:latin typeface="+mn-lt"/>
-                <a:ea typeface="+mn-ea"/>
-                <a:cs typeface="+mn-cs"/>
-              </a:rPr>
-              <a:t>ffffff</a:t>
-            </a:r>
-            <a:r>
-              <a:rPr lang="en" altLang="ko-KR" sz="1200" b="0" kern="1200" dirty="0">
-                <a:solidFill>
-                  <a:schemeClr val="tx1"/>
-                </a:solidFill>
-                <a:effectLst/>
-                <a:latin typeface="+mn-lt"/>
-                <a:ea typeface="+mn-ea"/>
-                <a:cs typeface="+mn-cs"/>
-              </a:rPr>
-              <a:t>;</a:t>
-            </a:r>
-          </a:p>
-          <a:p>
-            <a:r>
-              <a:rPr lang="en" altLang="ko-KR" sz="1200" b="0" kern="1200" dirty="0">
-                <a:solidFill>
-                  <a:schemeClr val="tx1"/>
-                </a:solidFill>
-                <a:effectLst/>
-                <a:latin typeface="+mn-lt"/>
-                <a:ea typeface="+mn-ea"/>
-                <a:cs typeface="+mn-cs"/>
-              </a:rPr>
-              <a:t>padding: 0px;</a:t>
-            </a:r>
-          </a:p>
-          <a:p>
-            <a:r>
-              <a:rPr lang="en" altLang="ko-KR" sz="1200" b="0" kern="1200" dirty="0">
-                <a:solidFill>
-                  <a:schemeClr val="tx1"/>
-                </a:solidFill>
-                <a:effectLst/>
-                <a:latin typeface="+mn-lt"/>
-                <a:ea typeface="+mn-ea"/>
-                <a:cs typeface="+mn-cs"/>
-              </a:rPr>
-              <a:t>margin: 15px 0 0 0;</a:t>
-            </a:r>
-          </a:p>
-          <a:p>
-            <a:r>
-              <a:rPr lang="en" altLang="ko-KR" sz="1200" b="0" kern="1200" dirty="0">
-                <a:solidFill>
-                  <a:schemeClr val="tx1"/>
-                </a:solidFill>
-                <a:effectLst/>
-                <a:latin typeface="+mn-lt"/>
-                <a:ea typeface="+mn-ea"/>
-                <a:cs typeface="+mn-cs"/>
-              </a:rPr>
-              <a:t>}</a:t>
-            </a:r>
-          </a:p>
-          <a:p>
-            <a:br>
-              <a:rPr lang="en" altLang="ko-KR" sz="1200" b="0" kern="1200" dirty="0">
-                <a:solidFill>
-                  <a:schemeClr val="tx1"/>
-                </a:solidFill>
-                <a:effectLst/>
-                <a:latin typeface="+mn-lt"/>
-                <a:ea typeface="+mn-ea"/>
-                <a:cs typeface="+mn-cs"/>
-              </a:rPr>
-            </a:br>
-            <a:r>
-              <a:rPr lang="en" altLang="ko-KR" sz="1200" b="0" kern="1200" dirty="0">
-                <a:solidFill>
-                  <a:schemeClr val="tx1"/>
-                </a:solidFill>
-                <a:effectLst/>
-                <a:latin typeface="+mn-lt"/>
-                <a:ea typeface="+mn-ea"/>
-                <a:cs typeface="+mn-cs"/>
-              </a:rPr>
-              <a:t>.subtitle {</a:t>
-            </a:r>
-          </a:p>
-          <a:p>
-            <a:r>
-              <a:rPr lang="en" altLang="ko-KR" sz="1200" b="0" kern="1200" dirty="0">
-                <a:solidFill>
-                  <a:schemeClr val="tx1"/>
-                </a:solidFill>
-                <a:effectLst/>
-                <a:latin typeface="+mn-lt"/>
-                <a:ea typeface="+mn-ea"/>
-                <a:cs typeface="+mn-cs"/>
-              </a:rPr>
-              <a:t>color: #</a:t>
-            </a:r>
-            <a:r>
-              <a:rPr lang="en" altLang="ko-KR" sz="1200" b="0" kern="1200" dirty="0" err="1">
-                <a:solidFill>
-                  <a:schemeClr val="tx1"/>
-                </a:solidFill>
-                <a:effectLst/>
-                <a:latin typeface="+mn-lt"/>
-                <a:ea typeface="+mn-ea"/>
-                <a:cs typeface="+mn-cs"/>
-              </a:rPr>
-              <a:t>ffffff</a:t>
-            </a:r>
-            <a:r>
-              <a:rPr lang="en" altLang="ko-KR" sz="1200" b="0" kern="1200" dirty="0">
-                <a:solidFill>
-                  <a:schemeClr val="tx1"/>
-                </a:solidFill>
-                <a:effectLst/>
-                <a:latin typeface="+mn-lt"/>
-                <a:ea typeface="+mn-ea"/>
-                <a:cs typeface="+mn-cs"/>
-              </a:rPr>
-              <a:t>;</a:t>
-            </a:r>
-          </a:p>
-          <a:p>
-            <a:r>
-              <a:rPr lang="en" altLang="ko-KR" sz="1200" b="0" kern="1200" dirty="0">
-                <a:solidFill>
-                  <a:schemeClr val="tx1"/>
-                </a:solidFill>
-                <a:effectLst/>
-                <a:latin typeface="+mn-lt"/>
-                <a:ea typeface="+mn-ea"/>
-                <a:cs typeface="+mn-cs"/>
-              </a:rPr>
-              <a:t>padding: 0px;</a:t>
-            </a:r>
-          </a:p>
-          <a:p>
-            <a:r>
-              <a:rPr lang="en" altLang="ko-KR" sz="1200" b="0" kern="1200" dirty="0">
-                <a:solidFill>
-                  <a:schemeClr val="tx1"/>
-                </a:solidFill>
-                <a:effectLst/>
-                <a:latin typeface="+mn-lt"/>
-                <a:ea typeface="+mn-ea"/>
-                <a:cs typeface="+mn-cs"/>
-              </a:rPr>
-              <a:t>margin: 2px 0 0 0;</a:t>
-            </a:r>
-          </a:p>
-          <a:p>
-            <a:r>
-              <a:rPr lang="en" altLang="ko-KR" sz="1200" b="0" kern="1200" dirty="0">
-                <a:solidFill>
-                  <a:schemeClr val="tx1"/>
-                </a:solidFill>
-                <a:effectLst/>
-                <a:latin typeface="+mn-lt"/>
-                <a:ea typeface="+mn-ea"/>
-                <a:cs typeface="+mn-cs"/>
-              </a:rPr>
-              <a:t>}</a:t>
-            </a:r>
-          </a:p>
-          <a:p>
-            <a:br>
-              <a:rPr lang="en" altLang="ko-KR" sz="1200" b="0" kern="1200" dirty="0">
-                <a:solidFill>
-                  <a:schemeClr val="tx1"/>
-                </a:solidFill>
-                <a:effectLst/>
-                <a:latin typeface="+mn-lt"/>
-                <a:ea typeface="+mn-ea"/>
-                <a:cs typeface="+mn-cs"/>
-              </a:rPr>
-            </a:br>
-            <a:r>
-              <a:rPr lang="en" altLang="ko-KR" sz="1200" b="0" kern="1200" dirty="0">
-                <a:solidFill>
-                  <a:schemeClr val="tx1"/>
-                </a:solidFill>
-                <a:effectLst/>
-                <a:latin typeface="+mn-lt"/>
-                <a:ea typeface="+mn-ea"/>
-                <a:cs typeface="+mn-cs"/>
-              </a:rPr>
-              <a:t>.</a:t>
-            </a:r>
-            <a:r>
-              <a:rPr lang="en" altLang="ko-KR" sz="1200" b="0" kern="1200" dirty="0" err="1">
-                <a:solidFill>
-                  <a:schemeClr val="tx1"/>
-                </a:solidFill>
-                <a:effectLst/>
-                <a:latin typeface="+mn-lt"/>
-                <a:ea typeface="+mn-ea"/>
-                <a:cs typeface="+mn-cs"/>
-              </a:rPr>
-              <a:t>notiText</a:t>
-            </a:r>
-            <a:r>
-              <a:rPr lang="en" altLang="ko-KR" sz="1200" b="0" kern="1200" dirty="0">
-                <a:solidFill>
-                  <a:schemeClr val="tx1"/>
-                </a:solidFill>
-                <a:effectLst/>
-                <a:latin typeface="+mn-lt"/>
-                <a:ea typeface="+mn-ea"/>
-                <a:cs typeface="+mn-cs"/>
-              </a:rPr>
-              <a:t> {</a:t>
-            </a:r>
-          </a:p>
-          <a:p>
-            <a:r>
-              <a:rPr lang="en" altLang="ko-KR" sz="1200" b="0" kern="1200" dirty="0">
-                <a:solidFill>
-                  <a:schemeClr val="tx1"/>
-                </a:solidFill>
-                <a:effectLst/>
-                <a:latin typeface="+mn-lt"/>
-                <a:ea typeface="+mn-ea"/>
-                <a:cs typeface="+mn-cs"/>
-              </a:rPr>
-              <a:t>color: #</a:t>
-            </a:r>
-            <a:r>
-              <a:rPr lang="en" altLang="ko-KR" sz="1200" b="0" kern="1200" dirty="0" err="1">
-                <a:solidFill>
-                  <a:schemeClr val="tx1"/>
-                </a:solidFill>
-                <a:effectLst/>
-                <a:latin typeface="+mn-lt"/>
-                <a:ea typeface="+mn-ea"/>
-                <a:cs typeface="+mn-cs"/>
-              </a:rPr>
-              <a:t>ffffff</a:t>
-            </a:r>
-            <a:r>
-              <a:rPr lang="en" altLang="ko-KR" sz="1200" b="0" kern="1200" dirty="0">
-                <a:solidFill>
-                  <a:schemeClr val="tx1"/>
-                </a:solidFill>
-                <a:effectLst/>
-                <a:latin typeface="+mn-lt"/>
-                <a:ea typeface="+mn-ea"/>
-                <a:cs typeface="+mn-cs"/>
-              </a:rPr>
-              <a:t>;</a:t>
-            </a:r>
-          </a:p>
-          <a:p>
-            <a:r>
-              <a:rPr lang="en" altLang="ko-KR" sz="1200" b="0" kern="1200" dirty="0">
-                <a:solidFill>
-                  <a:schemeClr val="tx1"/>
-                </a:solidFill>
-                <a:effectLst/>
-                <a:latin typeface="+mn-lt"/>
-                <a:ea typeface="+mn-ea"/>
-                <a:cs typeface="+mn-cs"/>
-              </a:rPr>
-              <a:t>padding: 0px;</a:t>
-            </a:r>
-          </a:p>
-          <a:p>
-            <a:r>
-              <a:rPr lang="en" altLang="ko-KR" sz="1200" b="0" kern="1200" dirty="0">
-                <a:solidFill>
-                  <a:schemeClr val="tx1"/>
-                </a:solidFill>
-                <a:effectLst/>
-                <a:latin typeface="+mn-lt"/>
-                <a:ea typeface="+mn-ea"/>
-                <a:cs typeface="+mn-cs"/>
-              </a:rPr>
-              <a:t>margin: 10px 0 0 0;</a:t>
-            </a:r>
-          </a:p>
-          <a:p>
-            <a:r>
-              <a:rPr lang="en" altLang="ko-KR" sz="1200" b="0" kern="1200" dirty="0">
-                <a:solidFill>
-                  <a:schemeClr val="tx1"/>
-                </a:solidFill>
-                <a:effectLst/>
-                <a:latin typeface="+mn-lt"/>
-                <a:ea typeface="+mn-ea"/>
-                <a:cs typeface="+mn-cs"/>
-              </a:rPr>
-              <a:t>font-size: small;</a:t>
-            </a:r>
-          </a:p>
-          <a:p>
-            <a:r>
-              <a:rPr lang="en" altLang="ko-KR" sz="1200" b="0" kern="1200" dirty="0">
-                <a:solidFill>
-                  <a:schemeClr val="tx1"/>
-                </a:solidFill>
-                <a:effectLst/>
-                <a:latin typeface="+mn-lt"/>
-                <a:ea typeface="+mn-ea"/>
-                <a:cs typeface="+mn-cs"/>
-              </a:rPr>
-              <a:t>}</a:t>
-            </a:r>
-          </a:p>
-          <a:p>
-            <a:br>
-              <a:rPr lang="en" altLang="ko-KR" sz="1200" b="0" kern="1200" dirty="0">
-                <a:solidFill>
-                  <a:schemeClr val="tx1"/>
-                </a:solidFill>
-                <a:effectLst/>
-                <a:latin typeface="+mn-lt"/>
-                <a:ea typeface="+mn-ea"/>
-                <a:cs typeface="+mn-cs"/>
-              </a:rPr>
-            </a:br>
-            <a:r>
-              <a:rPr lang="en" altLang="ko-KR" sz="1200" b="0" kern="1200" dirty="0">
-                <a:solidFill>
-                  <a:schemeClr val="tx1"/>
-                </a:solidFill>
-                <a:effectLst/>
-                <a:latin typeface="+mn-lt"/>
-                <a:ea typeface="+mn-ea"/>
-                <a:cs typeface="+mn-cs"/>
-              </a:rPr>
-              <a:t>.</a:t>
-            </a:r>
-            <a:r>
-              <a:rPr lang="en" altLang="ko-KR" sz="1200" b="0" kern="1200" dirty="0" err="1">
-                <a:solidFill>
-                  <a:schemeClr val="tx1"/>
-                </a:solidFill>
-                <a:effectLst/>
-                <a:latin typeface="+mn-lt"/>
-                <a:ea typeface="+mn-ea"/>
-                <a:cs typeface="+mn-cs"/>
-              </a:rPr>
-              <a:t>ipWrap</a:t>
-            </a:r>
-            <a:r>
-              <a:rPr lang="en" altLang="ko-KR" sz="1200" b="0" kern="1200" dirty="0">
-                <a:solidFill>
-                  <a:schemeClr val="tx1"/>
-                </a:solidFill>
-                <a:effectLst/>
-                <a:latin typeface="+mn-lt"/>
-                <a:ea typeface="+mn-ea"/>
-                <a:cs typeface="+mn-cs"/>
-              </a:rPr>
-              <a:t>{</a:t>
-            </a:r>
-          </a:p>
-          <a:p>
-            <a:r>
-              <a:rPr lang="en" altLang="ko-KR" sz="1200" b="0" kern="1200" dirty="0">
-                <a:solidFill>
-                  <a:schemeClr val="tx1"/>
-                </a:solidFill>
-                <a:effectLst/>
-                <a:latin typeface="+mn-lt"/>
-                <a:ea typeface="+mn-ea"/>
-                <a:cs typeface="+mn-cs"/>
-              </a:rPr>
-              <a:t>position: relative;</a:t>
-            </a:r>
-          </a:p>
-          <a:p>
-            <a:r>
-              <a:rPr lang="en" altLang="ko-KR" sz="1200" b="0" kern="1200" dirty="0">
-                <a:solidFill>
-                  <a:schemeClr val="tx1"/>
-                </a:solidFill>
-                <a:effectLst/>
-                <a:latin typeface="+mn-lt"/>
-                <a:ea typeface="+mn-ea"/>
-                <a:cs typeface="+mn-cs"/>
-              </a:rPr>
-              <a:t>display: flex;</a:t>
-            </a:r>
-          </a:p>
-          <a:p>
-            <a:r>
-              <a:rPr lang="en" altLang="ko-KR" sz="1200" b="0" kern="1200" dirty="0">
-                <a:solidFill>
-                  <a:schemeClr val="tx1"/>
-                </a:solidFill>
-                <a:effectLst/>
-                <a:latin typeface="+mn-lt"/>
-                <a:ea typeface="+mn-ea"/>
-                <a:cs typeface="+mn-cs"/>
-              </a:rPr>
-              <a:t>margin-top: 20px;</a:t>
-            </a:r>
-          </a:p>
-          <a:p>
-            <a:r>
-              <a:rPr lang="en" altLang="ko-KR" sz="1200" b="0" kern="1200" dirty="0">
-                <a:solidFill>
-                  <a:schemeClr val="tx1"/>
-                </a:solidFill>
-                <a:effectLst/>
-                <a:latin typeface="+mn-lt"/>
-                <a:ea typeface="+mn-ea"/>
-                <a:cs typeface="+mn-cs"/>
-              </a:rPr>
-              <a:t>flex-direction: row;</a:t>
-            </a:r>
-          </a:p>
-          <a:p>
-            <a:r>
-              <a:rPr lang="en" altLang="ko-KR" sz="1200" b="0" kern="1200" dirty="0">
-                <a:solidFill>
-                  <a:schemeClr val="tx1"/>
-                </a:solidFill>
-                <a:effectLst/>
-                <a:latin typeface="+mn-lt"/>
-                <a:ea typeface="+mn-ea"/>
-                <a:cs typeface="+mn-cs"/>
-              </a:rPr>
-              <a:t>align-items: center;</a:t>
-            </a:r>
-          </a:p>
-          <a:p>
-            <a:r>
-              <a:rPr lang="en" altLang="ko-KR" sz="1200" b="0" kern="1200" dirty="0">
-                <a:solidFill>
-                  <a:schemeClr val="tx1"/>
-                </a:solidFill>
-                <a:effectLst/>
-                <a:latin typeface="+mn-lt"/>
-                <a:ea typeface="+mn-ea"/>
-                <a:cs typeface="+mn-cs"/>
-              </a:rPr>
-              <a:t>}</a:t>
-            </a:r>
-          </a:p>
-          <a:p>
-            <a:br>
-              <a:rPr lang="en" altLang="ko-KR" sz="1200" b="0" kern="1200" dirty="0">
-                <a:solidFill>
-                  <a:schemeClr val="tx1"/>
-                </a:solidFill>
-                <a:effectLst/>
-                <a:latin typeface="+mn-lt"/>
-                <a:ea typeface="+mn-ea"/>
-                <a:cs typeface="+mn-cs"/>
-              </a:rPr>
-            </a:br>
-            <a:r>
-              <a:rPr lang="en" altLang="ko-KR" sz="1200" b="0" kern="1200" dirty="0">
-                <a:solidFill>
-                  <a:schemeClr val="tx1"/>
-                </a:solidFill>
-                <a:effectLst/>
-                <a:latin typeface="+mn-lt"/>
-                <a:ea typeface="+mn-ea"/>
-                <a:cs typeface="+mn-cs"/>
-              </a:rPr>
-              <a:t>.</a:t>
-            </a:r>
-            <a:r>
-              <a:rPr lang="en" altLang="ko-KR" sz="1200" b="0" kern="1200" dirty="0" err="1">
-                <a:solidFill>
-                  <a:schemeClr val="tx1"/>
-                </a:solidFill>
-                <a:effectLst/>
-                <a:latin typeface="+mn-lt"/>
-                <a:ea typeface="+mn-ea"/>
-                <a:cs typeface="+mn-cs"/>
-              </a:rPr>
-              <a:t>enterText</a:t>
-            </a:r>
-            <a:r>
-              <a:rPr lang="en" altLang="ko-KR" sz="1200" b="0" kern="1200" dirty="0">
-                <a:solidFill>
-                  <a:schemeClr val="tx1"/>
-                </a:solidFill>
-                <a:effectLst/>
-                <a:latin typeface="+mn-lt"/>
-                <a:ea typeface="+mn-ea"/>
-                <a:cs typeface="+mn-cs"/>
-              </a:rPr>
-              <a:t>{</a:t>
-            </a:r>
-          </a:p>
-          <a:p>
-            <a:r>
-              <a:rPr lang="en" altLang="ko-KR" sz="1200" b="0" kern="1200" dirty="0">
-                <a:solidFill>
-                  <a:schemeClr val="tx1"/>
-                </a:solidFill>
-                <a:effectLst/>
-                <a:latin typeface="+mn-lt"/>
-                <a:ea typeface="+mn-ea"/>
-                <a:cs typeface="+mn-cs"/>
-              </a:rPr>
-              <a:t>border-color: </a:t>
-            </a:r>
-            <a:r>
-              <a:rPr lang="en" altLang="ko-KR" sz="1200" b="0" kern="1200" dirty="0" err="1">
-                <a:solidFill>
-                  <a:schemeClr val="tx1"/>
-                </a:solidFill>
-                <a:effectLst/>
-                <a:latin typeface="+mn-lt"/>
-                <a:ea typeface="+mn-ea"/>
-                <a:cs typeface="+mn-cs"/>
-              </a:rPr>
-              <a:t>lightgray</a:t>
-            </a:r>
-            <a:r>
-              <a:rPr lang="en" altLang="ko-KR" sz="1200" b="0" kern="1200" dirty="0">
-                <a:solidFill>
-                  <a:schemeClr val="tx1"/>
-                </a:solidFill>
-                <a:effectLst/>
-                <a:latin typeface="+mn-lt"/>
-                <a:ea typeface="+mn-ea"/>
-                <a:cs typeface="+mn-cs"/>
-              </a:rPr>
-              <a:t>;</a:t>
-            </a:r>
-          </a:p>
-          <a:p>
-            <a:r>
-              <a:rPr lang="en" altLang="ko-KR" sz="1200" b="0" kern="1200" dirty="0">
-                <a:solidFill>
-                  <a:schemeClr val="tx1"/>
-                </a:solidFill>
-                <a:effectLst/>
-                <a:latin typeface="+mn-lt"/>
-                <a:ea typeface="+mn-ea"/>
-                <a:cs typeface="+mn-cs"/>
-              </a:rPr>
-              <a:t>border-width: 1px;</a:t>
-            </a:r>
-          </a:p>
-          <a:p>
-            <a:r>
-              <a:rPr lang="en" altLang="ko-KR" sz="1200" b="0" kern="1200" dirty="0">
-                <a:solidFill>
-                  <a:schemeClr val="tx1"/>
-                </a:solidFill>
-                <a:effectLst/>
-                <a:latin typeface="+mn-lt"/>
-                <a:ea typeface="+mn-ea"/>
-                <a:cs typeface="+mn-cs"/>
-              </a:rPr>
-              <a:t>height: 28px;</a:t>
-            </a:r>
-          </a:p>
-          <a:p>
-            <a:r>
-              <a:rPr lang="en" altLang="ko-KR" sz="1200" b="0" kern="1200" dirty="0">
-                <a:solidFill>
-                  <a:schemeClr val="tx1"/>
-                </a:solidFill>
-                <a:effectLst/>
-                <a:latin typeface="+mn-lt"/>
-                <a:ea typeface="+mn-ea"/>
-                <a:cs typeface="+mn-cs"/>
-              </a:rPr>
-              <a:t>}</a:t>
-            </a:r>
-          </a:p>
-          <a:p>
-            <a:br>
-              <a:rPr lang="en" altLang="ko-KR" sz="1200" b="0" kern="1200" dirty="0">
-                <a:solidFill>
-                  <a:schemeClr val="tx1"/>
-                </a:solidFill>
-                <a:effectLst/>
-                <a:latin typeface="+mn-lt"/>
-                <a:ea typeface="+mn-ea"/>
-                <a:cs typeface="+mn-cs"/>
-              </a:rPr>
-            </a:br>
-            <a:r>
-              <a:rPr lang="en" altLang="ko-KR" sz="1200" b="0" kern="1200" dirty="0">
-                <a:solidFill>
-                  <a:schemeClr val="tx1"/>
-                </a:solidFill>
-                <a:effectLst/>
-                <a:latin typeface="+mn-lt"/>
-                <a:ea typeface="+mn-ea"/>
-                <a:cs typeface="+mn-cs"/>
-              </a:rPr>
-              <a:t>.</a:t>
-            </a:r>
-            <a:r>
-              <a:rPr lang="en" altLang="ko-KR" sz="1200" b="0" kern="1200" dirty="0" err="1">
-                <a:solidFill>
-                  <a:schemeClr val="tx1"/>
-                </a:solidFill>
-                <a:effectLst/>
-                <a:latin typeface="+mn-lt"/>
-                <a:ea typeface="+mn-ea"/>
-                <a:cs typeface="+mn-cs"/>
-              </a:rPr>
-              <a:t>enterBtn</a:t>
-            </a:r>
-            <a:r>
-              <a:rPr lang="en" altLang="ko-KR" sz="1200" b="0" kern="1200" dirty="0">
-                <a:solidFill>
-                  <a:schemeClr val="tx1"/>
-                </a:solidFill>
-                <a:effectLst/>
-                <a:latin typeface="+mn-lt"/>
-                <a:ea typeface="+mn-ea"/>
-                <a:cs typeface="+mn-cs"/>
-              </a:rPr>
-              <a:t>{</a:t>
-            </a:r>
-          </a:p>
-          <a:p>
-            <a:r>
-              <a:rPr lang="en" altLang="ko-KR" sz="1200" b="0" kern="1200" dirty="0">
-                <a:solidFill>
-                  <a:schemeClr val="tx1"/>
-                </a:solidFill>
-                <a:effectLst/>
-                <a:latin typeface="+mn-lt"/>
-                <a:ea typeface="+mn-ea"/>
-                <a:cs typeface="+mn-cs"/>
-              </a:rPr>
-              <a:t>background-color: #7870ff;</a:t>
-            </a:r>
-          </a:p>
-          <a:p>
-            <a:r>
-              <a:rPr lang="en" altLang="ko-KR" sz="1200" b="0" kern="1200" dirty="0">
-                <a:solidFill>
-                  <a:schemeClr val="tx1"/>
-                </a:solidFill>
-                <a:effectLst/>
-                <a:latin typeface="+mn-lt"/>
-                <a:ea typeface="+mn-ea"/>
-                <a:cs typeface="+mn-cs"/>
-              </a:rPr>
-              <a:t>color: #</a:t>
-            </a:r>
-            <a:r>
-              <a:rPr lang="en" altLang="ko-KR" sz="1200" b="0" kern="1200" dirty="0" err="1">
-                <a:solidFill>
-                  <a:schemeClr val="tx1"/>
-                </a:solidFill>
-                <a:effectLst/>
-                <a:latin typeface="+mn-lt"/>
-                <a:ea typeface="+mn-ea"/>
-                <a:cs typeface="+mn-cs"/>
-              </a:rPr>
-              <a:t>ffffff</a:t>
-            </a:r>
-            <a:r>
-              <a:rPr lang="en" altLang="ko-KR" sz="1200" b="0" kern="1200" dirty="0">
-                <a:solidFill>
-                  <a:schemeClr val="tx1"/>
-                </a:solidFill>
-                <a:effectLst/>
-                <a:latin typeface="+mn-lt"/>
-                <a:ea typeface="+mn-ea"/>
-                <a:cs typeface="+mn-cs"/>
-              </a:rPr>
-              <a:t>;</a:t>
-            </a:r>
-          </a:p>
-          <a:p>
-            <a:r>
-              <a:rPr lang="en" altLang="ko-KR" sz="1200" b="0" kern="1200" dirty="0">
-                <a:solidFill>
-                  <a:schemeClr val="tx1"/>
-                </a:solidFill>
-                <a:effectLst/>
-                <a:latin typeface="+mn-lt"/>
-                <a:ea typeface="+mn-ea"/>
-                <a:cs typeface="+mn-cs"/>
-              </a:rPr>
-              <a:t>border-width: 0px;</a:t>
-            </a:r>
-          </a:p>
-          <a:p>
-            <a:r>
-              <a:rPr lang="en" altLang="ko-KR" sz="1200" b="0" kern="1200" dirty="0">
-                <a:solidFill>
-                  <a:schemeClr val="tx1"/>
-                </a:solidFill>
-                <a:effectLst/>
-                <a:latin typeface="+mn-lt"/>
-                <a:ea typeface="+mn-ea"/>
-                <a:cs typeface="+mn-cs"/>
-              </a:rPr>
-              <a:t>height: 32px;</a:t>
-            </a:r>
-          </a:p>
-          <a:p>
-            <a:r>
-              <a:rPr lang="en" altLang="ko-KR" sz="1200" b="0" kern="1200" dirty="0">
-                <a:solidFill>
-                  <a:schemeClr val="tx1"/>
-                </a:solidFill>
-                <a:effectLst/>
-                <a:latin typeface="+mn-lt"/>
-                <a:ea typeface="+mn-ea"/>
-                <a:cs typeface="+mn-cs"/>
-              </a:rPr>
-              <a:t>}</a:t>
-            </a:r>
-          </a:p>
-          <a:p>
-            <a:br>
-              <a:rPr lang="en" altLang="ko-KR" sz="1200" b="0" kern="1200" dirty="0">
-                <a:solidFill>
-                  <a:schemeClr val="tx1"/>
-                </a:solidFill>
-                <a:effectLst/>
-                <a:latin typeface="+mn-lt"/>
-                <a:ea typeface="+mn-ea"/>
-                <a:cs typeface="+mn-cs"/>
-              </a:rPr>
-            </a:br>
-            <a:r>
-              <a:rPr lang="en" altLang="ko-KR" sz="1200" b="0" kern="1200" dirty="0">
-                <a:solidFill>
-                  <a:schemeClr val="tx1"/>
-                </a:solidFill>
-                <a:effectLst/>
-                <a:latin typeface="+mn-lt"/>
-                <a:ea typeface="+mn-ea"/>
-                <a:cs typeface="+mn-cs"/>
-              </a:rPr>
-              <a:t>.</a:t>
-            </a:r>
-            <a:r>
-              <a:rPr lang="en" altLang="ko-KR" sz="1200" b="0" kern="1200" dirty="0" err="1">
-                <a:solidFill>
-                  <a:schemeClr val="tx1"/>
-                </a:solidFill>
-                <a:effectLst/>
-                <a:latin typeface="+mn-lt"/>
-                <a:ea typeface="+mn-ea"/>
-                <a:cs typeface="+mn-cs"/>
-              </a:rPr>
-              <a:t>itemText</a:t>
-            </a:r>
-            <a:r>
-              <a:rPr lang="en" altLang="ko-KR" sz="1200" b="0" kern="1200" dirty="0">
-                <a:solidFill>
-                  <a:schemeClr val="tx1"/>
-                </a:solidFill>
-                <a:effectLst/>
-                <a:latin typeface="+mn-lt"/>
-                <a:ea typeface="+mn-ea"/>
-                <a:cs typeface="+mn-cs"/>
-              </a:rPr>
-              <a:t>{</a:t>
-            </a:r>
-          </a:p>
-          <a:p>
-            <a:r>
-              <a:rPr lang="en" altLang="ko-KR" sz="1200" b="0" kern="1200" dirty="0">
-                <a:solidFill>
-                  <a:schemeClr val="tx1"/>
-                </a:solidFill>
-                <a:effectLst/>
-                <a:latin typeface="+mn-lt"/>
-                <a:ea typeface="+mn-ea"/>
-                <a:cs typeface="+mn-cs"/>
-              </a:rPr>
-              <a:t>display: flex;</a:t>
-            </a:r>
-          </a:p>
-          <a:p>
-            <a:r>
-              <a:rPr lang="en" altLang="ko-KR" sz="1200" b="0" kern="1200" dirty="0">
-                <a:solidFill>
-                  <a:schemeClr val="tx1"/>
-                </a:solidFill>
-                <a:effectLst/>
-                <a:latin typeface="+mn-lt"/>
-                <a:ea typeface="+mn-ea"/>
-                <a:cs typeface="+mn-cs"/>
-              </a:rPr>
-              <a:t>position: relative;</a:t>
-            </a:r>
-          </a:p>
-          <a:p>
-            <a:r>
-              <a:rPr lang="en" altLang="ko-KR" sz="1200" b="0" kern="1200" dirty="0">
-                <a:solidFill>
-                  <a:schemeClr val="tx1"/>
-                </a:solidFill>
-                <a:effectLst/>
-                <a:latin typeface="+mn-lt"/>
-                <a:ea typeface="+mn-ea"/>
-                <a:cs typeface="+mn-cs"/>
-              </a:rPr>
-              <a:t>flex: 1;</a:t>
-            </a:r>
-          </a:p>
-          <a:p>
-            <a:r>
-              <a:rPr lang="en" altLang="ko-KR" sz="1200" b="0" kern="1200" dirty="0">
-                <a:solidFill>
-                  <a:schemeClr val="tx1"/>
-                </a:solidFill>
-                <a:effectLst/>
-                <a:latin typeface="+mn-lt"/>
-                <a:ea typeface="+mn-ea"/>
-                <a:cs typeface="+mn-cs"/>
-              </a:rPr>
-              <a:t>padding-left: 10px;</a:t>
-            </a:r>
-          </a:p>
-          <a:p>
-            <a:r>
-              <a:rPr lang="en" altLang="ko-KR" sz="1200" b="0" kern="1200" dirty="0">
-                <a:solidFill>
-                  <a:schemeClr val="tx1"/>
-                </a:solidFill>
-                <a:effectLst/>
-                <a:latin typeface="+mn-lt"/>
-                <a:ea typeface="+mn-ea"/>
-                <a:cs typeface="+mn-cs"/>
-              </a:rPr>
-              <a:t>}</a:t>
-            </a:r>
-          </a:p>
-          <a:p>
-            <a:br>
-              <a:rPr lang="en" altLang="ko-KR" sz="1200" b="0" kern="1200" dirty="0">
-                <a:solidFill>
-                  <a:schemeClr val="tx1"/>
-                </a:solidFill>
-                <a:effectLst/>
-                <a:latin typeface="+mn-lt"/>
-                <a:ea typeface="+mn-ea"/>
-                <a:cs typeface="+mn-cs"/>
-              </a:rPr>
-            </a:br>
-            <a:r>
-              <a:rPr lang="en" altLang="ko-KR" sz="1200" b="0" kern="1200" dirty="0">
-                <a:solidFill>
-                  <a:schemeClr val="tx1"/>
-                </a:solidFill>
-                <a:effectLst/>
-                <a:latin typeface="+mn-lt"/>
-                <a:ea typeface="+mn-ea"/>
-                <a:cs typeface="+mn-cs"/>
-              </a:rPr>
-              <a:t>.</a:t>
-            </a:r>
-            <a:r>
-              <a:rPr lang="en" altLang="ko-KR" sz="1200" b="0" kern="1200" dirty="0" err="1">
-                <a:solidFill>
-                  <a:schemeClr val="tx1"/>
-                </a:solidFill>
-                <a:effectLst/>
-                <a:latin typeface="+mn-lt"/>
-                <a:ea typeface="+mn-ea"/>
-                <a:cs typeface="+mn-cs"/>
-              </a:rPr>
-              <a:t>itemList</a:t>
-            </a:r>
-            <a:r>
-              <a:rPr lang="en" altLang="ko-KR" sz="1200" b="0" kern="1200" dirty="0">
-                <a:solidFill>
-                  <a:schemeClr val="tx1"/>
-                </a:solidFill>
-                <a:effectLst/>
-                <a:latin typeface="+mn-lt"/>
-                <a:ea typeface="+mn-ea"/>
-                <a:cs typeface="+mn-cs"/>
-              </a:rPr>
-              <a:t>{</a:t>
-            </a:r>
-          </a:p>
-          <a:p>
-            <a:r>
-              <a:rPr lang="en" altLang="ko-KR" sz="1200" b="0" kern="1200" dirty="0">
-                <a:solidFill>
-                  <a:schemeClr val="tx1"/>
-                </a:solidFill>
-                <a:effectLst/>
-                <a:latin typeface="+mn-lt"/>
-                <a:ea typeface="+mn-ea"/>
-                <a:cs typeface="+mn-cs"/>
-              </a:rPr>
-              <a:t>margin-top: 15px;</a:t>
-            </a:r>
-          </a:p>
-          <a:p>
-            <a:r>
-              <a:rPr lang="en" altLang="ko-KR" sz="1200" b="0" kern="1200" dirty="0">
-                <a:solidFill>
-                  <a:schemeClr val="tx1"/>
-                </a:solidFill>
-                <a:effectLst/>
-                <a:latin typeface="+mn-lt"/>
-                <a:ea typeface="+mn-ea"/>
-                <a:cs typeface="+mn-cs"/>
-              </a:rPr>
-              <a:t>}</a:t>
-            </a:r>
-          </a:p>
-          <a:p>
-            <a:br>
-              <a:rPr lang="en" altLang="ko-KR" sz="1200" b="0" kern="1200" dirty="0">
-                <a:solidFill>
-                  <a:schemeClr val="tx1"/>
-                </a:solidFill>
-                <a:effectLst/>
-                <a:latin typeface="+mn-lt"/>
-                <a:ea typeface="+mn-ea"/>
-                <a:cs typeface="+mn-cs"/>
-              </a:rPr>
-            </a:br>
-            <a:r>
-              <a:rPr lang="en" altLang="ko-KR" sz="1200" b="0" kern="1200" dirty="0">
-                <a:solidFill>
-                  <a:schemeClr val="tx1"/>
-                </a:solidFill>
-                <a:effectLst/>
-                <a:latin typeface="+mn-lt"/>
-                <a:ea typeface="+mn-ea"/>
-                <a:cs typeface="+mn-cs"/>
-              </a:rPr>
-              <a:t>.</a:t>
-            </a:r>
-            <a:r>
-              <a:rPr lang="en" altLang="ko-KR" sz="1200" b="0" kern="1200" dirty="0" err="1">
-                <a:solidFill>
-                  <a:schemeClr val="tx1"/>
-                </a:solidFill>
-                <a:effectLst/>
-                <a:latin typeface="+mn-lt"/>
-                <a:ea typeface="+mn-ea"/>
-                <a:cs typeface="+mn-cs"/>
-              </a:rPr>
-              <a:t>itemWrap</a:t>
-            </a:r>
-            <a:r>
-              <a:rPr lang="en" altLang="ko-KR" sz="1200" b="0" kern="1200" dirty="0">
-                <a:solidFill>
-                  <a:schemeClr val="tx1"/>
-                </a:solidFill>
-                <a:effectLst/>
-                <a:latin typeface="+mn-lt"/>
-                <a:ea typeface="+mn-ea"/>
-                <a:cs typeface="+mn-cs"/>
-              </a:rPr>
-              <a:t>{</a:t>
-            </a:r>
-          </a:p>
-          <a:p>
-            <a:r>
-              <a:rPr lang="en" altLang="ko-KR" sz="1200" b="0" kern="1200" dirty="0">
-                <a:solidFill>
-                  <a:schemeClr val="tx1"/>
-                </a:solidFill>
-                <a:effectLst/>
-                <a:latin typeface="+mn-lt"/>
-                <a:ea typeface="+mn-ea"/>
-                <a:cs typeface="+mn-cs"/>
-              </a:rPr>
-              <a:t>display: flex;</a:t>
-            </a:r>
-          </a:p>
-          <a:p>
-            <a:r>
-              <a:rPr lang="en" altLang="ko-KR" sz="1200" b="0" kern="1200" dirty="0">
-                <a:solidFill>
-                  <a:schemeClr val="tx1"/>
-                </a:solidFill>
-                <a:effectLst/>
-                <a:latin typeface="+mn-lt"/>
-                <a:ea typeface="+mn-ea"/>
-                <a:cs typeface="+mn-cs"/>
-              </a:rPr>
-              <a:t>position: relative;</a:t>
-            </a:r>
-          </a:p>
-          <a:p>
-            <a:r>
-              <a:rPr lang="en" altLang="ko-KR" sz="1200" b="0" kern="1200" dirty="0">
-                <a:solidFill>
-                  <a:schemeClr val="tx1"/>
-                </a:solidFill>
-                <a:effectLst/>
-                <a:latin typeface="+mn-lt"/>
-                <a:ea typeface="+mn-ea"/>
-                <a:cs typeface="+mn-cs"/>
-              </a:rPr>
-              <a:t>flex-direction: row;</a:t>
-            </a:r>
-          </a:p>
-          <a:p>
-            <a:r>
-              <a:rPr lang="en" altLang="ko-KR" sz="1200" b="0" kern="1200" dirty="0">
-                <a:solidFill>
-                  <a:schemeClr val="tx1"/>
-                </a:solidFill>
-                <a:effectLst/>
-                <a:latin typeface="+mn-lt"/>
-                <a:ea typeface="+mn-ea"/>
-                <a:cs typeface="+mn-cs"/>
-              </a:rPr>
-              <a:t>align-items: center;</a:t>
-            </a:r>
-          </a:p>
-          <a:p>
-            <a:r>
-              <a:rPr lang="en" altLang="ko-KR" sz="1200" b="0" kern="1200" dirty="0">
-                <a:solidFill>
-                  <a:schemeClr val="tx1"/>
-                </a:solidFill>
-                <a:effectLst/>
-                <a:latin typeface="+mn-lt"/>
-                <a:ea typeface="+mn-ea"/>
-                <a:cs typeface="+mn-cs"/>
-              </a:rPr>
-              <a:t>border-radius: 5px;</a:t>
-            </a:r>
-          </a:p>
-          <a:p>
-            <a:r>
-              <a:rPr lang="en" altLang="ko-KR" sz="1200" b="0" kern="1200" dirty="0">
-                <a:solidFill>
-                  <a:schemeClr val="tx1"/>
-                </a:solidFill>
-                <a:effectLst/>
-                <a:latin typeface="+mn-lt"/>
-                <a:ea typeface="+mn-ea"/>
-                <a:cs typeface="+mn-cs"/>
-              </a:rPr>
-              <a:t>width: 320px;</a:t>
-            </a:r>
-          </a:p>
-          <a:p>
-            <a:r>
-              <a:rPr lang="en" altLang="ko-KR" sz="1200" b="0" kern="1200" dirty="0">
-                <a:solidFill>
-                  <a:schemeClr val="tx1"/>
-                </a:solidFill>
-                <a:effectLst/>
-                <a:latin typeface="+mn-lt"/>
-                <a:ea typeface="+mn-ea"/>
-                <a:cs typeface="+mn-cs"/>
-              </a:rPr>
-              <a:t>height: 50px;</a:t>
-            </a:r>
-          </a:p>
-          <a:p>
-            <a:r>
-              <a:rPr lang="en" altLang="ko-KR" sz="1200" b="0" kern="1200" dirty="0">
-                <a:solidFill>
-                  <a:schemeClr val="tx1"/>
-                </a:solidFill>
-                <a:effectLst/>
-                <a:latin typeface="+mn-lt"/>
-                <a:ea typeface="+mn-ea"/>
-                <a:cs typeface="+mn-cs"/>
-              </a:rPr>
-              <a:t>background-color: #</a:t>
-            </a:r>
-            <a:r>
-              <a:rPr lang="en" altLang="ko-KR" sz="1200" b="0" kern="1200" dirty="0" err="1">
-                <a:solidFill>
-                  <a:schemeClr val="tx1"/>
-                </a:solidFill>
-                <a:effectLst/>
-                <a:latin typeface="+mn-lt"/>
-                <a:ea typeface="+mn-ea"/>
-                <a:cs typeface="+mn-cs"/>
-              </a:rPr>
-              <a:t>ffffff</a:t>
-            </a:r>
-            <a:r>
-              <a:rPr lang="en" altLang="ko-KR" sz="1200" b="0" kern="1200" dirty="0">
-                <a:solidFill>
-                  <a:schemeClr val="tx1"/>
-                </a:solidFill>
-                <a:effectLst/>
-                <a:latin typeface="+mn-lt"/>
-                <a:ea typeface="+mn-ea"/>
-                <a:cs typeface="+mn-cs"/>
-              </a:rPr>
-              <a:t>;</a:t>
-            </a:r>
-          </a:p>
-          <a:p>
-            <a:r>
-              <a:rPr lang="en" altLang="ko-KR" sz="1200" b="0" kern="1200" dirty="0">
-                <a:solidFill>
-                  <a:schemeClr val="tx1"/>
-                </a:solidFill>
-                <a:effectLst/>
-                <a:latin typeface="+mn-lt"/>
-                <a:ea typeface="+mn-ea"/>
-                <a:cs typeface="+mn-cs"/>
-              </a:rPr>
-              <a:t>padding:0 10px 0 10px;</a:t>
-            </a:r>
-          </a:p>
-          <a:p>
-            <a:r>
-              <a:rPr lang="en" altLang="ko-KR" sz="1200" b="0" kern="1200" dirty="0">
-                <a:solidFill>
-                  <a:schemeClr val="tx1"/>
-                </a:solidFill>
-                <a:effectLst/>
-                <a:latin typeface="+mn-lt"/>
-                <a:ea typeface="+mn-ea"/>
-                <a:cs typeface="+mn-cs"/>
-              </a:rPr>
-              <a:t>margin-top: 15px;</a:t>
-            </a:r>
-          </a:p>
-          <a:p>
-            <a:r>
-              <a:rPr lang="en" altLang="ko-KR" sz="1200" b="0" kern="1200" dirty="0">
-                <a:solidFill>
-                  <a:schemeClr val="tx1"/>
-                </a:solidFill>
-                <a:effectLst/>
-                <a:latin typeface="+mn-lt"/>
-                <a:ea typeface="+mn-ea"/>
-                <a:cs typeface="+mn-cs"/>
-              </a:rPr>
-              <a:t>}</a:t>
-            </a:r>
-          </a:p>
-          <a:p>
-            <a:br>
-              <a:rPr lang="en" altLang="ko-KR" sz="1200" b="0" kern="1200" dirty="0">
-                <a:solidFill>
-                  <a:schemeClr val="tx1"/>
-                </a:solidFill>
-                <a:effectLst/>
-                <a:latin typeface="+mn-lt"/>
-                <a:ea typeface="+mn-ea"/>
-                <a:cs typeface="+mn-cs"/>
-              </a:rPr>
-            </a:br>
-            <a:r>
-              <a:rPr lang="en" altLang="ko-KR" sz="1200" b="0" kern="1200" dirty="0">
-                <a:solidFill>
-                  <a:schemeClr val="tx1"/>
-                </a:solidFill>
-                <a:effectLst/>
-                <a:latin typeface="+mn-lt"/>
-                <a:ea typeface="+mn-ea"/>
-                <a:cs typeface="+mn-cs"/>
-              </a:rPr>
-              <a:t>.</a:t>
-            </a:r>
-            <a:r>
-              <a:rPr lang="en" altLang="ko-KR" sz="1200" b="0" kern="1200" dirty="0" err="1">
-                <a:solidFill>
-                  <a:schemeClr val="tx1"/>
-                </a:solidFill>
-                <a:effectLst/>
-                <a:latin typeface="+mn-lt"/>
-                <a:ea typeface="+mn-ea"/>
-                <a:cs typeface="+mn-cs"/>
-              </a:rPr>
-              <a:t>checkBtn</a:t>
-            </a:r>
-            <a:r>
-              <a:rPr lang="en" altLang="ko-KR" sz="1200" b="0" kern="1200" dirty="0">
-                <a:solidFill>
-                  <a:schemeClr val="tx1"/>
-                </a:solidFill>
-                <a:effectLst/>
-                <a:latin typeface="+mn-lt"/>
-                <a:ea typeface="+mn-ea"/>
-                <a:cs typeface="+mn-cs"/>
-              </a:rPr>
-              <a:t>{</a:t>
-            </a:r>
-          </a:p>
-          <a:p>
-            <a:r>
-              <a:rPr lang="en" altLang="ko-KR" sz="1200" b="0" kern="1200" dirty="0">
-                <a:solidFill>
-                  <a:schemeClr val="tx1"/>
-                </a:solidFill>
-                <a:effectLst/>
-                <a:latin typeface="+mn-lt"/>
-                <a:ea typeface="+mn-ea"/>
-                <a:cs typeface="+mn-cs"/>
-              </a:rPr>
-              <a:t>cursor: pointer;</a:t>
-            </a:r>
-          </a:p>
-          <a:p>
-            <a:r>
-              <a:rPr lang="en" altLang="ko-KR" sz="1200" b="0" kern="1200" dirty="0">
-                <a:solidFill>
-                  <a:schemeClr val="tx1"/>
-                </a:solidFill>
-                <a:effectLst/>
-                <a:latin typeface="+mn-lt"/>
-                <a:ea typeface="+mn-ea"/>
-                <a:cs typeface="+mn-cs"/>
-              </a:rPr>
-              <a:t>color: </a:t>
-            </a:r>
-            <a:r>
-              <a:rPr lang="en" altLang="ko-KR" sz="1200" b="0" kern="1200" dirty="0" err="1">
-                <a:solidFill>
-                  <a:schemeClr val="tx1"/>
-                </a:solidFill>
-                <a:effectLst/>
-                <a:latin typeface="+mn-lt"/>
-                <a:ea typeface="+mn-ea"/>
-                <a:cs typeface="+mn-cs"/>
-              </a:rPr>
-              <a:t>lightgray</a:t>
-            </a:r>
-            <a:r>
-              <a:rPr lang="en" altLang="ko-KR" sz="1200" b="0" kern="1200" dirty="0">
-                <a:solidFill>
-                  <a:schemeClr val="tx1"/>
-                </a:solidFill>
-                <a:effectLst/>
-                <a:latin typeface="+mn-lt"/>
-                <a:ea typeface="+mn-ea"/>
-                <a:cs typeface="+mn-cs"/>
-              </a:rPr>
-              <a:t>; </a:t>
-            </a:r>
-          </a:p>
-          <a:p>
-            <a:r>
-              <a:rPr lang="en" altLang="ko-KR" sz="1200" b="0" kern="1200" dirty="0">
-                <a:solidFill>
-                  <a:schemeClr val="tx1"/>
-                </a:solidFill>
-                <a:effectLst/>
-                <a:latin typeface="+mn-lt"/>
-                <a:ea typeface="+mn-ea"/>
-                <a:cs typeface="+mn-cs"/>
-              </a:rPr>
-              <a:t>}</a:t>
-            </a:r>
-          </a:p>
-          <a:p>
-            <a:br>
-              <a:rPr lang="en" altLang="ko-KR" sz="1200" b="0" kern="1200" dirty="0">
-                <a:solidFill>
-                  <a:schemeClr val="tx1"/>
-                </a:solidFill>
-                <a:effectLst/>
-                <a:latin typeface="+mn-lt"/>
-                <a:ea typeface="+mn-ea"/>
-                <a:cs typeface="+mn-cs"/>
-              </a:rPr>
-            </a:br>
-            <a:r>
-              <a:rPr lang="en" altLang="ko-KR" sz="1200" b="0" kern="1200" dirty="0">
-                <a:solidFill>
-                  <a:schemeClr val="tx1"/>
-                </a:solidFill>
-                <a:effectLst/>
-                <a:latin typeface="+mn-lt"/>
-                <a:ea typeface="+mn-ea"/>
-                <a:cs typeface="+mn-cs"/>
-              </a:rPr>
-              <a:t>.</a:t>
-            </a:r>
-            <a:r>
-              <a:rPr lang="en" altLang="ko-KR" sz="1200" b="0" kern="1200" dirty="0" err="1">
-                <a:solidFill>
-                  <a:schemeClr val="tx1"/>
-                </a:solidFill>
-                <a:effectLst/>
-                <a:latin typeface="+mn-lt"/>
-                <a:ea typeface="+mn-ea"/>
-                <a:cs typeface="+mn-cs"/>
-              </a:rPr>
-              <a:t>checkBtn:hover</a:t>
-            </a:r>
-            <a:r>
-              <a:rPr lang="en" altLang="ko-KR" sz="1200" b="0" kern="1200" dirty="0">
-                <a:solidFill>
-                  <a:schemeClr val="tx1"/>
-                </a:solidFill>
-                <a:effectLst/>
-                <a:latin typeface="+mn-lt"/>
-                <a:ea typeface="+mn-ea"/>
-                <a:cs typeface="+mn-cs"/>
-              </a:rPr>
-              <a:t>{</a:t>
-            </a:r>
-          </a:p>
-          <a:p>
-            <a:r>
-              <a:rPr lang="en" altLang="ko-KR" sz="1200" b="0" kern="1200" dirty="0">
-                <a:solidFill>
-                  <a:schemeClr val="tx1"/>
-                </a:solidFill>
-                <a:effectLst/>
-                <a:latin typeface="+mn-lt"/>
-                <a:ea typeface="+mn-ea"/>
-                <a:cs typeface="+mn-cs"/>
-              </a:rPr>
-              <a:t>color: green;</a:t>
-            </a:r>
-          </a:p>
-          <a:p>
-            <a:r>
-              <a:rPr lang="en" altLang="ko-KR" sz="1200" b="0" kern="1200" dirty="0">
-                <a:solidFill>
-                  <a:schemeClr val="tx1"/>
-                </a:solidFill>
-                <a:effectLst/>
-                <a:latin typeface="+mn-lt"/>
-                <a:ea typeface="+mn-ea"/>
-                <a:cs typeface="+mn-cs"/>
-              </a:rPr>
-              <a:t>}</a:t>
-            </a:r>
-          </a:p>
-          <a:p>
-            <a:br>
-              <a:rPr lang="en" altLang="ko-KR" sz="1200" b="0" kern="1200" dirty="0">
-                <a:solidFill>
-                  <a:schemeClr val="tx1"/>
-                </a:solidFill>
-                <a:effectLst/>
-                <a:latin typeface="+mn-lt"/>
-                <a:ea typeface="+mn-ea"/>
-                <a:cs typeface="+mn-cs"/>
-              </a:rPr>
-            </a:br>
-            <a:r>
-              <a:rPr lang="en" altLang="ko-KR" sz="1200" b="0" kern="1200" dirty="0">
-                <a:solidFill>
-                  <a:schemeClr val="tx1"/>
-                </a:solidFill>
-                <a:effectLst/>
-                <a:latin typeface="+mn-lt"/>
-                <a:ea typeface="+mn-ea"/>
-                <a:cs typeface="+mn-cs"/>
-              </a:rPr>
-              <a:t>.</a:t>
-            </a:r>
-            <a:r>
-              <a:rPr lang="en" altLang="ko-KR" sz="1200" b="0" kern="1200" dirty="0" err="1">
-                <a:solidFill>
-                  <a:schemeClr val="tx1"/>
-                </a:solidFill>
-                <a:effectLst/>
-                <a:latin typeface="+mn-lt"/>
-                <a:ea typeface="+mn-ea"/>
-                <a:cs typeface="+mn-cs"/>
-              </a:rPr>
-              <a:t>delBtn</a:t>
-            </a:r>
-            <a:r>
-              <a:rPr lang="en" altLang="ko-KR" sz="1200" b="0" kern="1200" dirty="0">
-                <a:solidFill>
-                  <a:schemeClr val="tx1"/>
-                </a:solidFill>
-                <a:effectLst/>
-                <a:latin typeface="+mn-lt"/>
-                <a:ea typeface="+mn-ea"/>
-                <a:cs typeface="+mn-cs"/>
-              </a:rPr>
-              <a:t>{</a:t>
-            </a:r>
-          </a:p>
-          <a:p>
-            <a:r>
-              <a:rPr lang="en" altLang="ko-KR" sz="1200" b="0" kern="1200" dirty="0">
-                <a:solidFill>
-                  <a:schemeClr val="tx1"/>
-                </a:solidFill>
-                <a:effectLst/>
-                <a:latin typeface="+mn-lt"/>
-                <a:ea typeface="+mn-ea"/>
-                <a:cs typeface="+mn-cs"/>
-              </a:rPr>
-              <a:t>cursor: pointer;</a:t>
-            </a:r>
-          </a:p>
-          <a:p>
-            <a:r>
-              <a:rPr lang="en" altLang="ko-KR" sz="1200" b="0" kern="1200" dirty="0">
-                <a:solidFill>
-                  <a:schemeClr val="tx1"/>
-                </a:solidFill>
-                <a:effectLst/>
-                <a:latin typeface="+mn-lt"/>
-                <a:ea typeface="+mn-ea"/>
-                <a:cs typeface="+mn-cs"/>
-              </a:rPr>
-              <a:t>color: </a:t>
-            </a:r>
-            <a:r>
-              <a:rPr lang="en" altLang="ko-KR" sz="1200" b="0" kern="1200" dirty="0" err="1">
-                <a:solidFill>
-                  <a:schemeClr val="tx1"/>
-                </a:solidFill>
-                <a:effectLst/>
-                <a:latin typeface="+mn-lt"/>
-                <a:ea typeface="+mn-ea"/>
-                <a:cs typeface="+mn-cs"/>
-              </a:rPr>
-              <a:t>lightgray</a:t>
-            </a:r>
-            <a:r>
-              <a:rPr lang="en" altLang="ko-KR" sz="1200" b="0" kern="1200" dirty="0">
-                <a:solidFill>
-                  <a:schemeClr val="tx1"/>
-                </a:solidFill>
-                <a:effectLst/>
-                <a:latin typeface="+mn-lt"/>
-                <a:ea typeface="+mn-ea"/>
-                <a:cs typeface="+mn-cs"/>
-              </a:rPr>
-              <a:t>;</a:t>
-            </a:r>
-          </a:p>
-          <a:p>
-            <a:r>
-              <a:rPr lang="en" altLang="ko-KR" sz="1200" b="0" kern="1200" dirty="0">
-                <a:solidFill>
-                  <a:schemeClr val="tx1"/>
-                </a:solidFill>
-                <a:effectLst/>
-                <a:latin typeface="+mn-lt"/>
-                <a:ea typeface="+mn-ea"/>
-                <a:cs typeface="+mn-cs"/>
-              </a:rPr>
-              <a:t>}</a:t>
-            </a:r>
-          </a:p>
-          <a:p>
-            <a:br>
-              <a:rPr lang="en" altLang="ko-KR" sz="1200" b="0" kern="1200" dirty="0">
-                <a:solidFill>
-                  <a:schemeClr val="tx1"/>
-                </a:solidFill>
-                <a:effectLst/>
-                <a:latin typeface="+mn-lt"/>
-                <a:ea typeface="+mn-ea"/>
-                <a:cs typeface="+mn-cs"/>
-              </a:rPr>
-            </a:br>
-            <a:r>
-              <a:rPr lang="en" altLang="ko-KR" sz="1200" b="0" kern="1200" dirty="0">
-                <a:solidFill>
-                  <a:schemeClr val="tx1"/>
-                </a:solidFill>
-                <a:effectLst/>
-                <a:latin typeface="+mn-lt"/>
-                <a:ea typeface="+mn-ea"/>
-                <a:cs typeface="+mn-cs"/>
-              </a:rPr>
-              <a:t>.</a:t>
-            </a:r>
-            <a:r>
-              <a:rPr lang="en" altLang="ko-KR" sz="1200" b="0" kern="1200" dirty="0" err="1">
-                <a:solidFill>
-                  <a:schemeClr val="tx1"/>
-                </a:solidFill>
-                <a:effectLst/>
-                <a:latin typeface="+mn-lt"/>
-                <a:ea typeface="+mn-ea"/>
-                <a:cs typeface="+mn-cs"/>
-              </a:rPr>
-              <a:t>delBtn:hover</a:t>
-            </a:r>
-            <a:r>
-              <a:rPr lang="en" altLang="ko-KR" sz="1200" b="0" kern="1200" dirty="0">
-                <a:solidFill>
-                  <a:schemeClr val="tx1"/>
-                </a:solidFill>
-                <a:effectLst/>
-                <a:latin typeface="+mn-lt"/>
-                <a:ea typeface="+mn-ea"/>
-                <a:cs typeface="+mn-cs"/>
-              </a:rPr>
-              <a:t>{</a:t>
-            </a:r>
-          </a:p>
-          <a:p>
-            <a:r>
-              <a:rPr lang="en" altLang="ko-KR" sz="1200" b="0" kern="1200" dirty="0">
-                <a:solidFill>
-                  <a:schemeClr val="tx1"/>
-                </a:solidFill>
-                <a:effectLst/>
-                <a:latin typeface="+mn-lt"/>
-                <a:ea typeface="+mn-ea"/>
-                <a:cs typeface="+mn-cs"/>
-              </a:rPr>
-              <a:t>color: red;</a:t>
-            </a:r>
-          </a:p>
-          <a:p>
-            <a:r>
-              <a:rPr lang="en" altLang="ko-KR" sz="1200" b="0" kern="1200" dirty="0">
-                <a:solidFill>
-                  <a:schemeClr val="tx1"/>
-                </a:solidFill>
-                <a:effectLst/>
-                <a:latin typeface="+mn-lt"/>
-                <a:ea typeface="+mn-ea"/>
-                <a:cs typeface="+mn-cs"/>
-              </a:rPr>
-              <a:t>}</a:t>
-            </a:r>
-          </a:p>
-          <a:p>
-            <a:endParaRPr lang="en" altLang="ko-KR" sz="1200" b="0" kern="1200" dirty="0">
-              <a:solidFill>
-                <a:schemeClr val="tx1"/>
-              </a:solidFill>
-              <a:effectLst/>
-              <a:latin typeface="+mn-lt"/>
-              <a:ea typeface="+mn-ea"/>
-              <a:cs typeface="+mn-cs"/>
-            </a:endParaRPr>
-          </a:p>
-          <a:p>
             <a:endParaRPr kumimoji="1" lang="ko-KR" altLang="en-US" dirty="0"/>
           </a:p>
         </p:txBody>
@@ -4163,6 +629,5254 @@
             <a:fld id="{1EFA6CA5-1AB8-7840-86E1-8A38211DD311}" type="slidenum">
               <a:rPr kumimoji="1" lang="ko-Kore-KR" altLang="en-US" smtClean="0"/>
               <a:t>11</a:t>
+            </a:fld>
+            <a:endParaRPr kumimoji="1" lang="ko-Kore-KR" altLang="en-US"/>
+          </a:p>
+        </p:txBody>
+      </p:sp>
+    </p:spTree>
+    <p:extLst>
+      <p:ext uri="{BB962C8B-B14F-4D97-AF65-F5344CB8AC3E}">
+        <p14:creationId xmlns:p14="http://schemas.microsoft.com/office/powerpoint/2010/main" val="4130102791"/>
+      </p:ext>
+    </p:extLst>
+  </p:cSld>
+  <p:clrMapOvr>
+    <a:masterClrMapping/>
+  </p:clrMapOvr>
+</p:notes>
+</file>
+
+<file path=ppt/notesSlides/notesSlide11.xml><?xml version="1.0" encoding="utf-8"?>
+<p:notes xmlns:a="http://schemas.openxmlformats.org/drawingml/2006/main" xmlns:r="http://schemas.openxmlformats.org/officeDocument/2006/relationships" xmlns:p="http://schemas.openxmlformats.org/presentationml/2006/main">
+  <p:cSld>
+    <p:spTree>
+      <p:nvGrpSpPr>
+        <p:cNvPr id="1" name=""/>
+        <p:cNvGrpSpPr/>
+        <p:nvPr/>
+      </p:nvGrpSpPr>
+      <p:grpSpPr>
+        <a:xfrm>
+          <a:off x="0" y="0"/>
+          <a:ext cx="0" cy="0"/>
+          <a:chOff x="0" y="0"/>
+          <a:chExt cx="0" cy="0"/>
+        </a:xfrm>
+      </p:grpSpPr>
+      <p:sp>
+        <p:nvSpPr>
+          <p:cNvPr id="2" name="슬라이드 이미지 개체 틀 1"/>
+          <p:cNvSpPr>
+            <a:spLocks noGrp="1" noRot="1" noChangeAspect="1"/>
+          </p:cNvSpPr>
+          <p:nvPr>
+            <p:ph type="sldImg"/>
+          </p:nvPr>
+        </p:nvSpPr>
+        <p:spPr/>
+      </p:sp>
+      <p:sp>
+        <p:nvSpPr>
+          <p:cNvPr id="3" name="슬라이드 노트 개체 틀 2"/>
+          <p:cNvSpPr>
+            <a:spLocks noGrp="1"/>
+          </p:cNvSpPr>
+          <p:nvPr>
+            <p:ph type="body" idx="1"/>
+          </p:nvPr>
+        </p:nvSpPr>
+        <p:spPr/>
+        <p:txBody>
+          <a:bodyPr/>
+          <a:lstStyle/>
+          <a:p>
+            <a:r>
+              <a:rPr lang="en" altLang="ko-KR" sz="1200" b="0" kern="1200" dirty="0">
+                <a:solidFill>
+                  <a:schemeClr val="tx1"/>
+                </a:solidFill>
+                <a:effectLst/>
+                <a:latin typeface="+mn-lt"/>
+                <a:ea typeface="+mn-ea"/>
+                <a:cs typeface="+mn-cs"/>
+              </a:rPr>
+              <a:t>&lt;!DOCTYPE html&gt;</a:t>
+            </a:r>
+          </a:p>
+          <a:p>
+            <a:r>
+              <a:rPr lang="en" altLang="ko-KR" sz="1200" b="0" kern="1200" dirty="0">
+                <a:solidFill>
+                  <a:schemeClr val="tx1"/>
+                </a:solidFill>
+                <a:effectLst/>
+                <a:latin typeface="+mn-lt"/>
+                <a:ea typeface="+mn-ea"/>
+                <a:cs typeface="+mn-cs"/>
+              </a:rPr>
+              <a:t>&lt;html&gt;</a:t>
+            </a:r>
+          </a:p>
+          <a:p>
+            <a:br>
+              <a:rPr lang="en" altLang="ko-KR" sz="1200" b="0" kern="1200" dirty="0">
+                <a:solidFill>
+                  <a:schemeClr val="tx1"/>
+                </a:solidFill>
+                <a:effectLst/>
+                <a:latin typeface="+mn-lt"/>
+                <a:ea typeface="+mn-ea"/>
+                <a:cs typeface="+mn-cs"/>
+              </a:rPr>
+            </a:br>
+            <a:r>
+              <a:rPr lang="en" altLang="ko-KR" sz="1200" b="0" kern="1200" dirty="0">
+                <a:solidFill>
+                  <a:schemeClr val="tx1"/>
+                </a:solidFill>
+                <a:effectLst/>
+                <a:latin typeface="+mn-lt"/>
+                <a:ea typeface="+mn-ea"/>
+                <a:cs typeface="+mn-cs"/>
+              </a:rPr>
+              <a:t>&lt;head&gt;</a:t>
+            </a:r>
+          </a:p>
+          <a:p>
+            <a:r>
+              <a:rPr lang="en" altLang="ko-KR" sz="1200" b="0" kern="1200" dirty="0">
+                <a:solidFill>
+                  <a:schemeClr val="tx1"/>
+                </a:solidFill>
+                <a:effectLst/>
+                <a:latin typeface="+mn-lt"/>
+                <a:ea typeface="+mn-ea"/>
+                <a:cs typeface="+mn-cs"/>
+              </a:rPr>
+              <a:t>&lt;meta charset="utf-8"&gt;</a:t>
+            </a:r>
+          </a:p>
+          <a:p>
+            <a:r>
+              <a:rPr lang="en" altLang="ko-KR" sz="1200" b="0" kern="1200" dirty="0">
+                <a:solidFill>
+                  <a:schemeClr val="tx1"/>
+                </a:solidFill>
+                <a:effectLst/>
+                <a:latin typeface="+mn-lt"/>
+                <a:ea typeface="+mn-ea"/>
+                <a:cs typeface="+mn-cs"/>
+              </a:rPr>
+              <a:t>&lt;meta name="viewport" content="width=device-width, initial-scale=1.0"&gt;</a:t>
+            </a:r>
+          </a:p>
+          <a:p>
+            <a:r>
+              <a:rPr lang="en" altLang="ko-KR" sz="1200" b="0" kern="1200" dirty="0">
+                <a:solidFill>
+                  <a:schemeClr val="tx1"/>
+                </a:solidFill>
+                <a:effectLst/>
+                <a:latin typeface="+mn-lt"/>
+                <a:ea typeface="+mn-ea"/>
+                <a:cs typeface="+mn-cs"/>
+              </a:rPr>
+              <a:t>&lt;title&gt;</a:t>
+            </a:r>
+            <a:r>
+              <a:rPr lang="en" altLang="ko-KR" sz="1200" b="0" kern="1200" dirty="0" err="1">
+                <a:solidFill>
+                  <a:schemeClr val="tx1"/>
+                </a:solidFill>
+                <a:effectLst/>
+                <a:latin typeface="+mn-lt"/>
+                <a:ea typeface="+mn-ea"/>
+                <a:cs typeface="+mn-cs"/>
+              </a:rPr>
+              <a:t>ToDoList</a:t>
+            </a:r>
+            <a:r>
+              <a:rPr lang="en" altLang="ko-KR" sz="1200" b="0" kern="1200" dirty="0">
+                <a:solidFill>
+                  <a:schemeClr val="tx1"/>
+                </a:solidFill>
+                <a:effectLst/>
+                <a:latin typeface="+mn-lt"/>
+                <a:ea typeface="+mn-ea"/>
+                <a:cs typeface="+mn-cs"/>
+              </a:rPr>
+              <a:t>&lt;/title&gt;</a:t>
+            </a:r>
+          </a:p>
+          <a:p>
+            <a:br>
+              <a:rPr lang="en" altLang="ko-KR" sz="1200" b="0" kern="1200" dirty="0">
+                <a:solidFill>
+                  <a:schemeClr val="tx1"/>
+                </a:solidFill>
+                <a:effectLst/>
+                <a:latin typeface="+mn-lt"/>
+                <a:ea typeface="+mn-ea"/>
+                <a:cs typeface="+mn-cs"/>
+              </a:rPr>
+            </a:br>
+            <a:r>
+              <a:rPr lang="en" altLang="ko-KR" sz="1200" b="0" kern="1200" dirty="0">
+                <a:solidFill>
+                  <a:schemeClr val="tx1"/>
+                </a:solidFill>
+                <a:effectLst/>
+                <a:latin typeface="+mn-lt"/>
+                <a:ea typeface="+mn-ea"/>
+                <a:cs typeface="+mn-cs"/>
+              </a:rPr>
+              <a:t>&lt;link </a:t>
+            </a:r>
+            <a:r>
+              <a:rPr lang="en" altLang="ko-KR" sz="1200" b="0" kern="1200" dirty="0" err="1">
+                <a:solidFill>
+                  <a:schemeClr val="tx1"/>
+                </a:solidFill>
+                <a:effectLst/>
+                <a:latin typeface="+mn-lt"/>
+                <a:ea typeface="+mn-ea"/>
+                <a:cs typeface="+mn-cs"/>
+              </a:rPr>
+              <a:t>rel</a:t>
+            </a:r>
+            <a:r>
+              <a:rPr lang="en" altLang="ko-KR" sz="1200" b="0" kern="1200" dirty="0">
+                <a:solidFill>
+                  <a:schemeClr val="tx1"/>
+                </a:solidFill>
+                <a:effectLst/>
+                <a:latin typeface="+mn-lt"/>
+                <a:ea typeface="+mn-ea"/>
+                <a:cs typeface="+mn-cs"/>
+              </a:rPr>
+              <a:t>="stylesheet" </a:t>
+            </a:r>
+            <a:r>
+              <a:rPr lang="en" altLang="ko-KR" sz="1200" b="0" kern="1200" dirty="0" err="1">
+                <a:solidFill>
+                  <a:schemeClr val="tx1"/>
+                </a:solidFill>
+                <a:effectLst/>
+                <a:latin typeface="+mn-lt"/>
+                <a:ea typeface="+mn-ea"/>
+                <a:cs typeface="+mn-cs"/>
+              </a:rPr>
+              <a:t>href</a:t>
+            </a:r>
+            <a:r>
+              <a:rPr lang="en" altLang="ko-KR" sz="1200" b="0" kern="1200" dirty="0">
+                <a:solidFill>
+                  <a:schemeClr val="tx1"/>
+                </a:solidFill>
+                <a:effectLst/>
+                <a:latin typeface="+mn-lt"/>
+                <a:ea typeface="+mn-ea"/>
+                <a:cs typeface="+mn-cs"/>
+              </a:rPr>
+              <a:t>="</a:t>
+            </a:r>
+            <a:r>
+              <a:rPr lang="en" altLang="ko-KR" sz="1200" b="0" kern="1200" dirty="0" err="1">
+                <a:solidFill>
+                  <a:schemeClr val="tx1"/>
+                </a:solidFill>
+                <a:effectLst/>
+                <a:latin typeface="+mn-lt"/>
+                <a:ea typeface="+mn-ea"/>
+                <a:cs typeface="+mn-cs"/>
+              </a:rPr>
+              <a:t>layout.css</a:t>
+            </a:r>
+            <a:r>
+              <a:rPr lang="en" altLang="ko-KR" sz="1200" b="0" kern="1200" dirty="0">
+                <a:solidFill>
+                  <a:schemeClr val="tx1"/>
+                </a:solidFill>
+                <a:effectLst/>
+                <a:latin typeface="+mn-lt"/>
+                <a:ea typeface="+mn-ea"/>
+                <a:cs typeface="+mn-cs"/>
+              </a:rPr>
+              <a:t>" type="text/</a:t>
+            </a:r>
+            <a:r>
+              <a:rPr lang="en" altLang="ko-KR" sz="1200" b="0" kern="1200" dirty="0" err="1">
+                <a:solidFill>
+                  <a:schemeClr val="tx1"/>
+                </a:solidFill>
+                <a:effectLst/>
+                <a:latin typeface="+mn-lt"/>
+                <a:ea typeface="+mn-ea"/>
+                <a:cs typeface="+mn-cs"/>
+              </a:rPr>
+              <a:t>css</a:t>
+            </a:r>
+            <a:r>
+              <a:rPr lang="en" altLang="ko-KR" sz="1200" b="0" kern="1200" dirty="0">
+                <a:solidFill>
+                  <a:schemeClr val="tx1"/>
+                </a:solidFill>
+                <a:effectLst/>
+                <a:latin typeface="+mn-lt"/>
+                <a:ea typeface="+mn-ea"/>
+                <a:cs typeface="+mn-cs"/>
+              </a:rPr>
+              <a:t>"&gt;</a:t>
+            </a:r>
+          </a:p>
+          <a:p>
+            <a:r>
+              <a:rPr lang="en" altLang="ko-KR" sz="1200" b="0" kern="1200" dirty="0">
+                <a:solidFill>
+                  <a:schemeClr val="tx1"/>
+                </a:solidFill>
+                <a:effectLst/>
+                <a:latin typeface="+mn-lt"/>
+                <a:ea typeface="+mn-ea"/>
+                <a:cs typeface="+mn-cs"/>
+              </a:rPr>
+              <a:t>&lt;script type="text/</a:t>
+            </a:r>
+            <a:r>
+              <a:rPr lang="en" altLang="ko-KR" sz="1200" b="0" kern="1200" dirty="0" err="1">
+                <a:solidFill>
+                  <a:schemeClr val="tx1"/>
+                </a:solidFill>
+                <a:effectLst/>
+                <a:latin typeface="+mn-lt"/>
+                <a:ea typeface="+mn-ea"/>
+                <a:cs typeface="+mn-cs"/>
+              </a:rPr>
+              <a:t>javascript</a:t>
+            </a:r>
+            <a:r>
+              <a:rPr lang="en" altLang="ko-KR" sz="1200" b="0" kern="1200" dirty="0">
+                <a:solidFill>
+                  <a:schemeClr val="tx1"/>
+                </a:solidFill>
+                <a:effectLst/>
+                <a:latin typeface="+mn-lt"/>
+                <a:ea typeface="+mn-ea"/>
+                <a:cs typeface="+mn-cs"/>
+              </a:rPr>
+              <a:t>" </a:t>
+            </a:r>
+            <a:r>
+              <a:rPr lang="en" altLang="ko-KR" sz="1200" b="0" kern="1200" dirty="0" err="1">
+                <a:solidFill>
+                  <a:schemeClr val="tx1"/>
+                </a:solidFill>
+                <a:effectLst/>
+                <a:latin typeface="+mn-lt"/>
+                <a:ea typeface="+mn-ea"/>
+                <a:cs typeface="+mn-cs"/>
+              </a:rPr>
+              <a:t>src</a:t>
+            </a:r>
+            <a:r>
+              <a:rPr lang="en" altLang="ko-KR" sz="1200" b="0" kern="1200" dirty="0">
+                <a:solidFill>
+                  <a:schemeClr val="tx1"/>
+                </a:solidFill>
+                <a:effectLst/>
+                <a:latin typeface="+mn-lt"/>
+                <a:ea typeface="+mn-ea"/>
+                <a:cs typeface="+mn-cs"/>
+              </a:rPr>
+              <a:t>="</a:t>
+            </a:r>
+            <a:r>
+              <a:rPr lang="en" altLang="ko-KR" sz="1200" b="0" kern="1200" dirty="0" err="1">
+                <a:solidFill>
+                  <a:schemeClr val="tx1"/>
+                </a:solidFill>
+                <a:effectLst/>
+                <a:latin typeface="+mn-lt"/>
+                <a:ea typeface="+mn-ea"/>
+                <a:cs typeface="+mn-cs"/>
+              </a:rPr>
+              <a:t>fun.js</a:t>
+            </a:r>
+            <a:r>
+              <a:rPr lang="en" altLang="ko-KR" sz="1200" b="0" kern="1200" dirty="0">
+                <a:solidFill>
+                  <a:schemeClr val="tx1"/>
+                </a:solidFill>
+                <a:effectLst/>
+                <a:latin typeface="+mn-lt"/>
+                <a:ea typeface="+mn-ea"/>
+                <a:cs typeface="+mn-cs"/>
+              </a:rPr>
+              <a:t>" defer&gt;&lt;/script&gt;</a:t>
+            </a:r>
+          </a:p>
+          <a:p>
+            <a:br>
+              <a:rPr lang="en" altLang="ko-KR" sz="1200" b="0" kern="1200" dirty="0">
+                <a:solidFill>
+                  <a:schemeClr val="tx1"/>
+                </a:solidFill>
+                <a:effectLst/>
+                <a:latin typeface="+mn-lt"/>
+                <a:ea typeface="+mn-ea"/>
+                <a:cs typeface="+mn-cs"/>
+              </a:rPr>
+            </a:br>
+            <a:r>
+              <a:rPr lang="en" altLang="ko-KR" sz="1200" b="0" kern="1200" dirty="0">
+                <a:solidFill>
+                  <a:schemeClr val="tx1"/>
+                </a:solidFill>
+                <a:effectLst/>
+                <a:latin typeface="+mn-lt"/>
+                <a:ea typeface="+mn-ea"/>
+                <a:cs typeface="+mn-cs"/>
+              </a:rPr>
+              <a:t>&lt;link </a:t>
+            </a:r>
+            <a:r>
+              <a:rPr lang="en" altLang="ko-KR" sz="1200" b="0" kern="1200" dirty="0" err="1">
+                <a:solidFill>
+                  <a:schemeClr val="tx1"/>
+                </a:solidFill>
+                <a:effectLst/>
+                <a:latin typeface="+mn-lt"/>
+                <a:ea typeface="+mn-ea"/>
+                <a:cs typeface="+mn-cs"/>
+              </a:rPr>
+              <a:t>href</a:t>
+            </a:r>
+            <a:r>
+              <a:rPr lang="en" altLang="ko-KR" sz="1200" b="0" kern="1200" dirty="0">
+                <a:solidFill>
+                  <a:schemeClr val="tx1"/>
+                </a:solidFill>
+                <a:effectLst/>
+                <a:latin typeface="+mn-lt"/>
+                <a:ea typeface="+mn-ea"/>
+                <a:cs typeface="+mn-cs"/>
+              </a:rPr>
+              <a:t>="https://</a:t>
+            </a:r>
+            <a:r>
+              <a:rPr lang="en" altLang="ko-KR" sz="1200" b="0" kern="1200" dirty="0" err="1">
+                <a:solidFill>
+                  <a:schemeClr val="tx1"/>
+                </a:solidFill>
+                <a:effectLst/>
+                <a:latin typeface="+mn-lt"/>
+                <a:ea typeface="+mn-ea"/>
+                <a:cs typeface="+mn-cs"/>
+              </a:rPr>
+              <a:t>fonts.googleapis.com</a:t>
+            </a:r>
+            <a:r>
+              <a:rPr lang="en" altLang="ko-KR" sz="1200" b="0" kern="1200" dirty="0">
+                <a:solidFill>
+                  <a:schemeClr val="tx1"/>
+                </a:solidFill>
+                <a:effectLst/>
+                <a:latin typeface="+mn-lt"/>
+                <a:ea typeface="+mn-ea"/>
+                <a:cs typeface="+mn-cs"/>
+              </a:rPr>
+              <a:t>/</a:t>
+            </a:r>
+            <a:r>
+              <a:rPr lang="en" altLang="ko-KR" sz="1200" b="0" kern="1200" dirty="0" err="1">
+                <a:solidFill>
+                  <a:schemeClr val="tx1"/>
+                </a:solidFill>
+                <a:effectLst/>
+                <a:latin typeface="+mn-lt"/>
+                <a:ea typeface="+mn-ea"/>
+                <a:cs typeface="+mn-cs"/>
+              </a:rPr>
+              <a:t>icon?family</a:t>
+            </a:r>
+            <a:r>
+              <a:rPr lang="en" altLang="ko-KR" sz="1200" b="0" kern="1200" dirty="0">
+                <a:solidFill>
+                  <a:schemeClr val="tx1"/>
+                </a:solidFill>
+                <a:effectLst/>
+                <a:latin typeface="+mn-lt"/>
+                <a:ea typeface="+mn-ea"/>
+                <a:cs typeface="+mn-cs"/>
+              </a:rPr>
+              <a:t>=</a:t>
+            </a:r>
+            <a:r>
+              <a:rPr lang="en" altLang="ko-KR" sz="1200" b="0" kern="1200" dirty="0" err="1">
+                <a:solidFill>
+                  <a:schemeClr val="tx1"/>
+                </a:solidFill>
+                <a:effectLst/>
+                <a:latin typeface="+mn-lt"/>
+                <a:ea typeface="+mn-ea"/>
+                <a:cs typeface="+mn-cs"/>
+              </a:rPr>
+              <a:t>Material+Icons</a:t>
+            </a:r>
+            <a:r>
+              <a:rPr lang="en" altLang="ko-KR" sz="1200" b="0" kern="1200" dirty="0">
+                <a:solidFill>
+                  <a:schemeClr val="tx1"/>
+                </a:solidFill>
+                <a:effectLst/>
+                <a:latin typeface="+mn-lt"/>
+                <a:ea typeface="+mn-ea"/>
+                <a:cs typeface="+mn-cs"/>
+              </a:rPr>
+              <a:t>" </a:t>
+            </a:r>
+            <a:r>
+              <a:rPr lang="en" altLang="ko-KR" sz="1200" b="0" kern="1200" dirty="0" err="1">
+                <a:solidFill>
+                  <a:schemeClr val="tx1"/>
+                </a:solidFill>
+                <a:effectLst/>
+                <a:latin typeface="+mn-lt"/>
+                <a:ea typeface="+mn-ea"/>
+                <a:cs typeface="+mn-cs"/>
+              </a:rPr>
+              <a:t>rel</a:t>
+            </a:r>
+            <a:r>
+              <a:rPr lang="en" altLang="ko-KR" sz="1200" b="0" kern="1200" dirty="0">
+                <a:solidFill>
+                  <a:schemeClr val="tx1"/>
+                </a:solidFill>
+                <a:effectLst/>
+                <a:latin typeface="+mn-lt"/>
+                <a:ea typeface="+mn-ea"/>
+                <a:cs typeface="+mn-cs"/>
+              </a:rPr>
+              <a:t>="stylesheet"&gt;</a:t>
+            </a:r>
+          </a:p>
+          <a:p>
+            <a:r>
+              <a:rPr lang="en" altLang="ko-KR" sz="1200" b="0" kern="1200" dirty="0">
+                <a:solidFill>
+                  <a:schemeClr val="tx1"/>
+                </a:solidFill>
+                <a:effectLst/>
+                <a:latin typeface="+mn-lt"/>
+                <a:ea typeface="+mn-ea"/>
+                <a:cs typeface="+mn-cs"/>
+              </a:rPr>
+              <a:t>&lt;/head&gt;</a:t>
+            </a:r>
+          </a:p>
+          <a:p>
+            <a:br>
+              <a:rPr lang="en" altLang="ko-KR" sz="1200" b="0" kern="1200" dirty="0">
+                <a:solidFill>
+                  <a:schemeClr val="tx1"/>
+                </a:solidFill>
+                <a:effectLst/>
+                <a:latin typeface="+mn-lt"/>
+                <a:ea typeface="+mn-ea"/>
+                <a:cs typeface="+mn-cs"/>
+              </a:rPr>
+            </a:br>
+            <a:br>
+              <a:rPr lang="en" altLang="ko-KR" sz="1200" b="0" kern="1200" dirty="0">
+                <a:solidFill>
+                  <a:schemeClr val="tx1"/>
+                </a:solidFill>
+                <a:effectLst/>
+                <a:latin typeface="+mn-lt"/>
+                <a:ea typeface="+mn-ea"/>
+                <a:cs typeface="+mn-cs"/>
+              </a:rPr>
+            </a:br>
+            <a:endParaRPr lang="en" altLang="ko-KR" sz="1200" b="0" kern="1200" dirty="0">
+              <a:solidFill>
+                <a:schemeClr val="tx1"/>
+              </a:solidFill>
+              <a:effectLst/>
+              <a:latin typeface="+mn-lt"/>
+              <a:ea typeface="+mn-ea"/>
+              <a:cs typeface="+mn-cs"/>
+            </a:endParaRPr>
+          </a:p>
+          <a:p>
+            <a:br>
+              <a:rPr lang="en" altLang="ko-KR" sz="1200" b="0" kern="1200" dirty="0">
+                <a:solidFill>
+                  <a:schemeClr val="tx1"/>
+                </a:solidFill>
+                <a:effectLst/>
+                <a:latin typeface="+mn-lt"/>
+                <a:ea typeface="+mn-ea"/>
+                <a:cs typeface="+mn-cs"/>
+              </a:rPr>
+            </a:br>
+            <a:r>
+              <a:rPr lang="en" altLang="ko-KR" sz="1200" b="0" kern="1200" dirty="0">
+                <a:solidFill>
+                  <a:schemeClr val="tx1"/>
+                </a:solidFill>
+                <a:effectLst/>
+                <a:latin typeface="+mn-lt"/>
+                <a:ea typeface="+mn-ea"/>
+                <a:cs typeface="+mn-cs"/>
+              </a:rPr>
+              <a:t>&lt;body class="</a:t>
+            </a:r>
+            <a:r>
+              <a:rPr lang="en" altLang="ko-KR" sz="1200" b="0" kern="1200" dirty="0" err="1">
+                <a:solidFill>
+                  <a:schemeClr val="tx1"/>
+                </a:solidFill>
+                <a:effectLst/>
+                <a:latin typeface="+mn-lt"/>
+                <a:ea typeface="+mn-ea"/>
+                <a:cs typeface="+mn-cs"/>
+              </a:rPr>
+              <a:t>containter</a:t>
+            </a:r>
+            <a:r>
+              <a:rPr lang="en" altLang="ko-KR" sz="1200" b="0" kern="1200" dirty="0">
+                <a:solidFill>
+                  <a:schemeClr val="tx1"/>
+                </a:solidFill>
+                <a:effectLst/>
+                <a:latin typeface="+mn-lt"/>
+                <a:ea typeface="+mn-ea"/>
+                <a:cs typeface="+mn-cs"/>
+              </a:rPr>
+              <a:t>"&gt;</a:t>
+            </a:r>
+          </a:p>
+          <a:p>
+            <a:r>
+              <a:rPr lang="en" altLang="ko-KR" sz="1200" b="0" kern="1200" dirty="0">
+                <a:solidFill>
+                  <a:schemeClr val="tx1"/>
+                </a:solidFill>
+                <a:effectLst/>
+                <a:latin typeface="+mn-lt"/>
+                <a:ea typeface="+mn-ea"/>
+                <a:cs typeface="+mn-cs"/>
+              </a:rPr>
+              <a:t>&lt;</a:t>
+            </a:r>
+            <a:r>
+              <a:rPr lang="en" altLang="ko-KR" sz="1200" b="0" kern="1200" dirty="0" err="1">
+                <a:solidFill>
+                  <a:schemeClr val="tx1"/>
+                </a:solidFill>
+                <a:effectLst/>
+                <a:latin typeface="+mn-lt"/>
+                <a:ea typeface="+mn-ea"/>
+                <a:cs typeface="+mn-cs"/>
+              </a:rPr>
+              <a:t>img</a:t>
+            </a:r>
+            <a:r>
+              <a:rPr lang="en" altLang="ko-KR" sz="1200" b="0" kern="1200" dirty="0">
+                <a:solidFill>
+                  <a:schemeClr val="tx1"/>
+                </a:solidFill>
+                <a:effectLst/>
+                <a:latin typeface="+mn-lt"/>
+                <a:ea typeface="+mn-ea"/>
+                <a:cs typeface="+mn-cs"/>
+              </a:rPr>
+              <a:t> class="</a:t>
+            </a:r>
+            <a:r>
+              <a:rPr lang="en" altLang="ko-KR" sz="1200" b="0" kern="1200" dirty="0" err="1">
+                <a:solidFill>
+                  <a:schemeClr val="tx1"/>
+                </a:solidFill>
+                <a:effectLst/>
+                <a:latin typeface="+mn-lt"/>
+                <a:ea typeface="+mn-ea"/>
+                <a:cs typeface="+mn-cs"/>
+              </a:rPr>
+              <a:t>myImg</a:t>
+            </a:r>
+            <a:r>
+              <a:rPr lang="en" altLang="ko-KR" sz="1200" b="0" kern="1200" dirty="0">
+                <a:solidFill>
+                  <a:schemeClr val="tx1"/>
+                </a:solidFill>
+                <a:effectLst/>
+                <a:latin typeface="+mn-lt"/>
+                <a:ea typeface="+mn-ea"/>
+                <a:cs typeface="+mn-cs"/>
+              </a:rPr>
+              <a:t>" </a:t>
+            </a:r>
+            <a:r>
+              <a:rPr lang="en" altLang="ko-KR" sz="1200" b="0" kern="1200" dirty="0" err="1">
+                <a:solidFill>
+                  <a:schemeClr val="tx1"/>
+                </a:solidFill>
+                <a:effectLst/>
+                <a:latin typeface="+mn-lt"/>
+                <a:ea typeface="+mn-ea"/>
+                <a:cs typeface="+mn-cs"/>
+              </a:rPr>
+              <a:t>src</a:t>
+            </a:r>
+            <a:r>
+              <a:rPr lang="en" altLang="ko-KR" sz="1200" b="0" kern="1200" dirty="0">
+                <a:solidFill>
+                  <a:schemeClr val="tx1"/>
+                </a:solidFill>
+                <a:effectLst/>
+                <a:latin typeface="+mn-lt"/>
+                <a:ea typeface="+mn-ea"/>
+                <a:cs typeface="+mn-cs"/>
+              </a:rPr>
+              <a:t>="https://kimjeonghun91.github.io/assets/</a:t>
+            </a:r>
+            <a:r>
+              <a:rPr lang="en" altLang="ko-KR" sz="1200" b="0" kern="1200" dirty="0" err="1">
+                <a:solidFill>
+                  <a:schemeClr val="tx1"/>
+                </a:solidFill>
+                <a:effectLst/>
+                <a:latin typeface="+mn-lt"/>
+                <a:ea typeface="+mn-ea"/>
+                <a:cs typeface="+mn-cs"/>
+              </a:rPr>
+              <a:t>img</a:t>
+            </a:r>
+            <a:r>
+              <a:rPr lang="en" altLang="ko-KR" sz="1200" b="0" kern="1200" dirty="0">
+                <a:solidFill>
+                  <a:schemeClr val="tx1"/>
+                </a:solidFill>
+                <a:effectLst/>
+                <a:latin typeface="+mn-lt"/>
+                <a:ea typeface="+mn-ea"/>
+                <a:cs typeface="+mn-cs"/>
+              </a:rPr>
+              <a:t>/</a:t>
+            </a:r>
+            <a:r>
+              <a:rPr lang="en" altLang="ko-KR" sz="1200" b="0" kern="1200" dirty="0" err="1">
+                <a:solidFill>
+                  <a:schemeClr val="tx1"/>
+                </a:solidFill>
+                <a:effectLst/>
+                <a:latin typeface="+mn-lt"/>
+                <a:ea typeface="+mn-ea"/>
+                <a:cs typeface="+mn-cs"/>
+              </a:rPr>
+              <a:t>me.png</a:t>
+            </a:r>
+            <a:r>
+              <a:rPr lang="en" altLang="ko-KR" sz="1200" b="0" kern="1200" dirty="0">
+                <a:solidFill>
+                  <a:schemeClr val="tx1"/>
+                </a:solidFill>
+                <a:effectLst/>
+                <a:latin typeface="+mn-lt"/>
+                <a:ea typeface="+mn-ea"/>
+                <a:cs typeface="+mn-cs"/>
+              </a:rPr>
+              <a:t>" /&gt;</a:t>
+            </a:r>
+          </a:p>
+          <a:p>
+            <a:br>
+              <a:rPr lang="en" altLang="ko-KR" sz="1200" b="0" kern="1200" dirty="0">
+                <a:solidFill>
+                  <a:schemeClr val="tx1"/>
+                </a:solidFill>
+                <a:effectLst/>
+                <a:latin typeface="+mn-lt"/>
+                <a:ea typeface="+mn-ea"/>
+                <a:cs typeface="+mn-cs"/>
+              </a:rPr>
+            </a:br>
+            <a:r>
+              <a:rPr lang="en" altLang="ko-KR" sz="1200" b="0" kern="1200" dirty="0">
+                <a:solidFill>
+                  <a:schemeClr val="tx1"/>
+                </a:solidFill>
+                <a:effectLst/>
+                <a:latin typeface="+mn-lt"/>
+                <a:ea typeface="+mn-ea"/>
+                <a:cs typeface="+mn-cs"/>
+              </a:rPr>
+              <a:t>&lt;h2 class="title"&gt;</a:t>
+            </a:r>
+            <a:r>
+              <a:rPr lang="en" altLang="ko-KR" sz="1200" b="0" kern="1200" dirty="0" err="1">
+                <a:solidFill>
+                  <a:schemeClr val="tx1"/>
+                </a:solidFill>
+                <a:effectLst/>
+                <a:latin typeface="+mn-lt"/>
+                <a:ea typeface="+mn-ea"/>
+                <a:cs typeface="+mn-cs"/>
+              </a:rPr>
+              <a:t>Todo</a:t>
+            </a:r>
+            <a:r>
+              <a:rPr lang="en" altLang="ko-KR" sz="1200" b="0" kern="1200" dirty="0">
+                <a:solidFill>
+                  <a:schemeClr val="tx1"/>
+                </a:solidFill>
+                <a:effectLst/>
+                <a:latin typeface="+mn-lt"/>
+                <a:ea typeface="+mn-ea"/>
+                <a:cs typeface="+mn-cs"/>
+              </a:rPr>
+              <a:t> List&lt;/h2&gt;</a:t>
+            </a:r>
+          </a:p>
+          <a:p>
+            <a:r>
+              <a:rPr lang="en" altLang="ko-KR" sz="1200" b="0" kern="1200" dirty="0">
+                <a:solidFill>
+                  <a:schemeClr val="tx1"/>
+                </a:solidFill>
+                <a:effectLst/>
+                <a:latin typeface="+mn-lt"/>
+                <a:ea typeface="+mn-ea"/>
+                <a:cs typeface="+mn-cs"/>
+              </a:rPr>
+              <a:t>&lt;span class="subtitle"&gt;</a:t>
+            </a:r>
+            <a:r>
+              <a:rPr lang="ko-KR" altLang="en-US" sz="1200" b="0" kern="1200" dirty="0">
+                <a:solidFill>
+                  <a:schemeClr val="tx1"/>
+                </a:solidFill>
+                <a:effectLst/>
+                <a:latin typeface="+mn-lt"/>
+                <a:ea typeface="+mn-ea"/>
+                <a:cs typeface="+mn-cs"/>
+              </a:rPr>
+              <a:t>김정훈님의 </a:t>
+            </a:r>
+            <a:r>
+              <a:rPr lang="en" altLang="ko-KR" sz="1200" b="0" kern="1200" dirty="0" err="1">
+                <a:solidFill>
+                  <a:schemeClr val="tx1"/>
+                </a:solidFill>
+                <a:effectLst/>
+                <a:latin typeface="+mn-lt"/>
+                <a:ea typeface="+mn-ea"/>
+                <a:cs typeface="+mn-cs"/>
+              </a:rPr>
+              <a:t>Todolist</a:t>
+            </a:r>
+            <a:r>
+              <a:rPr lang="en" altLang="ko-KR" sz="1200" b="0" kern="1200" dirty="0">
+                <a:solidFill>
+                  <a:schemeClr val="tx1"/>
+                </a:solidFill>
+                <a:effectLst/>
+                <a:latin typeface="+mn-lt"/>
+                <a:ea typeface="+mn-ea"/>
+                <a:cs typeface="+mn-cs"/>
+              </a:rPr>
+              <a:t> </a:t>
+            </a:r>
+            <a:r>
+              <a:rPr lang="ko-KR" altLang="en-US" sz="1200" b="0" kern="1200" dirty="0">
+                <a:solidFill>
+                  <a:schemeClr val="tx1"/>
+                </a:solidFill>
+                <a:effectLst/>
+                <a:latin typeface="+mn-lt"/>
+                <a:ea typeface="+mn-ea"/>
+                <a:cs typeface="+mn-cs"/>
+              </a:rPr>
+              <a:t>입니다</a:t>
+            </a:r>
+            <a:r>
+              <a:rPr lang="en-US" altLang="ko-KR" sz="1200" b="0" kern="1200" dirty="0">
+                <a:solidFill>
+                  <a:schemeClr val="tx1"/>
+                </a:solidFill>
+                <a:effectLst/>
+                <a:latin typeface="+mn-lt"/>
+                <a:ea typeface="+mn-ea"/>
+                <a:cs typeface="+mn-cs"/>
+              </a:rPr>
+              <a:t>&lt;/</a:t>
+            </a:r>
+            <a:r>
+              <a:rPr lang="en" altLang="ko-KR" sz="1200" b="0" kern="1200" dirty="0">
+                <a:solidFill>
+                  <a:schemeClr val="tx1"/>
+                </a:solidFill>
+                <a:effectLst/>
+                <a:latin typeface="+mn-lt"/>
+                <a:ea typeface="+mn-ea"/>
+                <a:cs typeface="+mn-cs"/>
+              </a:rPr>
+              <a:t>span&gt;</a:t>
+            </a:r>
+          </a:p>
+          <a:p>
+            <a:br>
+              <a:rPr lang="en" altLang="ko-KR" sz="1200" b="0" kern="1200" dirty="0">
+                <a:solidFill>
+                  <a:schemeClr val="tx1"/>
+                </a:solidFill>
+                <a:effectLst/>
+                <a:latin typeface="+mn-lt"/>
+                <a:ea typeface="+mn-ea"/>
+                <a:cs typeface="+mn-cs"/>
+              </a:rPr>
+            </a:br>
+            <a:r>
+              <a:rPr lang="en" altLang="ko-KR" sz="1200" b="0" kern="1200" dirty="0">
+                <a:solidFill>
+                  <a:schemeClr val="tx1"/>
+                </a:solidFill>
+                <a:effectLst/>
+                <a:latin typeface="+mn-lt"/>
+                <a:ea typeface="+mn-ea"/>
+                <a:cs typeface="+mn-cs"/>
+              </a:rPr>
+              <a:t>&lt;div class="</a:t>
+            </a:r>
+            <a:r>
+              <a:rPr lang="en" altLang="ko-KR" sz="1200" b="0" kern="1200" dirty="0" err="1">
+                <a:solidFill>
+                  <a:schemeClr val="tx1"/>
+                </a:solidFill>
+                <a:effectLst/>
+                <a:latin typeface="+mn-lt"/>
+                <a:ea typeface="+mn-ea"/>
+                <a:cs typeface="+mn-cs"/>
+              </a:rPr>
+              <a:t>ipWrap</a:t>
+            </a:r>
+            <a:r>
+              <a:rPr lang="en" altLang="ko-KR" sz="1200" b="0" kern="1200" dirty="0">
+                <a:solidFill>
+                  <a:schemeClr val="tx1"/>
+                </a:solidFill>
+                <a:effectLst/>
+                <a:latin typeface="+mn-lt"/>
+                <a:ea typeface="+mn-ea"/>
+                <a:cs typeface="+mn-cs"/>
+              </a:rPr>
+              <a:t>"&gt;</a:t>
+            </a:r>
+          </a:p>
+          <a:p>
+            <a:r>
+              <a:rPr lang="en" altLang="ko-KR" sz="1200" b="0" kern="1200" dirty="0">
+                <a:solidFill>
+                  <a:schemeClr val="tx1"/>
+                </a:solidFill>
+                <a:effectLst/>
+                <a:latin typeface="+mn-lt"/>
+                <a:ea typeface="+mn-ea"/>
+                <a:cs typeface="+mn-cs"/>
+              </a:rPr>
+              <a:t>&lt;input id="</a:t>
+            </a:r>
+            <a:r>
+              <a:rPr lang="en" altLang="ko-KR" sz="1200" b="0" kern="1200" dirty="0" err="1">
+                <a:solidFill>
+                  <a:schemeClr val="tx1"/>
+                </a:solidFill>
+                <a:effectLst/>
+                <a:latin typeface="+mn-lt"/>
+                <a:ea typeface="+mn-ea"/>
+                <a:cs typeface="+mn-cs"/>
+              </a:rPr>
+              <a:t>enterText</a:t>
+            </a:r>
+            <a:r>
+              <a:rPr lang="en" altLang="ko-KR" sz="1200" b="0" kern="1200" dirty="0">
+                <a:solidFill>
+                  <a:schemeClr val="tx1"/>
+                </a:solidFill>
+                <a:effectLst/>
+                <a:latin typeface="+mn-lt"/>
+                <a:ea typeface="+mn-ea"/>
+                <a:cs typeface="+mn-cs"/>
+              </a:rPr>
+              <a:t>" class="</a:t>
+            </a:r>
+            <a:r>
+              <a:rPr lang="en" altLang="ko-KR" sz="1200" b="0" kern="1200" dirty="0" err="1">
+                <a:solidFill>
+                  <a:schemeClr val="tx1"/>
+                </a:solidFill>
+                <a:effectLst/>
+                <a:latin typeface="+mn-lt"/>
+                <a:ea typeface="+mn-ea"/>
+                <a:cs typeface="+mn-cs"/>
+              </a:rPr>
+              <a:t>enterText</a:t>
+            </a:r>
+            <a:r>
+              <a:rPr lang="en" altLang="ko-KR" sz="1200" b="0" kern="1200" dirty="0">
+                <a:solidFill>
+                  <a:schemeClr val="tx1"/>
+                </a:solidFill>
+                <a:effectLst/>
+                <a:latin typeface="+mn-lt"/>
+                <a:ea typeface="+mn-ea"/>
+                <a:cs typeface="+mn-cs"/>
+              </a:rPr>
+              <a:t>" type="text" required size="24"&gt;</a:t>
+            </a:r>
+          </a:p>
+          <a:p>
+            <a:r>
+              <a:rPr lang="en" altLang="ko-KR" sz="1200" b="0" kern="1200" dirty="0">
+                <a:solidFill>
+                  <a:schemeClr val="tx1"/>
+                </a:solidFill>
+                <a:effectLst/>
+                <a:latin typeface="+mn-lt"/>
+                <a:ea typeface="+mn-ea"/>
+                <a:cs typeface="+mn-cs"/>
+              </a:rPr>
+              <a:t>&lt;button id="</a:t>
+            </a:r>
+            <a:r>
+              <a:rPr lang="en" altLang="ko-KR" sz="1200" b="0" kern="1200" dirty="0" err="1">
+                <a:solidFill>
+                  <a:schemeClr val="tx1"/>
+                </a:solidFill>
+                <a:effectLst/>
+                <a:latin typeface="+mn-lt"/>
+                <a:ea typeface="+mn-ea"/>
+                <a:cs typeface="+mn-cs"/>
+              </a:rPr>
+              <a:t>enterBtn</a:t>
+            </a:r>
+            <a:r>
+              <a:rPr lang="en" altLang="ko-KR" sz="1200" b="0" kern="1200" dirty="0">
+                <a:solidFill>
+                  <a:schemeClr val="tx1"/>
+                </a:solidFill>
+                <a:effectLst/>
+                <a:latin typeface="+mn-lt"/>
+                <a:ea typeface="+mn-ea"/>
+                <a:cs typeface="+mn-cs"/>
+              </a:rPr>
+              <a:t>" class="</a:t>
+            </a:r>
+            <a:r>
+              <a:rPr lang="en" altLang="ko-KR" sz="1200" b="0" kern="1200" dirty="0" err="1">
+                <a:solidFill>
+                  <a:schemeClr val="tx1"/>
+                </a:solidFill>
+                <a:effectLst/>
+                <a:latin typeface="+mn-lt"/>
+                <a:ea typeface="+mn-ea"/>
+                <a:cs typeface="+mn-cs"/>
+              </a:rPr>
+              <a:t>enterBtn</a:t>
+            </a:r>
+            <a:r>
+              <a:rPr lang="en" altLang="ko-KR" sz="1200" b="0" kern="1200" dirty="0">
+                <a:solidFill>
+                  <a:schemeClr val="tx1"/>
+                </a:solidFill>
+                <a:effectLst/>
+                <a:latin typeface="+mn-lt"/>
+                <a:ea typeface="+mn-ea"/>
+                <a:cs typeface="+mn-cs"/>
+              </a:rPr>
+              <a:t>" type="button"&gt; </a:t>
+            </a:r>
+            <a:r>
+              <a:rPr lang="ko-KR" altLang="en-US" sz="1200" b="0" kern="1200" dirty="0">
+                <a:solidFill>
+                  <a:schemeClr val="tx1"/>
+                </a:solidFill>
+                <a:effectLst/>
+                <a:latin typeface="+mn-lt"/>
+                <a:ea typeface="+mn-ea"/>
+                <a:cs typeface="+mn-cs"/>
+              </a:rPr>
+              <a:t>추가하기 </a:t>
+            </a:r>
+            <a:r>
+              <a:rPr lang="en-US" altLang="ko-KR" sz="1200" b="0" kern="1200" dirty="0">
+                <a:solidFill>
+                  <a:schemeClr val="tx1"/>
+                </a:solidFill>
+                <a:effectLst/>
+                <a:latin typeface="+mn-lt"/>
+                <a:ea typeface="+mn-ea"/>
+                <a:cs typeface="+mn-cs"/>
+              </a:rPr>
+              <a:t>&lt;/</a:t>
+            </a:r>
+            <a:r>
+              <a:rPr lang="en" altLang="ko-KR" sz="1200" b="0" kern="1200" dirty="0">
+                <a:solidFill>
+                  <a:schemeClr val="tx1"/>
+                </a:solidFill>
+                <a:effectLst/>
+                <a:latin typeface="+mn-lt"/>
+                <a:ea typeface="+mn-ea"/>
+                <a:cs typeface="+mn-cs"/>
+              </a:rPr>
+              <a:t>button&gt;</a:t>
+            </a:r>
+          </a:p>
+          <a:p>
+            <a:r>
+              <a:rPr lang="en" altLang="ko-KR" sz="1200" b="0" kern="1200" dirty="0">
+                <a:solidFill>
+                  <a:schemeClr val="tx1"/>
+                </a:solidFill>
+                <a:effectLst/>
+                <a:latin typeface="+mn-lt"/>
+                <a:ea typeface="+mn-ea"/>
+                <a:cs typeface="+mn-cs"/>
+              </a:rPr>
+              <a:t>&lt;/div&gt;</a:t>
+            </a:r>
+          </a:p>
+          <a:p>
+            <a:br>
+              <a:rPr lang="en" altLang="ko-KR" sz="1200" b="0" kern="1200" dirty="0">
+                <a:solidFill>
+                  <a:schemeClr val="tx1"/>
+                </a:solidFill>
+                <a:effectLst/>
+                <a:latin typeface="+mn-lt"/>
+                <a:ea typeface="+mn-ea"/>
+                <a:cs typeface="+mn-cs"/>
+              </a:rPr>
+            </a:br>
+            <a:r>
+              <a:rPr lang="en" altLang="ko-KR" sz="1200" b="0" kern="1200" dirty="0">
+                <a:solidFill>
+                  <a:schemeClr val="tx1"/>
+                </a:solidFill>
+                <a:effectLst/>
+                <a:latin typeface="+mn-lt"/>
+                <a:ea typeface="+mn-ea"/>
+                <a:cs typeface="+mn-cs"/>
+              </a:rPr>
+              <a:t>&lt;span class="</a:t>
+            </a:r>
+            <a:r>
+              <a:rPr lang="en" altLang="ko-KR" sz="1200" b="0" kern="1200" dirty="0" err="1">
+                <a:solidFill>
+                  <a:schemeClr val="tx1"/>
+                </a:solidFill>
+                <a:effectLst/>
+                <a:latin typeface="+mn-lt"/>
+                <a:ea typeface="+mn-ea"/>
+                <a:cs typeface="+mn-cs"/>
+              </a:rPr>
+              <a:t>notiText</a:t>
+            </a:r>
+            <a:r>
+              <a:rPr lang="en" altLang="ko-KR" sz="1200" b="0" kern="1200" dirty="0">
+                <a:solidFill>
+                  <a:schemeClr val="tx1"/>
+                </a:solidFill>
+                <a:effectLst/>
+                <a:latin typeface="+mn-lt"/>
+                <a:ea typeface="+mn-ea"/>
+                <a:cs typeface="+mn-cs"/>
+              </a:rPr>
+              <a:t>"&gt;</a:t>
+            </a:r>
+            <a:r>
+              <a:rPr lang="ko-KR" altLang="en-US" sz="1200" b="0" kern="1200" dirty="0" err="1">
+                <a:solidFill>
+                  <a:schemeClr val="tx1"/>
+                </a:solidFill>
+                <a:effectLst/>
+                <a:latin typeface="+mn-lt"/>
+                <a:ea typeface="+mn-ea"/>
+                <a:cs typeface="+mn-cs"/>
+              </a:rPr>
+              <a:t>할일이</a:t>
+            </a:r>
+            <a:r>
+              <a:rPr lang="ko-KR" altLang="en-US" sz="1200" b="0" kern="1200" dirty="0">
+                <a:solidFill>
+                  <a:schemeClr val="tx1"/>
+                </a:solidFill>
+                <a:effectLst/>
+                <a:latin typeface="+mn-lt"/>
+                <a:ea typeface="+mn-ea"/>
+                <a:cs typeface="+mn-cs"/>
+              </a:rPr>
+              <a:t> </a:t>
+            </a:r>
+            <a:r>
+              <a:rPr lang="en-US" altLang="ko-KR" sz="1200" b="0" kern="1200" dirty="0">
+                <a:solidFill>
+                  <a:schemeClr val="tx1"/>
+                </a:solidFill>
+                <a:effectLst/>
+                <a:latin typeface="+mn-lt"/>
+                <a:ea typeface="+mn-ea"/>
+                <a:cs typeface="+mn-cs"/>
+              </a:rPr>
+              <a:t>3</a:t>
+            </a:r>
+            <a:r>
+              <a:rPr lang="ko-KR" altLang="en-US" sz="1200" b="0" kern="1200" dirty="0">
+                <a:solidFill>
+                  <a:schemeClr val="tx1"/>
+                </a:solidFill>
+                <a:effectLst/>
+                <a:latin typeface="+mn-lt"/>
+                <a:ea typeface="+mn-ea"/>
+                <a:cs typeface="+mn-cs"/>
+              </a:rPr>
+              <a:t>개 남았습니다</a:t>
+            </a:r>
+            <a:r>
+              <a:rPr lang="en-US" altLang="ko-KR" sz="1200" b="0" kern="1200" dirty="0">
+                <a:solidFill>
+                  <a:schemeClr val="tx1"/>
+                </a:solidFill>
+                <a:effectLst/>
+                <a:latin typeface="+mn-lt"/>
+                <a:ea typeface="+mn-ea"/>
+                <a:cs typeface="+mn-cs"/>
+              </a:rPr>
+              <a:t>&lt;/</a:t>
+            </a:r>
+            <a:r>
+              <a:rPr lang="en" altLang="ko-KR" sz="1200" b="0" kern="1200" dirty="0">
+                <a:solidFill>
+                  <a:schemeClr val="tx1"/>
+                </a:solidFill>
+                <a:effectLst/>
+                <a:latin typeface="+mn-lt"/>
+                <a:ea typeface="+mn-ea"/>
+                <a:cs typeface="+mn-cs"/>
+              </a:rPr>
+              <a:t>span&gt;</a:t>
+            </a:r>
+          </a:p>
+          <a:p>
+            <a:br>
+              <a:rPr lang="en" altLang="ko-KR" sz="1200" b="0" kern="1200" dirty="0">
+                <a:solidFill>
+                  <a:schemeClr val="tx1"/>
+                </a:solidFill>
+                <a:effectLst/>
+                <a:latin typeface="+mn-lt"/>
+                <a:ea typeface="+mn-ea"/>
+                <a:cs typeface="+mn-cs"/>
+              </a:rPr>
+            </a:br>
+            <a:br>
+              <a:rPr lang="en" altLang="ko-KR" sz="1200" b="0" kern="1200" dirty="0">
+                <a:solidFill>
+                  <a:schemeClr val="tx1"/>
+                </a:solidFill>
+                <a:effectLst/>
+                <a:latin typeface="+mn-lt"/>
+                <a:ea typeface="+mn-ea"/>
+                <a:cs typeface="+mn-cs"/>
+              </a:rPr>
+            </a:br>
+            <a:r>
+              <a:rPr lang="en" altLang="ko-KR" sz="1200" b="0" kern="1200" dirty="0">
+                <a:solidFill>
+                  <a:schemeClr val="tx1"/>
+                </a:solidFill>
+                <a:effectLst/>
+                <a:latin typeface="+mn-lt"/>
+                <a:ea typeface="+mn-ea"/>
+                <a:cs typeface="+mn-cs"/>
+              </a:rPr>
+              <a:t>&lt;div id="</a:t>
+            </a:r>
+            <a:r>
+              <a:rPr lang="en" altLang="ko-KR" sz="1200" b="0" kern="1200" dirty="0" err="1">
+                <a:solidFill>
+                  <a:schemeClr val="tx1"/>
+                </a:solidFill>
+                <a:effectLst/>
+                <a:latin typeface="+mn-lt"/>
+                <a:ea typeface="+mn-ea"/>
+                <a:cs typeface="+mn-cs"/>
+              </a:rPr>
+              <a:t>itemList</a:t>
+            </a:r>
+            <a:r>
+              <a:rPr lang="en" altLang="ko-KR" sz="1200" b="0" kern="1200" dirty="0">
+                <a:solidFill>
+                  <a:schemeClr val="tx1"/>
+                </a:solidFill>
+                <a:effectLst/>
+                <a:latin typeface="+mn-lt"/>
+                <a:ea typeface="+mn-ea"/>
+                <a:cs typeface="+mn-cs"/>
+              </a:rPr>
+              <a:t>" class="</a:t>
+            </a:r>
+            <a:r>
+              <a:rPr lang="en" altLang="ko-KR" sz="1200" b="0" kern="1200" dirty="0" err="1">
+                <a:solidFill>
+                  <a:schemeClr val="tx1"/>
+                </a:solidFill>
+                <a:effectLst/>
+                <a:latin typeface="+mn-lt"/>
+                <a:ea typeface="+mn-ea"/>
+                <a:cs typeface="+mn-cs"/>
+              </a:rPr>
+              <a:t>itemList</a:t>
+            </a:r>
+            <a:r>
+              <a:rPr lang="en" altLang="ko-KR" sz="1200" b="0" kern="1200" dirty="0">
+                <a:solidFill>
+                  <a:schemeClr val="tx1"/>
+                </a:solidFill>
+                <a:effectLst/>
+                <a:latin typeface="+mn-lt"/>
+                <a:ea typeface="+mn-ea"/>
+                <a:cs typeface="+mn-cs"/>
+              </a:rPr>
+              <a:t>"&gt;&lt;/div&gt;</a:t>
+            </a:r>
+          </a:p>
+          <a:p>
+            <a:br>
+              <a:rPr lang="en" altLang="ko-KR" sz="1200" b="0" kern="1200" dirty="0">
+                <a:solidFill>
+                  <a:schemeClr val="tx1"/>
+                </a:solidFill>
+                <a:effectLst/>
+                <a:latin typeface="+mn-lt"/>
+                <a:ea typeface="+mn-ea"/>
+                <a:cs typeface="+mn-cs"/>
+              </a:rPr>
+            </a:br>
+            <a:r>
+              <a:rPr lang="en" altLang="ko-KR" sz="1200" b="0" kern="1200" dirty="0">
+                <a:solidFill>
+                  <a:schemeClr val="tx1"/>
+                </a:solidFill>
+                <a:effectLst/>
+                <a:latin typeface="+mn-lt"/>
+                <a:ea typeface="+mn-ea"/>
+                <a:cs typeface="+mn-cs"/>
+              </a:rPr>
+              <a:t>&lt;/body&gt;</a:t>
+            </a:r>
+          </a:p>
+          <a:p>
+            <a:br>
+              <a:rPr lang="en" altLang="ko-KR" sz="1200" b="0" kern="1200" dirty="0">
+                <a:solidFill>
+                  <a:schemeClr val="tx1"/>
+                </a:solidFill>
+                <a:effectLst/>
+                <a:latin typeface="+mn-lt"/>
+                <a:ea typeface="+mn-ea"/>
+                <a:cs typeface="+mn-cs"/>
+              </a:rPr>
+            </a:br>
+            <a:r>
+              <a:rPr lang="en" altLang="ko-KR" sz="1200" b="0" kern="1200" dirty="0">
+                <a:solidFill>
+                  <a:schemeClr val="tx1"/>
+                </a:solidFill>
+                <a:effectLst/>
+                <a:latin typeface="+mn-lt"/>
+                <a:ea typeface="+mn-ea"/>
+                <a:cs typeface="+mn-cs"/>
+              </a:rPr>
+              <a:t>&lt;/html&gt;</a:t>
+            </a:r>
+          </a:p>
+          <a:p>
+            <a:endParaRPr lang="en" altLang="ko-KR" sz="1200" b="0" kern="1200" dirty="0">
+              <a:solidFill>
+                <a:schemeClr val="tx1"/>
+              </a:solidFill>
+              <a:effectLst/>
+              <a:latin typeface="+mn-lt"/>
+              <a:ea typeface="+mn-ea"/>
+              <a:cs typeface="+mn-cs"/>
+            </a:endParaRPr>
+          </a:p>
+          <a:p>
+            <a:endParaRPr lang="en" altLang="ko-KR" sz="1200" b="0" kern="1200" dirty="0">
+              <a:solidFill>
+                <a:schemeClr val="tx1"/>
+              </a:solidFill>
+              <a:effectLst/>
+              <a:latin typeface="+mn-lt"/>
+              <a:ea typeface="+mn-ea"/>
+              <a:cs typeface="+mn-cs"/>
+            </a:endParaRPr>
+          </a:p>
+          <a:p>
+            <a:endParaRPr lang="en" altLang="ko-KR" sz="1200" b="0" kern="1200" dirty="0">
+              <a:solidFill>
+                <a:schemeClr val="tx1"/>
+              </a:solidFill>
+              <a:effectLst/>
+              <a:latin typeface="+mn-lt"/>
+              <a:ea typeface="+mn-ea"/>
+              <a:cs typeface="+mn-cs"/>
+            </a:endParaRPr>
+          </a:p>
+          <a:p>
+            <a:endParaRPr lang="en" altLang="ko-KR" sz="1200" b="0" kern="1200" dirty="0">
+              <a:solidFill>
+                <a:schemeClr val="tx1"/>
+              </a:solidFill>
+              <a:effectLst/>
+              <a:latin typeface="+mn-lt"/>
+              <a:ea typeface="+mn-ea"/>
+              <a:cs typeface="+mn-cs"/>
+            </a:endParaRPr>
+          </a:p>
+          <a:p>
+            <a:r>
+              <a:rPr lang="en" altLang="ko-KR" sz="1200" b="0" kern="1200" dirty="0">
+                <a:solidFill>
+                  <a:schemeClr val="tx1"/>
+                </a:solidFill>
+                <a:effectLst/>
+                <a:latin typeface="+mn-lt"/>
+                <a:ea typeface="+mn-ea"/>
+                <a:cs typeface="+mn-cs"/>
+              </a:rPr>
+              <a:t>============================================================================================================</a:t>
+            </a:r>
+          </a:p>
+          <a:p>
+            <a:endParaRPr lang="en" altLang="ko-KR" sz="1200" b="0" kern="1200" dirty="0">
+              <a:solidFill>
+                <a:schemeClr val="tx1"/>
+              </a:solidFill>
+              <a:effectLst/>
+              <a:latin typeface="+mn-lt"/>
+              <a:ea typeface="+mn-ea"/>
+              <a:cs typeface="+mn-cs"/>
+            </a:endParaRPr>
+          </a:p>
+          <a:p>
+            <a:endParaRPr lang="en" altLang="ko-KR" sz="1200" b="0" kern="1200" dirty="0">
+              <a:solidFill>
+                <a:schemeClr val="tx1"/>
+              </a:solidFill>
+              <a:effectLst/>
+              <a:latin typeface="+mn-lt"/>
+              <a:ea typeface="+mn-ea"/>
+              <a:cs typeface="+mn-cs"/>
+            </a:endParaRPr>
+          </a:p>
+          <a:p>
+            <a:endParaRPr lang="en" altLang="ko-KR" sz="1200" b="0" kern="1200" dirty="0">
+              <a:solidFill>
+                <a:schemeClr val="tx1"/>
+              </a:solidFill>
+              <a:effectLst/>
+              <a:latin typeface="+mn-lt"/>
+              <a:ea typeface="+mn-ea"/>
+              <a:cs typeface="+mn-cs"/>
+            </a:endParaRPr>
+          </a:p>
+          <a:p>
+            <a:r>
+              <a:rPr lang="en" altLang="ko-KR" sz="1200" b="0" kern="1200" dirty="0">
+                <a:solidFill>
+                  <a:schemeClr val="tx1"/>
+                </a:solidFill>
+                <a:effectLst/>
+                <a:latin typeface="+mn-lt"/>
+                <a:ea typeface="+mn-ea"/>
+                <a:cs typeface="+mn-cs"/>
+              </a:rPr>
+              <a:t>.</a:t>
+            </a:r>
+            <a:r>
+              <a:rPr lang="en" altLang="ko-KR" sz="1200" b="0" kern="1200" dirty="0" err="1">
+                <a:solidFill>
+                  <a:schemeClr val="tx1"/>
+                </a:solidFill>
+                <a:effectLst/>
+                <a:latin typeface="+mn-lt"/>
+                <a:ea typeface="+mn-ea"/>
+                <a:cs typeface="+mn-cs"/>
+              </a:rPr>
+              <a:t>containter</a:t>
+            </a:r>
+            <a:r>
+              <a:rPr lang="en" altLang="ko-KR" sz="1200" b="0" kern="1200" dirty="0">
+                <a:solidFill>
+                  <a:schemeClr val="tx1"/>
+                </a:solidFill>
+                <a:effectLst/>
+                <a:latin typeface="+mn-lt"/>
+                <a:ea typeface="+mn-ea"/>
+                <a:cs typeface="+mn-cs"/>
+              </a:rPr>
+              <a:t>{</a:t>
+            </a:r>
+          </a:p>
+          <a:p>
+            <a:r>
+              <a:rPr lang="en" altLang="ko-KR" sz="1200" b="0" kern="1200" dirty="0">
+                <a:solidFill>
+                  <a:schemeClr val="tx1"/>
+                </a:solidFill>
+                <a:effectLst/>
+                <a:latin typeface="+mn-lt"/>
+                <a:ea typeface="+mn-ea"/>
+                <a:cs typeface="+mn-cs"/>
+              </a:rPr>
+              <a:t>background-color: #07dba6;</a:t>
+            </a:r>
+          </a:p>
+          <a:p>
+            <a:r>
+              <a:rPr lang="en" altLang="ko-KR" sz="1200" b="0" kern="1200" dirty="0">
+                <a:solidFill>
+                  <a:schemeClr val="tx1"/>
+                </a:solidFill>
+                <a:effectLst/>
+                <a:latin typeface="+mn-lt"/>
+                <a:ea typeface="+mn-ea"/>
+                <a:cs typeface="+mn-cs"/>
+              </a:rPr>
+              <a:t>display: flex;</a:t>
+            </a:r>
+          </a:p>
+          <a:p>
+            <a:r>
+              <a:rPr lang="en" altLang="ko-KR" sz="1200" b="0" kern="1200" dirty="0">
+                <a:solidFill>
+                  <a:schemeClr val="tx1"/>
+                </a:solidFill>
+                <a:effectLst/>
+                <a:latin typeface="+mn-lt"/>
+                <a:ea typeface="+mn-ea"/>
+                <a:cs typeface="+mn-cs"/>
+              </a:rPr>
+              <a:t>position: relative;</a:t>
+            </a:r>
+          </a:p>
+          <a:p>
+            <a:r>
+              <a:rPr lang="en" altLang="ko-KR" sz="1200" b="0" kern="1200" dirty="0">
+                <a:solidFill>
+                  <a:schemeClr val="tx1"/>
+                </a:solidFill>
+                <a:effectLst/>
+                <a:latin typeface="+mn-lt"/>
+                <a:ea typeface="+mn-ea"/>
+                <a:cs typeface="+mn-cs"/>
+              </a:rPr>
+              <a:t>align-items: center;</a:t>
+            </a:r>
+          </a:p>
+          <a:p>
+            <a:r>
+              <a:rPr lang="en" altLang="ko-KR" sz="1200" b="0" kern="1200" dirty="0">
+                <a:solidFill>
+                  <a:schemeClr val="tx1"/>
+                </a:solidFill>
+                <a:effectLst/>
+                <a:latin typeface="+mn-lt"/>
+                <a:ea typeface="+mn-ea"/>
+                <a:cs typeface="+mn-cs"/>
+              </a:rPr>
+              <a:t>flex:1;</a:t>
+            </a:r>
+          </a:p>
+          <a:p>
+            <a:r>
+              <a:rPr lang="en" altLang="ko-KR" sz="1200" b="0" kern="1200" dirty="0">
+                <a:solidFill>
+                  <a:schemeClr val="tx1"/>
+                </a:solidFill>
+                <a:effectLst/>
+                <a:latin typeface="+mn-lt"/>
+                <a:ea typeface="+mn-ea"/>
+                <a:cs typeface="+mn-cs"/>
+              </a:rPr>
+              <a:t>flex-direction: column;</a:t>
+            </a:r>
+          </a:p>
+          <a:p>
+            <a:r>
+              <a:rPr lang="en" altLang="ko-KR" sz="1200" b="0" kern="1200" dirty="0">
+                <a:solidFill>
+                  <a:schemeClr val="tx1"/>
+                </a:solidFill>
+                <a:effectLst/>
+                <a:latin typeface="+mn-lt"/>
+                <a:ea typeface="+mn-ea"/>
+                <a:cs typeface="+mn-cs"/>
+              </a:rPr>
+              <a:t>}</a:t>
+            </a:r>
+          </a:p>
+          <a:p>
+            <a:br>
+              <a:rPr lang="en" altLang="ko-KR" sz="1200" b="0" kern="1200" dirty="0">
+                <a:solidFill>
+                  <a:schemeClr val="tx1"/>
+                </a:solidFill>
+                <a:effectLst/>
+                <a:latin typeface="+mn-lt"/>
+                <a:ea typeface="+mn-ea"/>
+                <a:cs typeface="+mn-cs"/>
+              </a:rPr>
+            </a:br>
+            <a:r>
+              <a:rPr lang="en" altLang="ko-KR" sz="1200" b="0" kern="1200" dirty="0">
+                <a:solidFill>
+                  <a:schemeClr val="tx1"/>
+                </a:solidFill>
+                <a:effectLst/>
+                <a:latin typeface="+mn-lt"/>
+                <a:ea typeface="+mn-ea"/>
+                <a:cs typeface="+mn-cs"/>
+              </a:rPr>
+              <a:t>.</a:t>
+            </a:r>
+            <a:r>
+              <a:rPr lang="en" altLang="ko-KR" sz="1200" b="0" kern="1200" dirty="0" err="1">
+                <a:solidFill>
+                  <a:schemeClr val="tx1"/>
+                </a:solidFill>
+                <a:effectLst/>
+                <a:latin typeface="+mn-lt"/>
+                <a:ea typeface="+mn-ea"/>
+                <a:cs typeface="+mn-cs"/>
+              </a:rPr>
+              <a:t>myImg</a:t>
+            </a:r>
+            <a:r>
+              <a:rPr lang="en" altLang="ko-KR" sz="1200" b="0" kern="1200" dirty="0">
+                <a:solidFill>
+                  <a:schemeClr val="tx1"/>
+                </a:solidFill>
+                <a:effectLst/>
+                <a:latin typeface="+mn-lt"/>
+                <a:ea typeface="+mn-ea"/>
+                <a:cs typeface="+mn-cs"/>
+              </a:rPr>
+              <a:t> {</a:t>
+            </a:r>
+          </a:p>
+          <a:p>
+            <a:r>
+              <a:rPr lang="en" altLang="ko-KR" sz="1200" b="0" kern="1200" dirty="0">
+                <a:solidFill>
+                  <a:schemeClr val="tx1"/>
+                </a:solidFill>
+                <a:effectLst/>
+                <a:latin typeface="+mn-lt"/>
+                <a:ea typeface="+mn-ea"/>
+                <a:cs typeface="+mn-cs"/>
+              </a:rPr>
+              <a:t>width: 120px;</a:t>
+            </a:r>
+          </a:p>
+          <a:p>
+            <a:r>
+              <a:rPr lang="en" altLang="ko-KR" sz="1200" b="0" kern="1200" dirty="0">
+                <a:solidFill>
+                  <a:schemeClr val="tx1"/>
+                </a:solidFill>
+                <a:effectLst/>
+                <a:latin typeface="+mn-lt"/>
+                <a:ea typeface="+mn-ea"/>
+                <a:cs typeface="+mn-cs"/>
+              </a:rPr>
+              <a:t>height: 120px;</a:t>
+            </a:r>
+          </a:p>
+          <a:p>
+            <a:r>
+              <a:rPr lang="en" altLang="ko-KR" sz="1200" b="0" kern="1200" dirty="0">
+                <a:solidFill>
+                  <a:schemeClr val="tx1"/>
+                </a:solidFill>
+                <a:effectLst/>
+                <a:latin typeface="+mn-lt"/>
+                <a:ea typeface="+mn-ea"/>
+                <a:cs typeface="+mn-cs"/>
+              </a:rPr>
+              <a:t>border-radius: 50%;</a:t>
+            </a:r>
+          </a:p>
+          <a:p>
+            <a:r>
+              <a:rPr lang="en" altLang="ko-KR" sz="1200" b="0" kern="1200" dirty="0">
+                <a:solidFill>
+                  <a:schemeClr val="tx1"/>
+                </a:solidFill>
+                <a:effectLst/>
+                <a:latin typeface="+mn-lt"/>
+                <a:ea typeface="+mn-ea"/>
+                <a:cs typeface="+mn-cs"/>
+              </a:rPr>
+              <a:t>margin-top: 40px;</a:t>
+            </a:r>
+          </a:p>
+          <a:p>
+            <a:r>
+              <a:rPr lang="en" altLang="ko-KR" sz="1200" b="0" kern="1200" dirty="0">
+                <a:solidFill>
+                  <a:schemeClr val="tx1"/>
+                </a:solidFill>
+                <a:effectLst/>
+                <a:latin typeface="+mn-lt"/>
+                <a:ea typeface="+mn-ea"/>
+                <a:cs typeface="+mn-cs"/>
+              </a:rPr>
+              <a:t>}</a:t>
+            </a:r>
+          </a:p>
+          <a:p>
+            <a:br>
+              <a:rPr lang="en" altLang="ko-KR" sz="1200" b="0" kern="1200" dirty="0">
+                <a:solidFill>
+                  <a:schemeClr val="tx1"/>
+                </a:solidFill>
+                <a:effectLst/>
+                <a:latin typeface="+mn-lt"/>
+                <a:ea typeface="+mn-ea"/>
+                <a:cs typeface="+mn-cs"/>
+              </a:rPr>
+            </a:br>
+            <a:r>
+              <a:rPr lang="en" altLang="ko-KR" sz="1200" b="0" kern="1200" dirty="0">
+                <a:solidFill>
+                  <a:schemeClr val="tx1"/>
+                </a:solidFill>
+                <a:effectLst/>
+                <a:latin typeface="+mn-lt"/>
+                <a:ea typeface="+mn-ea"/>
+                <a:cs typeface="+mn-cs"/>
+              </a:rPr>
+              <a:t>.title {</a:t>
+            </a:r>
+          </a:p>
+          <a:p>
+            <a:r>
+              <a:rPr lang="en" altLang="ko-KR" sz="1200" b="0" kern="1200" dirty="0">
+                <a:solidFill>
+                  <a:schemeClr val="tx1"/>
+                </a:solidFill>
+                <a:effectLst/>
+                <a:latin typeface="+mn-lt"/>
+                <a:ea typeface="+mn-ea"/>
+                <a:cs typeface="+mn-cs"/>
+              </a:rPr>
+              <a:t>color: #</a:t>
+            </a:r>
+            <a:r>
+              <a:rPr lang="en" altLang="ko-KR" sz="1200" b="0" kern="1200" dirty="0" err="1">
+                <a:solidFill>
+                  <a:schemeClr val="tx1"/>
+                </a:solidFill>
+                <a:effectLst/>
+                <a:latin typeface="+mn-lt"/>
+                <a:ea typeface="+mn-ea"/>
+                <a:cs typeface="+mn-cs"/>
+              </a:rPr>
+              <a:t>ffffff</a:t>
+            </a:r>
+            <a:r>
+              <a:rPr lang="en" altLang="ko-KR" sz="1200" b="0" kern="1200" dirty="0">
+                <a:solidFill>
+                  <a:schemeClr val="tx1"/>
+                </a:solidFill>
+                <a:effectLst/>
+                <a:latin typeface="+mn-lt"/>
+                <a:ea typeface="+mn-ea"/>
+                <a:cs typeface="+mn-cs"/>
+              </a:rPr>
+              <a:t>;</a:t>
+            </a:r>
+          </a:p>
+          <a:p>
+            <a:r>
+              <a:rPr lang="en" altLang="ko-KR" sz="1200" b="0" kern="1200" dirty="0">
+                <a:solidFill>
+                  <a:schemeClr val="tx1"/>
+                </a:solidFill>
+                <a:effectLst/>
+                <a:latin typeface="+mn-lt"/>
+                <a:ea typeface="+mn-ea"/>
+                <a:cs typeface="+mn-cs"/>
+              </a:rPr>
+              <a:t>padding: 0px;</a:t>
+            </a:r>
+          </a:p>
+          <a:p>
+            <a:r>
+              <a:rPr lang="en" altLang="ko-KR" sz="1200" b="0" kern="1200" dirty="0">
+                <a:solidFill>
+                  <a:schemeClr val="tx1"/>
+                </a:solidFill>
+                <a:effectLst/>
+                <a:latin typeface="+mn-lt"/>
+                <a:ea typeface="+mn-ea"/>
+                <a:cs typeface="+mn-cs"/>
+              </a:rPr>
+              <a:t>margin: 15px 0 0 0;</a:t>
+            </a:r>
+          </a:p>
+          <a:p>
+            <a:r>
+              <a:rPr lang="en" altLang="ko-KR" sz="1200" b="0" kern="1200" dirty="0">
+                <a:solidFill>
+                  <a:schemeClr val="tx1"/>
+                </a:solidFill>
+                <a:effectLst/>
+                <a:latin typeface="+mn-lt"/>
+                <a:ea typeface="+mn-ea"/>
+                <a:cs typeface="+mn-cs"/>
+              </a:rPr>
+              <a:t>}</a:t>
+            </a:r>
+          </a:p>
+          <a:p>
+            <a:br>
+              <a:rPr lang="en" altLang="ko-KR" sz="1200" b="0" kern="1200" dirty="0">
+                <a:solidFill>
+                  <a:schemeClr val="tx1"/>
+                </a:solidFill>
+                <a:effectLst/>
+                <a:latin typeface="+mn-lt"/>
+                <a:ea typeface="+mn-ea"/>
+                <a:cs typeface="+mn-cs"/>
+              </a:rPr>
+            </a:br>
+            <a:r>
+              <a:rPr lang="en" altLang="ko-KR" sz="1200" b="0" kern="1200" dirty="0">
+                <a:solidFill>
+                  <a:schemeClr val="tx1"/>
+                </a:solidFill>
+                <a:effectLst/>
+                <a:latin typeface="+mn-lt"/>
+                <a:ea typeface="+mn-ea"/>
+                <a:cs typeface="+mn-cs"/>
+              </a:rPr>
+              <a:t>.subtitle {</a:t>
+            </a:r>
+          </a:p>
+          <a:p>
+            <a:r>
+              <a:rPr lang="en" altLang="ko-KR" sz="1200" b="0" kern="1200" dirty="0">
+                <a:solidFill>
+                  <a:schemeClr val="tx1"/>
+                </a:solidFill>
+                <a:effectLst/>
+                <a:latin typeface="+mn-lt"/>
+                <a:ea typeface="+mn-ea"/>
+                <a:cs typeface="+mn-cs"/>
+              </a:rPr>
+              <a:t>color: #</a:t>
+            </a:r>
+            <a:r>
+              <a:rPr lang="en" altLang="ko-KR" sz="1200" b="0" kern="1200" dirty="0" err="1">
+                <a:solidFill>
+                  <a:schemeClr val="tx1"/>
+                </a:solidFill>
+                <a:effectLst/>
+                <a:latin typeface="+mn-lt"/>
+                <a:ea typeface="+mn-ea"/>
+                <a:cs typeface="+mn-cs"/>
+              </a:rPr>
+              <a:t>ffffff</a:t>
+            </a:r>
+            <a:r>
+              <a:rPr lang="en" altLang="ko-KR" sz="1200" b="0" kern="1200" dirty="0">
+                <a:solidFill>
+                  <a:schemeClr val="tx1"/>
+                </a:solidFill>
+                <a:effectLst/>
+                <a:latin typeface="+mn-lt"/>
+                <a:ea typeface="+mn-ea"/>
+                <a:cs typeface="+mn-cs"/>
+              </a:rPr>
+              <a:t>;</a:t>
+            </a:r>
+          </a:p>
+          <a:p>
+            <a:r>
+              <a:rPr lang="en" altLang="ko-KR" sz="1200" b="0" kern="1200" dirty="0">
+                <a:solidFill>
+                  <a:schemeClr val="tx1"/>
+                </a:solidFill>
+                <a:effectLst/>
+                <a:latin typeface="+mn-lt"/>
+                <a:ea typeface="+mn-ea"/>
+                <a:cs typeface="+mn-cs"/>
+              </a:rPr>
+              <a:t>padding: 0px;</a:t>
+            </a:r>
+          </a:p>
+          <a:p>
+            <a:r>
+              <a:rPr lang="en" altLang="ko-KR" sz="1200" b="0" kern="1200" dirty="0">
+                <a:solidFill>
+                  <a:schemeClr val="tx1"/>
+                </a:solidFill>
+                <a:effectLst/>
+                <a:latin typeface="+mn-lt"/>
+                <a:ea typeface="+mn-ea"/>
+                <a:cs typeface="+mn-cs"/>
+              </a:rPr>
+              <a:t>margin: 2px 0 0 0;</a:t>
+            </a:r>
+          </a:p>
+          <a:p>
+            <a:r>
+              <a:rPr lang="en" altLang="ko-KR" sz="1200" b="0" kern="1200" dirty="0">
+                <a:solidFill>
+                  <a:schemeClr val="tx1"/>
+                </a:solidFill>
+                <a:effectLst/>
+                <a:latin typeface="+mn-lt"/>
+                <a:ea typeface="+mn-ea"/>
+                <a:cs typeface="+mn-cs"/>
+              </a:rPr>
+              <a:t>}</a:t>
+            </a:r>
+          </a:p>
+          <a:p>
+            <a:br>
+              <a:rPr lang="en" altLang="ko-KR" sz="1200" b="0" kern="1200" dirty="0">
+                <a:solidFill>
+                  <a:schemeClr val="tx1"/>
+                </a:solidFill>
+                <a:effectLst/>
+                <a:latin typeface="+mn-lt"/>
+                <a:ea typeface="+mn-ea"/>
+                <a:cs typeface="+mn-cs"/>
+              </a:rPr>
+            </a:br>
+            <a:r>
+              <a:rPr lang="en" altLang="ko-KR" sz="1200" b="0" kern="1200" dirty="0">
+                <a:solidFill>
+                  <a:schemeClr val="tx1"/>
+                </a:solidFill>
+                <a:effectLst/>
+                <a:latin typeface="+mn-lt"/>
+                <a:ea typeface="+mn-ea"/>
+                <a:cs typeface="+mn-cs"/>
+              </a:rPr>
+              <a:t>.</a:t>
+            </a:r>
+            <a:r>
+              <a:rPr lang="en" altLang="ko-KR" sz="1200" b="0" kern="1200" dirty="0" err="1">
+                <a:solidFill>
+                  <a:schemeClr val="tx1"/>
+                </a:solidFill>
+                <a:effectLst/>
+                <a:latin typeface="+mn-lt"/>
+                <a:ea typeface="+mn-ea"/>
+                <a:cs typeface="+mn-cs"/>
+              </a:rPr>
+              <a:t>notiText</a:t>
+            </a:r>
+            <a:r>
+              <a:rPr lang="en" altLang="ko-KR" sz="1200" b="0" kern="1200" dirty="0">
+                <a:solidFill>
+                  <a:schemeClr val="tx1"/>
+                </a:solidFill>
+                <a:effectLst/>
+                <a:latin typeface="+mn-lt"/>
+                <a:ea typeface="+mn-ea"/>
+                <a:cs typeface="+mn-cs"/>
+              </a:rPr>
+              <a:t> {</a:t>
+            </a:r>
+          </a:p>
+          <a:p>
+            <a:r>
+              <a:rPr lang="en" altLang="ko-KR" sz="1200" b="0" kern="1200" dirty="0">
+                <a:solidFill>
+                  <a:schemeClr val="tx1"/>
+                </a:solidFill>
+                <a:effectLst/>
+                <a:latin typeface="+mn-lt"/>
+                <a:ea typeface="+mn-ea"/>
+                <a:cs typeface="+mn-cs"/>
+              </a:rPr>
+              <a:t>color: #</a:t>
+            </a:r>
+            <a:r>
+              <a:rPr lang="en" altLang="ko-KR" sz="1200" b="0" kern="1200" dirty="0" err="1">
+                <a:solidFill>
+                  <a:schemeClr val="tx1"/>
+                </a:solidFill>
+                <a:effectLst/>
+                <a:latin typeface="+mn-lt"/>
+                <a:ea typeface="+mn-ea"/>
+                <a:cs typeface="+mn-cs"/>
+              </a:rPr>
+              <a:t>ffffff</a:t>
+            </a:r>
+            <a:r>
+              <a:rPr lang="en" altLang="ko-KR" sz="1200" b="0" kern="1200" dirty="0">
+                <a:solidFill>
+                  <a:schemeClr val="tx1"/>
+                </a:solidFill>
+                <a:effectLst/>
+                <a:latin typeface="+mn-lt"/>
+                <a:ea typeface="+mn-ea"/>
+                <a:cs typeface="+mn-cs"/>
+              </a:rPr>
+              <a:t>;</a:t>
+            </a:r>
+          </a:p>
+          <a:p>
+            <a:r>
+              <a:rPr lang="en" altLang="ko-KR" sz="1200" b="0" kern="1200" dirty="0">
+                <a:solidFill>
+                  <a:schemeClr val="tx1"/>
+                </a:solidFill>
+                <a:effectLst/>
+                <a:latin typeface="+mn-lt"/>
+                <a:ea typeface="+mn-ea"/>
+                <a:cs typeface="+mn-cs"/>
+              </a:rPr>
+              <a:t>padding: 0px;</a:t>
+            </a:r>
+          </a:p>
+          <a:p>
+            <a:r>
+              <a:rPr lang="en" altLang="ko-KR" sz="1200" b="0" kern="1200" dirty="0">
+                <a:solidFill>
+                  <a:schemeClr val="tx1"/>
+                </a:solidFill>
+                <a:effectLst/>
+                <a:latin typeface="+mn-lt"/>
+                <a:ea typeface="+mn-ea"/>
+                <a:cs typeface="+mn-cs"/>
+              </a:rPr>
+              <a:t>margin: 10px 0 0 0;</a:t>
+            </a:r>
+          </a:p>
+          <a:p>
+            <a:r>
+              <a:rPr lang="en" altLang="ko-KR" sz="1200" b="0" kern="1200" dirty="0">
+                <a:solidFill>
+                  <a:schemeClr val="tx1"/>
+                </a:solidFill>
+                <a:effectLst/>
+                <a:latin typeface="+mn-lt"/>
+                <a:ea typeface="+mn-ea"/>
+                <a:cs typeface="+mn-cs"/>
+              </a:rPr>
+              <a:t>font-size: small;</a:t>
+            </a:r>
+          </a:p>
+          <a:p>
+            <a:r>
+              <a:rPr lang="en" altLang="ko-KR" sz="1200" b="0" kern="1200" dirty="0">
+                <a:solidFill>
+                  <a:schemeClr val="tx1"/>
+                </a:solidFill>
+                <a:effectLst/>
+                <a:latin typeface="+mn-lt"/>
+                <a:ea typeface="+mn-ea"/>
+                <a:cs typeface="+mn-cs"/>
+              </a:rPr>
+              <a:t>}</a:t>
+            </a:r>
+          </a:p>
+          <a:p>
+            <a:br>
+              <a:rPr lang="en" altLang="ko-KR" sz="1200" b="0" kern="1200" dirty="0">
+                <a:solidFill>
+                  <a:schemeClr val="tx1"/>
+                </a:solidFill>
+                <a:effectLst/>
+                <a:latin typeface="+mn-lt"/>
+                <a:ea typeface="+mn-ea"/>
+                <a:cs typeface="+mn-cs"/>
+              </a:rPr>
+            </a:br>
+            <a:r>
+              <a:rPr lang="en" altLang="ko-KR" sz="1200" b="0" kern="1200" dirty="0">
+                <a:solidFill>
+                  <a:schemeClr val="tx1"/>
+                </a:solidFill>
+                <a:effectLst/>
+                <a:latin typeface="+mn-lt"/>
+                <a:ea typeface="+mn-ea"/>
+                <a:cs typeface="+mn-cs"/>
+              </a:rPr>
+              <a:t>.</a:t>
+            </a:r>
+            <a:r>
+              <a:rPr lang="en" altLang="ko-KR" sz="1200" b="0" kern="1200" dirty="0" err="1">
+                <a:solidFill>
+                  <a:schemeClr val="tx1"/>
+                </a:solidFill>
+                <a:effectLst/>
+                <a:latin typeface="+mn-lt"/>
+                <a:ea typeface="+mn-ea"/>
+                <a:cs typeface="+mn-cs"/>
+              </a:rPr>
+              <a:t>ipWrap</a:t>
+            </a:r>
+            <a:r>
+              <a:rPr lang="en" altLang="ko-KR" sz="1200" b="0" kern="1200" dirty="0">
+                <a:solidFill>
+                  <a:schemeClr val="tx1"/>
+                </a:solidFill>
+                <a:effectLst/>
+                <a:latin typeface="+mn-lt"/>
+                <a:ea typeface="+mn-ea"/>
+                <a:cs typeface="+mn-cs"/>
+              </a:rPr>
+              <a:t>{</a:t>
+            </a:r>
+          </a:p>
+          <a:p>
+            <a:r>
+              <a:rPr lang="en" altLang="ko-KR" sz="1200" b="0" kern="1200" dirty="0">
+                <a:solidFill>
+                  <a:schemeClr val="tx1"/>
+                </a:solidFill>
+                <a:effectLst/>
+                <a:latin typeface="+mn-lt"/>
+                <a:ea typeface="+mn-ea"/>
+                <a:cs typeface="+mn-cs"/>
+              </a:rPr>
+              <a:t>position: relative;</a:t>
+            </a:r>
+          </a:p>
+          <a:p>
+            <a:r>
+              <a:rPr lang="en" altLang="ko-KR" sz="1200" b="0" kern="1200" dirty="0">
+                <a:solidFill>
+                  <a:schemeClr val="tx1"/>
+                </a:solidFill>
+                <a:effectLst/>
+                <a:latin typeface="+mn-lt"/>
+                <a:ea typeface="+mn-ea"/>
+                <a:cs typeface="+mn-cs"/>
+              </a:rPr>
+              <a:t>display: flex;</a:t>
+            </a:r>
+          </a:p>
+          <a:p>
+            <a:r>
+              <a:rPr lang="en" altLang="ko-KR" sz="1200" b="0" kern="1200" dirty="0">
+                <a:solidFill>
+                  <a:schemeClr val="tx1"/>
+                </a:solidFill>
+                <a:effectLst/>
+                <a:latin typeface="+mn-lt"/>
+                <a:ea typeface="+mn-ea"/>
+                <a:cs typeface="+mn-cs"/>
+              </a:rPr>
+              <a:t>margin-top: 20px;</a:t>
+            </a:r>
+          </a:p>
+          <a:p>
+            <a:r>
+              <a:rPr lang="en" altLang="ko-KR" sz="1200" b="0" kern="1200" dirty="0">
+                <a:solidFill>
+                  <a:schemeClr val="tx1"/>
+                </a:solidFill>
+                <a:effectLst/>
+                <a:latin typeface="+mn-lt"/>
+                <a:ea typeface="+mn-ea"/>
+                <a:cs typeface="+mn-cs"/>
+              </a:rPr>
+              <a:t>flex-direction: row;</a:t>
+            </a:r>
+          </a:p>
+          <a:p>
+            <a:r>
+              <a:rPr lang="en" altLang="ko-KR" sz="1200" b="0" kern="1200" dirty="0">
+                <a:solidFill>
+                  <a:schemeClr val="tx1"/>
+                </a:solidFill>
+                <a:effectLst/>
+                <a:latin typeface="+mn-lt"/>
+                <a:ea typeface="+mn-ea"/>
+                <a:cs typeface="+mn-cs"/>
+              </a:rPr>
+              <a:t>align-items: center;</a:t>
+            </a:r>
+          </a:p>
+          <a:p>
+            <a:r>
+              <a:rPr lang="en" altLang="ko-KR" sz="1200" b="0" kern="1200" dirty="0">
+                <a:solidFill>
+                  <a:schemeClr val="tx1"/>
+                </a:solidFill>
+                <a:effectLst/>
+                <a:latin typeface="+mn-lt"/>
+                <a:ea typeface="+mn-ea"/>
+                <a:cs typeface="+mn-cs"/>
+              </a:rPr>
+              <a:t>}</a:t>
+            </a:r>
+          </a:p>
+          <a:p>
+            <a:br>
+              <a:rPr lang="en" altLang="ko-KR" sz="1200" b="0" kern="1200" dirty="0">
+                <a:solidFill>
+                  <a:schemeClr val="tx1"/>
+                </a:solidFill>
+                <a:effectLst/>
+                <a:latin typeface="+mn-lt"/>
+                <a:ea typeface="+mn-ea"/>
+                <a:cs typeface="+mn-cs"/>
+              </a:rPr>
+            </a:br>
+            <a:r>
+              <a:rPr lang="en" altLang="ko-KR" sz="1200" b="0" kern="1200" dirty="0">
+                <a:solidFill>
+                  <a:schemeClr val="tx1"/>
+                </a:solidFill>
+                <a:effectLst/>
+                <a:latin typeface="+mn-lt"/>
+                <a:ea typeface="+mn-ea"/>
+                <a:cs typeface="+mn-cs"/>
+              </a:rPr>
+              <a:t>.</a:t>
+            </a:r>
+            <a:r>
+              <a:rPr lang="en" altLang="ko-KR" sz="1200" b="0" kern="1200" dirty="0" err="1">
+                <a:solidFill>
+                  <a:schemeClr val="tx1"/>
+                </a:solidFill>
+                <a:effectLst/>
+                <a:latin typeface="+mn-lt"/>
+                <a:ea typeface="+mn-ea"/>
+                <a:cs typeface="+mn-cs"/>
+              </a:rPr>
+              <a:t>enterText</a:t>
+            </a:r>
+            <a:r>
+              <a:rPr lang="en" altLang="ko-KR" sz="1200" b="0" kern="1200" dirty="0">
+                <a:solidFill>
+                  <a:schemeClr val="tx1"/>
+                </a:solidFill>
+                <a:effectLst/>
+                <a:latin typeface="+mn-lt"/>
+                <a:ea typeface="+mn-ea"/>
+                <a:cs typeface="+mn-cs"/>
+              </a:rPr>
+              <a:t>{</a:t>
+            </a:r>
+          </a:p>
+          <a:p>
+            <a:r>
+              <a:rPr lang="en" altLang="ko-KR" sz="1200" b="0" kern="1200" dirty="0">
+                <a:solidFill>
+                  <a:schemeClr val="tx1"/>
+                </a:solidFill>
+                <a:effectLst/>
+                <a:latin typeface="+mn-lt"/>
+                <a:ea typeface="+mn-ea"/>
+                <a:cs typeface="+mn-cs"/>
+              </a:rPr>
+              <a:t>border-color: </a:t>
+            </a:r>
+            <a:r>
+              <a:rPr lang="en" altLang="ko-KR" sz="1200" b="0" kern="1200" dirty="0" err="1">
+                <a:solidFill>
+                  <a:schemeClr val="tx1"/>
+                </a:solidFill>
+                <a:effectLst/>
+                <a:latin typeface="+mn-lt"/>
+                <a:ea typeface="+mn-ea"/>
+                <a:cs typeface="+mn-cs"/>
+              </a:rPr>
+              <a:t>lightgray</a:t>
+            </a:r>
+            <a:r>
+              <a:rPr lang="en" altLang="ko-KR" sz="1200" b="0" kern="1200" dirty="0">
+                <a:solidFill>
+                  <a:schemeClr val="tx1"/>
+                </a:solidFill>
+                <a:effectLst/>
+                <a:latin typeface="+mn-lt"/>
+                <a:ea typeface="+mn-ea"/>
+                <a:cs typeface="+mn-cs"/>
+              </a:rPr>
+              <a:t>;</a:t>
+            </a:r>
+          </a:p>
+          <a:p>
+            <a:r>
+              <a:rPr lang="en" altLang="ko-KR" sz="1200" b="0" kern="1200" dirty="0">
+                <a:solidFill>
+                  <a:schemeClr val="tx1"/>
+                </a:solidFill>
+                <a:effectLst/>
+                <a:latin typeface="+mn-lt"/>
+                <a:ea typeface="+mn-ea"/>
+                <a:cs typeface="+mn-cs"/>
+              </a:rPr>
+              <a:t>border-width: 1px;</a:t>
+            </a:r>
+          </a:p>
+          <a:p>
+            <a:r>
+              <a:rPr lang="en" altLang="ko-KR" sz="1200" b="0" kern="1200" dirty="0">
+                <a:solidFill>
+                  <a:schemeClr val="tx1"/>
+                </a:solidFill>
+                <a:effectLst/>
+                <a:latin typeface="+mn-lt"/>
+                <a:ea typeface="+mn-ea"/>
+                <a:cs typeface="+mn-cs"/>
+              </a:rPr>
+              <a:t>height: 28px;</a:t>
+            </a:r>
+          </a:p>
+          <a:p>
+            <a:r>
+              <a:rPr lang="en" altLang="ko-KR" sz="1200" b="0" kern="1200" dirty="0">
+                <a:solidFill>
+                  <a:schemeClr val="tx1"/>
+                </a:solidFill>
+                <a:effectLst/>
+                <a:latin typeface="+mn-lt"/>
+                <a:ea typeface="+mn-ea"/>
+                <a:cs typeface="+mn-cs"/>
+              </a:rPr>
+              <a:t>}</a:t>
+            </a:r>
+          </a:p>
+          <a:p>
+            <a:br>
+              <a:rPr lang="en" altLang="ko-KR" sz="1200" b="0" kern="1200" dirty="0">
+                <a:solidFill>
+                  <a:schemeClr val="tx1"/>
+                </a:solidFill>
+                <a:effectLst/>
+                <a:latin typeface="+mn-lt"/>
+                <a:ea typeface="+mn-ea"/>
+                <a:cs typeface="+mn-cs"/>
+              </a:rPr>
+            </a:br>
+            <a:r>
+              <a:rPr lang="en" altLang="ko-KR" sz="1200" b="0" kern="1200" dirty="0">
+                <a:solidFill>
+                  <a:schemeClr val="tx1"/>
+                </a:solidFill>
+                <a:effectLst/>
+                <a:latin typeface="+mn-lt"/>
+                <a:ea typeface="+mn-ea"/>
+                <a:cs typeface="+mn-cs"/>
+              </a:rPr>
+              <a:t>.</a:t>
+            </a:r>
+            <a:r>
+              <a:rPr lang="en" altLang="ko-KR" sz="1200" b="0" kern="1200" dirty="0" err="1">
+                <a:solidFill>
+                  <a:schemeClr val="tx1"/>
+                </a:solidFill>
+                <a:effectLst/>
+                <a:latin typeface="+mn-lt"/>
+                <a:ea typeface="+mn-ea"/>
+                <a:cs typeface="+mn-cs"/>
+              </a:rPr>
+              <a:t>enterBtn</a:t>
+            </a:r>
+            <a:r>
+              <a:rPr lang="en" altLang="ko-KR" sz="1200" b="0" kern="1200" dirty="0">
+                <a:solidFill>
+                  <a:schemeClr val="tx1"/>
+                </a:solidFill>
+                <a:effectLst/>
+                <a:latin typeface="+mn-lt"/>
+                <a:ea typeface="+mn-ea"/>
+                <a:cs typeface="+mn-cs"/>
+              </a:rPr>
+              <a:t>{</a:t>
+            </a:r>
+          </a:p>
+          <a:p>
+            <a:r>
+              <a:rPr lang="en" altLang="ko-KR" sz="1200" b="0" kern="1200" dirty="0">
+                <a:solidFill>
+                  <a:schemeClr val="tx1"/>
+                </a:solidFill>
+                <a:effectLst/>
+                <a:latin typeface="+mn-lt"/>
+                <a:ea typeface="+mn-ea"/>
+                <a:cs typeface="+mn-cs"/>
+              </a:rPr>
+              <a:t>background-color: #7870ff;</a:t>
+            </a:r>
+          </a:p>
+          <a:p>
+            <a:r>
+              <a:rPr lang="en" altLang="ko-KR" sz="1200" b="0" kern="1200" dirty="0">
+                <a:solidFill>
+                  <a:schemeClr val="tx1"/>
+                </a:solidFill>
+                <a:effectLst/>
+                <a:latin typeface="+mn-lt"/>
+                <a:ea typeface="+mn-ea"/>
+                <a:cs typeface="+mn-cs"/>
+              </a:rPr>
+              <a:t>color: #</a:t>
+            </a:r>
+            <a:r>
+              <a:rPr lang="en" altLang="ko-KR" sz="1200" b="0" kern="1200" dirty="0" err="1">
+                <a:solidFill>
+                  <a:schemeClr val="tx1"/>
+                </a:solidFill>
+                <a:effectLst/>
+                <a:latin typeface="+mn-lt"/>
+                <a:ea typeface="+mn-ea"/>
+                <a:cs typeface="+mn-cs"/>
+              </a:rPr>
+              <a:t>ffffff</a:t>
+            </a:r>
+            <a:r>
+              <a:rPr lang="en" altLang="ko-KR" sz="1200" b="0" kern="1200" dirty="0">
+                <a:solidFill>
+                  <a:schemeClr val="tx1"/>
+                </a:solidFill>
+                <a:effectLst/>
+                <a:latin typeface="+mn-lt"/>
+                <a:ea typeface="+mn-ea"/>
+                <a:cs typeface="+mn-cs"/>
+              </a:rPr>
+              <a:t>;</a:t>
+            </a:r>
+          </a:p>
+          <a:p>
+            <a:r>
+              <a:rPr lang="en" altLang="ko-KR" sz="1200" b="0" kern="1200" dirty="0">
+                <a:solidFill>
+                  <a:schemeClr val="tx1"/>
+                </a:solidFill>
+                <a:effectLst/>
+                <a:latin typeface="+mn-lt"/>
+                <a:ea typeface="+mn-ea"/>
+                <a:cs typeface="+mn-cs"/>
+              </a:rPr>
+              <a:t>border-width: 0px;</a:t>
+            </a:r>
+          </a:p>
+          <a:p>
+            <a:r>
+              <a:rPr lang="en" altLang="ko-KR" sz="1200" b="0" kern="1200" dirty="0">
+                <a:solidFill>
+                  <a:schemeClr val="tx1"/>
+                </a:solidFill>
+                <a:effectLst/>
+                <a:latin typeface="+mn-lt"/>
+                <a:ea typeface="+mn-ea"/>
+                <a:cs typeface="+mn-cs"/>
+              </a:rPr>
+              <a:t>height: 32px;</a:t>
+            </a:r>
+          </a:p>
+          <a:p>
+            <a:r>
+              <a:rPr lang="en" altLang="ko-KR" sz="1200" b="0" kern="1200" dirty="0">
+                <a:solidFill>
+                  <a:schemeClr val="tx1"/>
+                </a:solidFill>
+                <a:effectLst/>
+                <a:latin typeface="+mn-lt"/>
+                <a:ea typeface="+mn-ea"/>
+                <a:cs typeface="+mn-cs"/>
+              </a:rPr>
+              <a:t>}</a:t>
+            </a:r>
+          </a:p>
+          <a:p>
+            <a:br>
+              <a:rPr lang="en" altLang="ko-KR" sz="1200" b="0" kern="1200" dirty="0">
+                <a:solidFill>
+                  <a:schemeClr val="tx1"/>
+                </a:solidFill>
+                <a:effectLst/>
+                <a:latin typeface="+mn-lt"/>
+                <a:ea typeface="+mn-ea"/>
+                <a:cs typeface="+mn-cs"/>
+              </a:rPr>
+            </a:br>
+            <a:r>
+              <a:rPr lang="en" altLang="ko-KR" sz="1200" b="0" kern="1200" dirty="0">
+                <a:solidFill>
+                  <a:schemeClr val="tx1"/>
+                </a:solidFill>
+                <a:effectLst/>
+                <a:latin typeface="+mn-lt"/>
+                <a:ea typeface="+mn-ea"/>
+                <a:cs typeface="+mn-cs"/>
+              </a:rPr>
+              <a:t>.</a:t>
+            </a:r>
+            <a:r>
+              <a:rPr lang="en" altLang="ko-KR" sz="1200" b="0" kern="1200" dirty="0" err="1">
+                <a:solidFill>
+                  <a:schemeClr val="tx1"/>
+                </a:solidFill>
+                <a:effectLst/>
+                <a:latin typeface="+mn-lt"/>
+                <a:ea typeface="+mn-ea"/>
+                <a:cs typeface="+mn-cs"/>
+              </a:rPr>
+              <a:t>itemText</a:t>
+            </a:r>
+            <a:r>
+              <a:rPr lang="en" altLang="ko-KR" sz="1200" b="0" kern="1200" dirty="0">
+                <a:solidFill>
+                  <a:schemeClr val="tx1"/>
+                </a:solidFill>
+                <a:effectLst/>
+                <a:latin typeface="+mn-lt"/>
+                <a:ea typeface="+mn-ea"/>
+                <a:cs typeface="+mn-cs"/>
+              </a:rPr>
+              <a:t>{</a:t>
+            </a:r>
+          </a:p>
+          <a:p>
+            <a:r>
+              <a:rPr lang="en" altLang="ko-KR" sz="1200" b="0" kern="1200" dirty="0">
+                <a:solidFill>
+                  <a:schemeClr val="tx1"/>
+                </a:solidFill>
+                <a:effectLst/>
+                <a:latin typeface="+mn-lt"/>
+                <a:ea typeface="+mn-ea"/>
+                <a:cs typeface="+mn-cs"/>
+              </a:rPr>
+              <a:t>display: flex;</a:t>
+            </a:r>
+          </a:p>
+          <a:p>
+            <a:r>
+              <a:rPr lang="en" altLang="ko-KR" sz="1200" b="0" kern="1200" dirty="0">
+                <a:solidFill>
+                  <a:schemeClr val="tx1"/>
+                </a:solidFill>
+                <a:effectLst/>
+                <a:latin typeface="+mn-lt"/>
+                <a:ea typeface="+mn-ea"/>
+                <a:cs typeface="+mn-cs"/>
+              </a:rPr>
+              <a:t>position: relative;</a:t>
+            </a:r>
+          </a:p>
+          <a:p>
+            <a:r>
+              <a:rPr lang="en" altLang="ko-KR" sz="1200" b="0" kern="1200" dirty="0">
+                <a:solidFill>
+                  <a:schemeClr val="tx1"/>
+                </a:solidFill>
+                <a:effectLst/>
+                <a:latin typeface="+mn-lt"/>
+                <a:ea typeface="+mn-ea"/>
+                <a:cs typeface="+mn-cs"/>
+              </a:rPr>
+              <a:t>flex: 1;</a:t>
+            </a:r>
+          </a:p>
+          <a:p>
+            <a:r>
+              <a:rPr lang="en" altLang="ko-KR" sz="1200" b="0" kern="1200" dirty="0">
+                <a:solidFill>
+                  <a:schemeClr val="tx1"/>
+                </a:solidFill>
+                <a:effectLst/>
+                <a:latin typeface="+mn-lt"/>
+                <a:ea typeface="+mn-ea"/>
+                <a:cs typeface="+mn-cs"/>
+              </a:rPr>
+              <a:t>padding-left: 10px;</a:t>
+            </a:r>
+          </a:p>
+          <a:p>
+            <a:r>
+              <a:rPr lang="en" altLang="ko-KR" sz="1200" b="0" kern="1200" dirty="0">
+                <a:solidFill>
+                  <a:schemeClr val="tx1"/>
+                </a:solidFill>
+                <a:effectLst/>
+                <a:latin typeface="+mn-lt"/>
+                <a:ea typeface="+mn-ea"/>
+                <a:cs typeface="+mn-cs"/>
+              </a:rPr>
+              <a:t>}</a:t>
+            </a:r>
+          </a:p>
+          <a:p>
+            <a:br>
+              <a:rPr lang="en" altLang="ko-KR" sz="1200" b="0" kern="1200" dirty="0">
+                <a:solidFill>
+                  <a:schemeClr val="tx1"/>
+                </a:solidFill>
+                <a:effectLst/>
+                <a:latin typeface="+mn-lt"/>
+                <a:ea typeface="+mn-ea"/>
+                <a:cs typeface="+mn-cs"/>
+              </a:rPr>
+            </a:br>
+            <a:r>
+              <a:rPr lang="en" altLang="ko-KR" sz="1200" b="0" kern="1200" dirty="0">
+                <a:solidFill>
+                  <a:schemeClr val="tx1"/>
+                </a:solidFill>
+                <a:effectLst/>
+                <a:latin typeface="+mn-lt"/>
+                <a:ea typeface="+mn-ea"/>
+                <a:cs typeface="+mn-cs"/>
+              </a:rPr>
+              <a:t>.</a:t>
+            </a:r>
+            <a:r>
+              <a:rPr lang="en" altLang="ko-KR" sz="1200" b="0" kern="1200" dirty="0" err="1">
+                <a:solidFill>
+                  <a:schemeClr val="tx1"/>
+                </a:solidFill>
+                <a:effectLst/>
+                <a:latin typeface="+mn-lt"/>
+                <a:ea typeface="+mn-ea"/>
+                <a:cs typeface="+mn-cs"/>
+              </a:rPr>
+              <a:t>itemList</a:t>
+            </a:r>
+            <a:r>
+              <a:rPr lang="en" altLang="ko-KR" sz="1200" b="0" kern="1200" dirty="0">
+                <a:solidFill>
+                  <a:schemeClr val="tx1"/>
+                </a:solidFill>
+                <a:effectLst/>
+                <a:latin typeface="+mn-lt"/>
+                <a:ea typeface="+mn-ea"/>
+                <a:cs typeface="+mn-cs"/>
+              </a:rPr>
+              <a:t>{</a:t>
+            </a:r>
+          </a:p>
+          <a:p>
+            <a:r>
+              <a:rPr lang="en" altLang="ko-KR" sz="1200" b="0" kern="1200" dirty="0">
+                <a:solidFill>
+                  <a:schemeClr val="tx1"/>
+                </a:solidFill>
+                <a:effectLst/>
+                <a:latin typeface="+mn-lt"/>
+                <a:ea typeface="+mn-ea"/>
+                <a:cs typeface="+mn-cs"/>
+              </a:rPr>
+              <a:t>margin-top: 15px;</a:t>
+            </a:r>
+          </a:p>
+          <a:p>
+            <a:r>
+              <a:rPr lang="en" altLang="ko-KR" sz="1200" b="0" kern="1200" dirty="0">
+                <a:solidFill>
+                  <a:schemeClr val="tx1"/>
+                </a:solidFill>
+                <a:effectLst/>
+                <a:latin typeface="+mn-lt"/>
+                <a:ea typeface="+mn-ea"/>
+                <a:cs typeface="+mn-cs"/>
+              </a:rPr>
+              <a:t>}</a:t>
+            </a:r>
+          </a:p>
+          <a:p>
+            <a:br>
+              <a:rPr lang="en" altLang="ko-KR" sz="1200" b="0" kern="1200" dirty="0">
+                <a:solidFill>
+                  <a:schemeClr val="tx1"/>
+                </a:solidFill>
+                <a:effectLst/>
+                <a:latin typeface="+mn-lt"/>
+                <a:ea typeface="+mn-ea"/>
+                <a:cs typeface="+mn-cs"/>
+              </a:rPr>
+            </a:br>
+            <a:r>
+              <a:rPr lang="en" altLang="ko-KR" sz="1200" b="0" kern="1200" dirty="0">
+                <a:solidFill>
+                  <a:schemeClr val="tx1"/>
+                </a:solidFill>
+                <a:effectLst/>
+                <a:latin typeface="+mn-lt"/>
+                <a:ea typeface="+mn-ea"/>
+                <a:cs typeface="+mn-cs"/>
+              </a:rPr>
+              <a:t>.</a:t>
+            </a:r>
+            <a:r>
+              <a:rPr lang="en" altLang="ko-KR" sz="1200" b="0" kern="1200" dirty="0" err="1">
+                <a:solidFill>
+                  <a:schemeClr val="tx1"/>
+                </a:solidFill>
+                <a:effectLst/>
+                <a:latin typeface="+mn-lt"/>
+                <a:ea typeface="+mn-ea"/>
+                <a:cs typeface="+mn-cs"/>
+              </a:rPr>
+              <a:t>itemWrap</a:t>
+            </a:r>
+            <a:r>
+              <a:rPr lang="en" altLang="ko-KR" sz="1200" b="0" kern="1200" dirty="0">
+                <a:solidFill>
+                  <a:schemeClr val="tx1"/>
+                </a:solidFill>
+                <a:effectLst/>
+                <a:latin typeface="+mn-lt"/>
+                <a:ea typeface="+mn-ea"/>
+                <a:cs typeface="+mn-cs"/>
+              </a:rPr>
+              <a:t>{</a:t>
+            </a:r>
+          </a:p>
+          <a:p>
+            <a:r>
+              <a:rPr lang="en" altLang="ko-KR" sz="1200" b="0" kern="1200" dirty="0">
+                <a:solidFill>
+                  <a:schemeClr val="tx1"/>
+                </a:solidFill>
+                <a:effectLst/>
+                <a:latin typeface="+mn-lt"/>
+                <a:ea typeface="+mn-ea"/>
+                <a:cs typeface="+mn-cs"/>
+              </a:rPr>
+              <a:t>display: flex;</a:t>
+            </a:r>
+          </a:p>
+          <a:p>
+            <a:r>
+              <a:rPr lang="en" altLang="ko-KR" sz="1200" b="0" kern="1200" dirty="0">
+                <a:solidFill>
+                  <a:schemeClr val="tx1"/>
+                </a:solidFill>
+                <a:effectLst/>
+                <a:latin typeface="+mn-lt"/>
+                <a:ea typeface="+mn-ea"/>
+                <a:cs typeface="+mn-cs"/>
+              </a:rPr>
+              <a:t>position: relative;</a:t>
+            </a:r>
+          </a:p>
+          <a:p>
+            <a:r>
+              <a:rPr lang="en" altLang="ko-KR" sz="1200" b="0" kern="1200" dirty="0">
+                <a:solidFill>
+                  <a:schemeClr val="tx1"/>
+                </a:solidFill>
+                <a:effectLst/>
+                <a:latin typeface="+mn-lt"/>
+                <a:ea typeface="+mn-ea"/>
+                <a:cs typeface="+mn-cs"/>
+              </a:rPr>
+              <a:t>flex-direction: row;</a:t>
+            </a:r>
+          </a:p>
+          <a:p>
+            <a:r>
+              <a:rPr lang="en" altLang="ko-KR" sz="1200" b="0" kern="1200" dirty="0">
+                <a:solidFill>
+                  <a:schemeClr val="tx1"/>
+                </a:solidFill>
+                <a:effectLst/>
+                <a:latin typeface="+mn-lt"/>
+                <a:ea typeface="+mn-ea"/>
+                <a:cs typeface="+mn-cs"/>
+              </a:rPr>
+              <a:t>align-items: center;</a:t>
+            </a:r>
+          </a:p>
+          <a:p>
+            <a:r>
+              <a:rPr lang="en" altLang="ko-KR" sz="1200" b="0" kern="1200" dirty="0">
+                <a:solidFill>
+                  <a:schemeClr val="tx1"/>
+                </a:solidFill>
+                <a:effectLst/>
+                <a:latin typeface="+mn-lt"/>
+                <a:ea typeface="+mn-ea"/>
+                <a:cs typeface="+mn-cs"/>
+              </a:rPr>
+              <a:t>border-radius: 5px;</a:t>
+            </a:r>
+          </a:p>
+          <a:p>
+            <a:r>
+              <a:rPr lang="en" altLang="ko-KR" sz="1200" b="0" kern="1200" dirty="0">
+                <a:solidFill>
+                  <a:schemeClr val="tx1"/>
+                </a:solidFill>
+                <a:effectLst/>
+                <a:latin typeface="+mn-lt"/>
+                <a:ea typeface="+mn-ea"/>
+                <a:cs typeface="+mn-cs"/>
+              </a:rPr>
+              <a:t>width: 320px;</a:t>
+            </a:r>
+          </a:p>
+          <a:p>
+            <a:r>
+              <a:rPr lang="en" altLang="ko-KR" sz="1200" b="0" kern="1200" dirty="0">
+                <a:solidFill>
+                  <a:schemeClr val="tx1"/>
+                </a:solidFill>
+                <a:effectLst/>
+                <a:latin typeface="+mn-lt"/>
+                <a:ea typeface="+mn-ea"/>
+                <a:cs typeface="+mn-cs"/>
+              </a:rPr>
+              <a:t>height: 50px;</a:t>
+            </a:r>
+          </a:p>
+          <a:p>
+            <a:r>
+              <a:rPr lang="en" altLang="ko-KR" sz="1200" b="0" kern="1200" dirty="0">
+                <a:solidFill>
+                  <a:schemeClr val="tx1"/>
+                </a:solidFill>
+                <a:effectLst/>
+                <a:latin typeface="+mn-lt"/>
+                <a:ea typeface="+mn-ea"/>
+                <a:cs typeface="+mn-cs"/>
+              </a:rPr>
+              <a:t>background-color: #</a:t>
+            </a:r>
+            <a:r>
+              <a:rPr lang="en" altLang="ko-KR" sz="1200" b="0" kern="1200" dirty="0" err="1">
+                <a:solidFill>
+                  <a:schemeClr val="tx1"/>
+                </a:solidFill>
+                <a:effectLst/>
+                <a:latin typeface="+mn-lt"/>
+                <a:ea typeface="+mn-ea"/>
+                <a:cs typeface="+mn-cs"/>
+              </a:rPr>
+              <a:t>ffffff</a:t>
+            </a:r>
+            <a:r>
+              <a:rPr lang="en" altLang="ko-KR" sz="1200" b="0" kern="1200" dirty="0">
+                <a:solidFill>
+                  <a:schemeClr val="tx1"/>
+                </a:solidFill>
+                <a:effectLst/>
+                <a:latin typeface="+mn-lt"/>
+                <a:ea typeface="+mn-ea"/>
+                <a:cs typeface="+mn-cs"/>
+              </a:rPr>
+              <a:t>;</a:t>
+            </a:r>
+          </a:p>
+          <a:p>
+            <a:r>
+              <a:rPr lang="en" altLang="ko-KR" sz="1200" b="0" kern="1200" dirty="0">
+                <a:solidFill>
+                  <a:schemeClr val="tx1"/>
+                </a:solidFill>
+                <a:effectLst/>
+                <a:latin typeface="+mn-lt"/>
+                <a:ea typeface="+mn-ea"/>
+                <a:cs typeface="+mn-cs"/>
+              </a:rPr>
+              <a:t>padding:0 10px 0 10px;</a:t>
+            </a:r>
+          </a:p>
+          <a:p>
+            <a:r>
+              <a:rPr lang="en" altLang="ko-KR" sz="1200" b="0" kern="1200" dirty="0">
+                <a:solidFill>
+                  <a:schemeClr val="tx1"/>
+                </a:solidFill>
+                <a:effectLst/>
+                <a:latin typeface="+mn-lt"/>
+                <a:ea typeface="+mn-ea"/>
+                <a:cs typeface="+mn-cs"/>
+              </a:rPr>
+              <a:t>margin-top: 15px;</a:t>
+            </a:r>
+          </a:p>
+          <a:p>
+            <a:r>
+              <a:rPr lang="en" altLang="ko-KR" sz="1200" b="0" kern="1200" dirty="0">
+                <a:solidFill>
+                  <a:schemeClr val="tx1"/>
+                </a:solidFill>
+                <a:effectLst/>
+                <a:latin typeface="+mn-lt"/>
+                <a:ea typeface="+mn-ea"/>
+                <a:cs typeface="+mn-cs"/>
+              </a:rPr>
+              <a:t>}</a:t>
+            </a:r>
+          </a:p>
+          <a:p>
+            <a:br>
+              <a:rPr lang="en" altLang="ko-KR" sz="1200" b="0" kern="1200" dirty="0">
+                <a:solidFill>
+                  <a:schemeClr val="tx1"/>
+                </a:solidFill>
+                <a:effectLst/>
+                <a:latin typeface="+mn-lt"/>
+                <a:ea typeface="+mn-ea"/>
+                <a:cs typeface="+mn-cs"/>
+              </a:rPr>
+            </a:br>
+            <a:r>
+              <a:rPr lang="en" altLang="ko-KR" sz="1200" b="0" kern="1200" dirty="0">
+                <a:solidFill>
+                  <a:schemeClr val="tx1"/>
+                </a:solidFill>
+                <a:effectLst/>
+                <a:latin typeface="+mn-lt"/>
+                <a:ea typeface="+mn-ea"/>
+                <a:cs typeface="+mn-cs"/>
+              </a:rPr>
+              <a:t>.</a:t>
+            </a:r>
+            <a:r>
+              <a:rPr lang="en" altLang="ko-KR" sz="1200" b="0" kern="1200" dirty="0" err="1">
+                <a:solidFill>
+                  <a:schemeClr val="tx1"/>
+                </a:solidFill>
+                <a:effectLst/>
+                <a:latin typeface="+mn-lt"/>
+                <a:ea typeface="+mn-ea"/>
+                <a:cs typeface="+mn-cs"/>
+              </a:rPr>
+              <a:t>checkBtn</a:t>
+            </a:r>
+            <a:r>
+              <a:rPr lang="en" altLang="ko-KR" sz="1200" b="0" kern="1200" dirty="0">
+                <a:solidFill>
+                  <a:schemeClr val="tx1"/>
+                </a:solidFill>
+                <a:effectLst/>
+                <a:latin typeface="+mn-lt"/>
+                <a:ea typeface="+mn-ea"/>
+                <a:cs typeface="+mn-cs"/>
+              </a:rPr>
+              <a:t>{</a:t>
+            </a:r>
+          </a:p>
+          <a:p>
+            <a:r>
+              <a:rPr lang="en" altLang="ko-KR" sz="1200" b="0" kern="1200" dirty="0">
+                <a:solidFill>
+                  <a:schemeClr val="tx1"/>
+                </a:solidFill>
+                <a:effectLst/>
+                <a:latin typeface="+mn-lt"/>
+                <a:ea typeface="+mn-ea"/>
+                <a:cs typeface="+mn-cs"/>
+              </a:rPr>
+              <a:t>cursor: pointer;</a:t>
+            </a:r>
+          </a:p>
+          <a:p>
+            <a:r>
+              <a:rPr lang="en" altLang="ko-KR" sz="1200" b="0" kern="1200" dirty="0">
+                <a:solidFill>
+                  <a:schemeClr val="tx1"/>
+                </a:solidFill>
+                <a:effectLst/>
+                <a:latin typeface="+mn-lt"/>
+                <a:ea typeface="+mn-ea"/>
+                <a:cs typeface="+mn-cs"/>
+              </a:rPr>
+              <a:t>color: </a:t>
+            </a:r>
+            <a:r>
+              <a:rPr lang="en" altLang="ko-KR" sz="1200" b="0" kern="1200" dirty="0" err="1">
+                <a:solidFill>
+                  <a:schemeClr val="tx1"/>
+                </a:solidFill>
+                <a:effectLst/>
+                <a:latin typeface="+mn-lt"/>
+                <a:ea typeface="+mn-ea"/>
+                <a:cs typeface="+mn-cs"/>
+              </a:rPr>
+              <a:t>lightgray</a:t>
+            </a:r>
+            <a:r>
+              <a:rPr lang="en" altLang="ko-KR" sz="1200" b="0" kern="1200" dirty="0">
+                <a:solidFill>
+                  <a:schemeClr val="tx1"/>
+                </a:solidFill>
+                <a:effectLst/>
+                <a:latin typeface="+mn-lt"/>
+                <a:ea typeface="+mn-ea"/>
+                <a:cs typeface="+mn-cs"/>
+              </a:rPr>
+              <a:t>; </a:t>
+            </a:r>
+          </a:p>
+          <a:p>
+            <a:r>
+              <a:rPr lang="en" altLang="ko-KR" sz="1200" b="0" kern="1200" dirty="0">
+                <a:solidFill>
+                  <a:schemeClr val="tx1"/>
+                </a:solidFill>
+                <a:effectLst/>
+                <a:latin typeface="+mn-lt"/>
+                <a:ea typeface="+mn-ea"/>
+                <a:cs typeface="+mn-cs"/>
+              </a:rPr>
+              <a:t>}</a:t>
+            </a:r>
+          </a:p>
+          <a:p>
+            <a:br>
+              <a:rPr lang="en" altLang="ko-KR" sz="1200" b="0" kern="1200" dirty="0">
+                <a:solidFill>
+                  <a:schemeClr val="tx1"/>
+                </a:solidFill>
+                <a:effectLst/>
+                <a:latin typeface="+mn-lt"/>
+                <a:ea typeface="+mn-ea"/>
+                <a:cs typeface="+mn-cs"/>
+              </a:rPr>
+            </a:br>
+            <a:r>
+              <a:rPr lang="en" altLang="ko-KR" sz="1200" b="0" kern="1200" dirty="0">
+                <a:solidFill>
+                  <a:schemeClr val="tx1"/>
+                </a:solidFill>
+                <a:effectLst/>
+                <a:latin typeface="+mn-lt"/>
+                <a:ea typeface="+mn-ea"/>
+                <a:cs typeface="+mn-cs"/>
+              </a:rPr>
+              <a:t>.</a:t>
+            </a:r>
+            <a:r>
+              <a:rPr lang="en" altLang="ko-KR" sz="1200" b="0" kern="1200" dirty="0" err="1">
+                <a:solidFill>
+                  <a:schemeClr val="tx1"/>
+                </a:solidFill>
+                <a:effectLst/>
+                <a:latin typeface="+mn-lt"/>
+                <a:ea typeface="+mn-ea"/>
+                <a:cs typeface="+mn-cs"/>
+              </a:rPr>
+              <a:t>checkBtn:hover</a:t>
+            </a:r>
+            <a:r>
+              <a:rPr lang="en" altLang="ko-KR" sz="1200" b="0" kern="1200" dirty="0">
+                <a:solidFill>
+                  <a:schemeClr val="tx1"/>
+                </a:solidFill>
+                <a:effectLst/>
+                <a:latin typeface="+mn-lt"/>
+                <a:ea typeface="+mn-ea"/>
+                <a:cs typeface="+mn-cs"/>
+              </a:rPr>
+              <a:t>{</a:t>
+            </a:r>
+          </a:p>
+          <a:p>
+            <a:r>
+              <a:rPr lang="en" altLang="ko-KR" sz="1200" b="0" kern="1200" dirty="0">
+                <a:solidFill>
+                  <a:schemeClr val="tx1"/>
+                </a:solidFill>
+                <a:effectLst/>
+                <a:latin typeface="+mn-lt"/>
+                <a:ea typeface="+mn-ea"/>
+                <a:cs typeface="+mn-cs"/>
+              </a:rPr>
+              <a:t>color: green;</a:t>
+            </a:r>
+          </a:p>
+          <a:p>
+            <a:r>
+              <a:rPr lang="en" altLang="ko-KR" sz="1200" b="0" kern="1200" dirty="0">
+                <a:solidFill>
+                  <a:schemeClr val="tx1"/>
+                </a:solidFill>
+                <a:effectLst/>
+                <a:latin typeface="+mn-lt"/>
+                <a:ea typeface="+mn-ea"/>
+                <a:cs typeface="+mn-cs"/>
+              </a:rPr>
+              <a:t>}</a:t>
+            </a:r>
+          </a:p>
+          <a:p>
+            <a:br>
+              <a:rPr lang="en" altLang="ko-KR" sz="1200" b="0" kern="1200" dirty="0">
+                <a:solidFill>
+                  <a:schemeClr val="tx1"/>
+                </a:solidFill>
+                <a:effectLst/>
+                <a:latin typeface="+mn-lt"/>
+                <a:ea typeface="+mn-ea"/>
+                <a:cs typeface="+mn-cs"/>
+              </a:rPr>
+            </a:br>
+            <a:r>
+              <a:rPr lang="en" altLang="ko-KR" sz="1200" b="0" kern="1200" dirty="0">
+                <a:solidFill>
+                  <a:schemeClr val="tx1"/>
+                </a:solidFill>
+                <a:effectLst/>
+                <a:latin typeface="+mn-lt"/>
+                <a:ea typeface="+mn-ea"/>
+                <a:cs typeface="+mn-cs"/>
+              </a:rPr>
+              <a:t>.</a:t>
+            </a:r>
+            <a:r>
+              <a:rPr lang="en" altLang="ko-KR" sz="1200" b="0" kern="1200" dirty="0" err="1">
+                <a:solidFill>
+                  <a:schemeClr val="tx1"/>
+                </a:solidFill>
+                <a:effectLst/>
+                <a:latin typeface="+mn-lt"/>
+                <a:ea typeface="+mn-ea"/>
+                <a:cs typeface="+mn-cs"/>
+              </a:rPr>
+              <a:t>delBtn</a:t>
+            </a:r>
+            <a:r>
+              <a:rPr lang="en" altLang="ko-KR" sz="1200" b="0" kern="1200" dirty="0">
+                <a:solidFill>
+                  <a:schemeClr val="tx1"/>
+                </a:solidFill>
+                <a:effectLst/>
+                <a:latin typeface="+mn-lt"/>
+                <a:ea typeface="+mn-ea"/>
+                <a:cs typeface="+mn-cs"/>
+              </a:rPr>
+              <a:t>{</a:t>
+            </a:r>
+          </a:p>
+          <a:p>
+            <a:r>
+              <a:rPr lang="en" altLang="ko-KR" sz="1200" b="0" kern="1200" dirty="0">
+                <a:solidFill>
+                  <a:schemeClr val="tx1"/>
+                </a:solidFill>
+                <a:effectLst/>
+                <a:latin typeface="+mn-lt"/>
+                <a:ea typeface="+mn-ea"/>
+                <a:cs typeface="+mn-cs"/>
+              </a:rPr>
+              <a:t>cursor: pointer;</a:t>
+            </a:r>
+          </a:p>
+          <a:p>
+            <a:r>
+              <a:rPr lang="en" altLang="ko-KR" sz="1200" b="0" kern="1200" dirty="0">
+                <a:solidFill>
+                  <a:schemeClr val="tx1"/>
+                </a:solidFill>
+                <a:effectLst/>
+                <a:latin typeface="+mn-lt"/>
+                <a:ea typeface="+mn-ea"/>
+                <a:cs typeface="+mn-cs"/>
+              </a:rPr>
+              <a:t>color: </a:t>
+            </a:r>
+            <a:r>
+              <a:rPr lang="en" altLang="ko-KR" sz="1200" b="0" kern="1200" dirty="0" err="1">
+                <a:solidFill>
+                  <a:schemeClr val="tx1"/>
+                </a:solidFill>
+                <a:effectLst/>
+                <a:latin typeface="+mn-lt"/>
+                <a:ea typeface="+mn-ea"/>
+                <a:cs typeface="+mn-cs"/>
+              </a:rPr>
+              <a:t>lightgray</a:t>
+            </a:r>
+            <a:r>
+              <a:rPr lang="en" altLang="ko-KR" sz="1200" b="0" kern="1200" dirty="0">
+                <a:solidFill>
+                  <a:schemeClr val="tx1"/>
+                </a:solidFill>
+                <a:effectLst/>
+                <a:latin typeface="+mn-lt"/>
+                <a:ea typeface="+mn-ea"/>
+                <a:cs typeface="+mn-cs"/>
+              </a:rPr>
+              <a:t>;</a:t>
+            </a:r>
+          </a:p>
+          <a:p>
+            <a:r>
+              <a:rPr lang="en" altLang="ko-KR" sz="1200" b="0" kern="1200" dirty="0">
+                <a:solidFill>
+                  <a:schemeClr val="tx1"/>
+                </a:solidFill>
+                <a:effectLst/>
+                <a:latin typeface="+mn-lt"/>
+                <a:ea typeface="+mn-ea"/>
+                <a:cs typeface="+mn-cs"/>
+              </a:rPr>
+              <a:t>}</a:t>
+            </a:r>
+          </a:p>
+          <a:p>
+            <a:br>
+              <a:rPr lang="en" altLang="ko-KR" sz="1200" b="0" kern="1200" dirty="0">
+                <a:solidFill>
+                  <a:schemeClr val="tx1"/>
+                </a:solidFill>
+                <a:effectLst/>
+                <a:latin typeface="+mn-lt"/>
+                <a:ea typeface="+mn-ea"/>
+                <a:cs typeface="+mn-cs"/>
+              </a:rPr>
+            </a:br>
+            <a:r>
+              <a:rPr lang="en" altLang="ko-KR" sz="1200" b="0" kern="1200" dirty="0">
+                <a:solidFill>
+                  <a:schemeClr val="tx1"/>
+                </a:solidFill>
+                <a:effectLst/>
+                <a:latin typeface="+mn-lt"/>
+                <a:ea typeface="+mn-ea"/>
+                <a:cs typeface="+mn-cs"/>
+              </a:rPr>
+              <a:t>.</a:t>
+            </a:r>
+            <a:r>
+              <a:rPr lang="en" altLang="ko-KR" sz="1200" b="0" kern="1200" dirty="0" err="1">
+                <a:solidFill>
+                  <a:schemeClr val="tx1"/>
+                </a:solidFill>
+                <a:effectLst/>
+                <a:latin typeface="+mn-lt"/>
+                <a:ea typeface="+mn-ea"/>
+                <a:cs typeface="+mn-cs"/>
+              </a:rPr>
+              <a:t>delBtn:hover</a:t>
+            </a:r>
+            <a:r>
+              <a:rPr lang="en" altLang="ko-KR" sz="1200" b="0" kern="1200" dirty="0">
+                <a:solidFill>
+                  <a:schemeClr val="tx1"/>
+                </a:solidFill>
+                <a:effectLst/>
+                <a:latin typeface="+mn-lt"/>
+                <a:ea typeface="+mn-ea"/>
+                <a:cs typeface="+mn-cs"/>
+              </a:rPr>
+              <a:t>{</a:t>
+            </a:r>
+          </a:p>
+          <a:p>
+            <a:r>
+              <a:rPr lang="en" altLang="ko-KR" sz="1200" b="0" kern="1200" dirty="0">
+                <a:solidFill>
+                  <a:schemeClr val="tx1"/>
+                </a:solidFill>
+                <a:effectLst/>
+                <a:latin typeface="+mn-lt"/>
+                <a:ea typeface="+mn-ea"/>
+                <a:cs typeface="+mn-cs"/>
+              </a:rPr>
+              <a:t>color: red;</a:t>
+            </a:r>
+          </a:p>
+          <a:p>
+            <a:r>
+              <a:rPr lang="en" altLang="ko-KR" sz="1200" b="0" kern="1200">
+                <a:solidFill>
+                  <a:schemeClr val="tx1"/>
+                </a:solidFill>
+                <a:effectLst/>
+                <a:latin typeface="+mn-lt"/>
+                <a:ea typeface="+mn-ea"/>
+                <a:cs typeface="+mn-cs"/>
+              </a:rPr>
+              <a:t>}</a:t>
+            </a:r>
+          </a:p>
+          <a:p>
+            <a:endParaRPr lang="en" altLang="ko-KR" sz="1200" b="0" kern="1200">
+              <a:solidFill>
+                <a:schemeClr val="tx1"/>
+              </a:solidFill>
+              <a:effectLst/>
+              <a:latin typeface="+mn-lt"/>
+              <a:ea typeface="+mn-ea"/>
+              <a:cs typeface="+mn-cs"/>
+            </a:endParaRPr>
+          </a:p>
+          <a:p>
+            <a:endParaRPr lang="en" altLang="ko-KR" sz="1200" b="0" kern="1200" dirty="0">
+              <a:solidFill>
+                <a:schemeClr val="tx1"/>
+              </a:solidFill>
+              <a:effectLst/>
+              <a:latin typeface="+mn-lt"/>
+              <a:ea typeface="+mn-ea"/>
+              <a:cs typeface="+mn-cs"/>
+            </a:endParaRPr>
+          </a:p>
+          <a:p>
+            <a:endParaRPr lang="en" altLang="ko-KR" sz="1200" b="0" kern="1200" dirty="0">
+              <a:solidFill>
+                <a:schemeClr val="tx1"/>
+              </a:solidFill>
+              <a:effectLst/>
+              <a:latin typeface="+mn-lt"/>
+              <a:ea typeface="+mn-ea"/>
+              <a:cs typeface="+mn-cs"/>
+            </a:endParaRPr>
+          </a:p>
+          <a:p>
+            <a:endParaRPr lang="en" altLang="ko-KR" sz="1200" b="0" kern="1200" dirty="0">
+              <a:solidFill>
+                <a:schemeClr val="tx1"/>
+              </a:solidFill>
+              <a:effectLst/>
+              <a:latin typeface="+mn-lt"/>
+              <a:ea typeface="+mn-ea"/>
+              <a:cs typeface="+mn-cs"/>
+            </a:endParaRPr>
+          </a:p>
+          <a:p>
+            <a:r>
+              <a:rPr lang="en" altLang="ko-KR" sz="1200" b="0" kern="1200" dirty="0">
+                <a:solidFill>
+                  <a:schemeClr val="tx1"/>
+                </a:solidFill>
+                <a:effectLst/>
+                <a:latin typeface="+mn-lt"/>
+                <a:ea typeface="+mn-ea"/>
+                <a:cs typeface="+mn-cs"/>
+              </a:rPr>
+              <a:t>============================================================================================================</a:t>
+            </a:r>
+          </a:p>
+          <a:p>
+            <a:endParaRPr lang="en" altLang="ko-KR" sz="1200" b="0" kern="1200" dirty="0">
+              <a:solidFill>
+                <a:schemeClr val="tx1"/>
+              </a:solidFill>
+              <a:effectLst/>
+              <a:latin typeface="+mn-lt"/>
+              <a:ea typeface="+mn-ea"/>
+              <a:cs typeface="+mn-cs"/>
+            </a:endParaRPr>
+          </a:p>
+          <a:p>
+            <a:endParaRPr lang="en" altLang="ko-KR" sz="1200" b="0" kern="1200" dirty="0">
+              <a:solidFill>
+                <a:schemeClr val="tx1"/>
+              </a:solidFill>
+              <a:effectLst/>
+              <a:latin typeface="+mn-lt"/>
+              <a:ea typeface="+mn-ea"/>
+              <a:cs typeface="+mn-cs"/>
+            </a:endParaRPr>
+          </a:p>
+          <a:p>
+            <a:endParaRPr lang="en" altLang="ko-KR" sz="1200" b="0" kern="1200" dirty="0">
+              <a:solidFill>
+                <a:schemeClr val="tx1"/>
+              </a:solidFill>
+              <a:effectLst/>
+              <a:latin typeface="+mn-lt"/>
+              <a:ea typeface="+mn-ea"/>
+              <a:cs typeface="+mn-cs"/>
+            </a:endParaRPr>
+          </a:p>
+          <a:p>
+            <a:endParaRPr lang="en" altLang="ko-KR" sz="1200" b="0" kern="1200" dirty="0">
+              <a:solidFill>
+                <a:schemeClr val="tx1"/>
+              </a:solidFill>
+              <a:effectLst/>
+              <a:latin typeface="+mn-lt"/>
+              <a:ea typeface="+mn-ea"/>
+              <a:cs typeface="+mn-cs"/>
+            </a:endParaRPr>
+          </a:p>
+          <a:p>
+            <a:endParaRPr lang="en" altLang="ko-KR" sz="1200" b="0" kern="1200" dirty="0">
+              <a:solidFill>
+                <a:schemeClr val="tx1"/>
+              </a:solidFill>
+              <a:effectLst/>
+              <a:latin typeface="+mn-lt"/>
+              <a:ea typeface="+mn-ea"/>
+              <a:cs typeface="+mn-cs"/>
+            </a:endParaRPr>
+          </a:p>
+          <a:p>
+            <a:r>
+              <a:rPr lang="en" altLang="ko-KR" sz="1200" b="0" kern="1200" dirty="0">
+                <a:solidFill>
+                  <a:schemeClr val="tx1"/>
+                </a:solidFill>
+                <a:effectLst/>
+                <a:latin typeface="+mn-lt"/>
+                <a:ea typeface="+mn-ea"/>
+                <a:cs typeface="+mn-cs"/>
+              </a:rPr>
+              <a:t>const </a:t>
+            </a:r>
+            <a:r>
+              <a:rPr lang="en" altLang="ko-KR" sz="1200" b="0" kern="1200" dirty="0" err="1">
+                <a:solidFill>
+                  <a:schemeClr val="tx1"/>
+                </a:solidFill>
+                <a:effectLst/>
+                <a:latin typeface="+mn-lt"/>
+                <a:ea typeface="+mn-ea"/>
+                <a:cs typeface="+mn-cs"/>
+              </a:rPr>
+              <a:t>itemList</a:t>
+            </a:r>
+            <a:r>
+              <a:rPr lang="en" altLang="ko-KR" sz="1200" b="0" kern="1200" dirty="0">
+                <a:solidFill>
+                  <a:schemeClr val="tx1"/>
+                </a:solidFill>
+                <a:effectLst/>
+                <a:latin typeface="+mn-lt"/>
+                <a:ea typeface="+mn-ea"/>
+                <a:cs typeface="+mn-cs"/>
+              </a:rPr>
+              <a:t> = </a:t>
+            </a:r>
+            <a:r>
+              <a:rPr lang="en" altLang="ko-KR" sz="1200" b="0" kern="1200" dirty="0" err="1">
+                <a:solidFill>
+                  <a:schemeClr val="tx1"/>
+                </a:solidFill>
+                <a:effectLst/>
+                <a:latin typeface="+mn-lt"/>
+                <a:ea typeface="+mn-ea"/>
+                <a:cs typeface="+mn-cs"/>
+              </a:rPr>
+              <a:t>document.querySelector</a:t>
+            </a:r>
+            <a:r>
+              <a:rPr lang="en" altLang="ko-KR" sz="1200" b="0" kern="1200" dirty="0">
+                <a:solidFill>
+                  <a:schemeClr val="tx1"/>
+                </a:solidFill>
+                <a:effectLst/>
+                <a:latin typeface="+mn-lt"/>
+                <a:ea typeface="+mn-ea"/>
+                <a:cs typeface="+mn-cs"/>
+              </a:rPr>
+              <a:t>('#</a:t>
+            </a:r>
+            <a:r>
+              <a:rPr lang="en" altLang="ko-KR" sz="1200" b="0" kern="1200" dirty="0" err="1">
+                <a:solidFill>
+                  <a:schemeClr val="tx1"/>
+                </a:solidFill>
+                <a:effectLst/>
+                <a:latin typeface="+mn-lt"/>
+                <a:ea typeface="+mn-ea"/>
+                <a:cs typeface="+mn-cs"/>
+              </a:rPr>
+              <a:t>itemList</a:t>
+            </a:r>
+            <a:r>
+              <a:rPr lang="en" altLang="ko-KR" sz="1200" b="0" kern="1200" dirty="0">
+                <a:solidFill>
+                  <a:schemeClr val="tx1"/>
+                </a:solidFill>
+                <a:effectLst/>
+                <a:latin typeface="+mn-lt"/>
+                <a:ea typeface="+mn-ea"/>
+                <a:cs typeface="+mn-cs"/>
+              </a:rPr>
+              <a:t>');</a:t>
+            </a:r>
+          </a:p>
+          <a:p>
+            <a:r>
+              <a:rPr lang="en" altLang="ko-KR" sz="1200" b="0" kern="1200" dirty="0">
+                <a:solidFill>
+                  <a:schemeClr val="tx1"/>
+                </a:solidFill>
+                <a:effectLst/>
+                <a:latin typeface="+mn-lt"/>
+                <a:ea typeface="+mn-ea"/>
+                <a:cs typeface="+mn-cs"/>
+              </a:rPr>
+              <a:t>const </a:t>
+            </a:r>
+            <a:r>
+              <a:rPr lang="en" altLang="ko-KR" sz="1200" b="0" kern="1200" dirty="0" err="1">
+                <a:solidFill>
+                  <a:schemeClr val="tx1"/>
+                </a:solidFill>
+                <a:effectLst/>
+                <a:latin typeface="+mn-lt"/>
+                <a:ea typeface="+mn-ea"/>
+                <a:cs typeface="+mn-cs"/>
+              </a:rPr>
+              <a:t>enterBtn</a:t>
+            </a:r>
+            <a:r>
+              <a:rPr lang="en" altLang="ko-KR" sz="1200" b="0" kern="1200" dirty="0">
+                <a:solidFill>
+                  <a:schemeClr val="tx1"/>
+                </a:solidFill>
+                <a:effectLst/>
+                <a:latin typeface="+mn-lt"/>
+                <a:ea typeface="+mn-ea"/>
+                <a:cs typeface="+mn-cs"/>
+              </a:rPr>
+              <a:t> = </a:t>
+            </a:r>
+            <a:r>
+              <a:rPr lang="en" altLang="ko-KR" sz="1200" b="0" kern="1200" dirty="0" err="1">
+                <a:solidFill>
+                  <a:schemeClr val="tx1"/>
+                </a:solidFill>
+                <a:effectLst/>
+                <a:latin typeface="+mn-lt"/>
+                <a:ea typeface="+mn-ea"/>
+                <a:cs typeface="+mn-cs"/>
+              </a:rPr>
+              <a:t>document.querySelector</a:t>
+            </a:r>
+            <a:r>
+              <a:rPr lang="en" altLang="ko-KR" sz="1200" b="0" kern="1200" dirty="0">
+                <a:solidFill>
+                  <a:schemeClr val="tx1"/>
+                </a:solidFill>
+                <a:effectLst/>
+                <a:latin typeface="+mn-lt"/>
+                <a:ea typeface="+mn-ea"/>
+                <a:cs typeface="+mn-cs"/>
+              </a:rPr>
+              <a:t>('#</a:t>
+            </a:r>
+            <a:r>
+              <a:rPr lang="en" altLang="ko-KR" sz="1200" b="0" kern="1200" dirty="0" err="1">
+                <a:solidFill>
+                  <a:schemeClr val="tx1"/>
+                </a:solidFill>
+                <a:effectLst/>
+                <a:latin typeface="+mn-lt"/>
+                <a:ea typeface="+mn-ea"/>
+                <a:cs typeface="+mn-cs"/>
+              </a:rPr>
+              <a:t>enterBtn</a:t>
+            </a:r>
+            <a:r>
+              <a:rPr lang="en" altLang="ko-KR" sz="1200" b="0" kern="1200" dirty="0">
+                <a:solidFill>
+                  <a:schemeClr val="tx1"/>
+                </a:solidFill>
+                <a:effectLst/>
+                <a:latin typeface="+mn-lt"/>
+                <a:ea typeface="+mn-ea"/>
+                <a:cs typeface="+mn-cs"/>
+              </a:rPr>
+              <a:t>');</a:t>
+            </a:r>
+          </a:p>
+          <a:p>
+            <a:r>
+              <a:rPr lang="en" altLang="ko-KR" sz="1200" b="0" kern="1200" dirty="0">
+                <a:solidFill>
+                  <a:schemeClr val="tx1"/>
+                </a:solidFill>
+                <a:effectLst/>
+                <a:latin typeface="+mn-lt"/>
+                <a:ea typeface="+mn-ea"/>
+                <a:cs typeface="+mn-cs"/>
+              </a:rPr>
+              <a:t>const </a:t>
+            </a:r>
+            <a:r>
+              <a:rPr lang="en" altLang="ko-KR" sz="1200" b="0" kern="1200" dirty="0" err="1">
+                <a:solidFill>
+                  <a:schemeClr val="tx1"/>
+                </a:solidFill>
+                <a:effectLst/>
+                <a:latin typeface="+mn-lt"/>
+                <a:ea typeface="+mn-ea"/>
+                <a:cs typeface="+mn-cs"/>
+              </a:rPr>
+              <a:t>enterText</a:t>
+            </a:r>
+            <a:r>
+              <a:rPr lang="en" altLang="ko-KR" sz="1200" b="0" kern="1200" dirty="0">
+                <a:solidFill>
+                  <a:schemeClr val="tx1"/>
+                </a:solidFill>
+                <a:effectLst/>
+                <a:latin typeface="+mn-lt"/>
+                <a:ea typeface="+mn-ea"/>
+                <a:cs typeface="+mn-cs"/>
+              </a:rPr>
+              <a:t> = </a:t>
+            </a:r>
+            <a:r>
+              <a:rPr lang="en" altLang="ko-KR" sz="1200" b="0" kern="1200" dirty="0" err="1">
+                <a:solidFill>
+                  <a:schemeClr val="tx1"/>
+                </a:solidFill>
+                <a:effectLst/>
+                <a:latin typeface="+mn-lt"/>
+                <a:ea typeface="+mn-ea"/>
+                <a:cs typeface="+mn-cs"/>
+              </a:rPr>
+              <a:t>document.querySelector</a:t>
+            </a:r>
+            <a:r>
+              <a:rPr lang="en" altLang="ko-KR" sz="1200" b="0" kern="1200" dirty="0">
+                <a:solidFill>
+                  <a:schemeClr val="tx1"/>
+                </a:solidFill>
+                <a:effectLst/>
+                <a:latin typeface="+mn-lt"/>
+                <a:ea typeface="+mn-ea"/>
+                <a:cs typeface="+mn-cs"/>
+              </a:rPr>
+              <a:t>('#</a:t>
+            </a:r>
+            <a:r>
+              <a:rPr lang="en" altLang="ko-KR" sz="1200" b="0" kern="1200" dirty="0" err="1">
+                <a:solidFill>
+                  <a:schemeClr val="tx1"/>
+                </a:solidFill>
+                <a:effectLst/>
+                <a:latin typeface="+mn-lt"/>
+                <a:ea typeface="+mn-ea"/>
+                <a:cs typeface="+mn-cs"/>
+              </a:rPr>
+              <a:t>enterText</a:t>
+            </a:r>
+            <a:r>
+              <a:rPr lang="en" altLang="ko-KR" sz="1200" b="0" kern="1200" dirty="0">
+                <a:solidFill>
+                  <a:schemeClr val="tx1"/>
+                </a:solidFill>
+                <a:effectLst/>
+                <a:latin typeface="+mn-lt"/>
+                <a:ea typeface="+mn-ea"/>
+                <a:cs typeface="+mn-cs"/>
+              </a:rPr>
+              <a:t>');</a:t>
+            </a:r>
+          </a:p>
+          <a:p>
+            <a:br>
+              <a:rPr lang="en" altLang="ko-KR" sz="1200" b="0" kern="1200" dirty="0">
+                <a:solidFill>
+                  <a:schemeClr val="tx1"/>
+                </a:solidFill>
+                <a:effectLst/>
+                <a:latin typeface="+mn-lt"/>
+                <a:ea typeface="+mn-ea"/>
+                <a:cs typeface="+mn-cs"/>
+              </a:rPr>
+            </a:br>
+            <a:r>
+              <a:rPr lang="en" altLang="ko-KR" sz="1200" b="0" kern="1200" dirty="0" err="1">
+                <a:solidFill>
+                  <a:schemeClr val="tx1"/>
+                </a:solidFill>
+                <a:effectLst/>
+                <a:latin typeface="+mn-lt"/>
+                <a:ea typeface="+mn-ea"/>
+                <a:cs typeface="+mn-cs"/>
+              </a:rPr>
+              <a:t>enterBtn.addEventListener</a:t>
+            </a:r>
+            <a:r>
+              <a:rPr lang="en" altLang="ko-KR" sz="1200" b="0" kern="1200" dirty="0">
+                <a:solidFill>
+                  <a:schemeClr val="tx1"/>
+                </a:solidFill>
+                <a:effectLst/>
+                <a:latin typeface="+mn-lt"/>
+                <a:ea typeface="+mn-ea"/>
+                <a:cs typeface="+mn-cs"/>
+              </a:rPr>
+              <a:t>('click', () =&gt; {</a:t>
+            </a:r>
+          </a:p>
+          <a:p>
+            <a:r>
+              <a:rPr lang="en" altLang="ko-KR" sz="1200" b="0" kern="1200" dirty="0" err="1">
+                <a:solidFill>
+                  <a:schemeClr val="tx1"/>
+                </a:solidFill>
+                <a:effectLst/>
+                <a:latin typeface="+mn-lt"/>
+                <a:ea typeface="+mn-ea"/>
+                <a:cs typeface="+mn-cs"/>
+              </a:rPr>
+              <a:t>createItem</a:t>
+            </a:r>
+            <a:r>
+              <a:rPr lang="en" altLang="ko-KR" sz="1200" b="0" kern="1200" dirty="0">
+                <a:solidFill>
+                  <a:schemeClr val="tx1"/>
+                </a:solidFill>
+                <a:effectLst/>
+                <a:latin typeface="+mn-lt"/>
+                <a:ea typeface="+mn-ea"/>
+                <a:cs typeface="+mn-cs"/>
+              </a:rPr>
+              <a:t>();</a:t>
+            </a:r>
+          </a:p>
+          <a:p>
+            <a:r>
+              <a:rPr lang="en" altLang="ko-KR" sz="1200" b="0" kern="1200" dirty="0">
+                <a:solidFill>
+                  <a:schemeClr val="tx1"/>
+                </a:solidFill>
+                <a:effectLst/>
+                <a:latin typeface="+mn-lt"/>
+                <a:ea typeface="+mn-ea"/>
+                <a:cs typeface="+mn-cs"/>
+              </a:rPr>
+              <a:t>});</a:t>
+            </a:r>
+          </a:p>
+          <a:p>
+            <a:br>
+              <a:rPr lang="en" altLang="ko-KR" sz="1200" b="0" kern="1200" dirty="0">
+                <a:solidFill>
+                  <a:schemeClr val="tx1"/>
+                </a:solidFill>
+                <a:effectLst/>
+                <a:latin typeface="+mn-lt"/>
+                <a:ea typeface="+mn-ea"/>
+                <a:cs typeface="+mn-cs"/>
+              </a:rPr>
+            </a:br>
+            <a:br>
+              <a:rPr lang="en" altLang="ko-KR" sz="1200" b="0" kern="1200" dirty="0">
+                <a:solidFill>
+                  <a:schemeClr val="tx1"/>
+                </a:solidFill>
+                <a:effectLst/>
+                <a:latin typeface="+mn-lt"/>
+                <a:ea typeface="+mn-ea"/>
+                <a:cs typeface="+mn-cs"/>
+              </a:rPr>
+            </a:br>
+            <a:r>
+              <a:rPr lang="en" altLang="ko-KR" sz="1200" b="0" kern="1200" dirty="0" err="1">
+                <a:solidFill>
+                  <a:schemeClr val="tx1"/>
+                </a:solidFill>
+                <a:effectLst/>
+                <a:latin typeface="+mn-lt"/>
+                <a:ea typeface="+mn-ea"/>
+                <a:cs typeface="+mn-cs"/>
+              </a:rPr>
+              <a:t>enterText.addEventListener</a:t>
+            </a:r>
+            <a:r>
+              <a:rPr lang="en" altLang="ko-KR" sz="1200" b="0" kern="1200" dirty="0">
+                <a:solidFill>
+                  <a:schemeClr val="tx1"/>
+                </a:solidFill>
+                <a:effectLst/>
+                <a:latin typeface="+mn-lt"/>
+                <a:ea typeface="+mn-ea"/>
+                <a:cs typeface="+mn-cs"/>
+              </a:rPr>
+              <a:t>('keypress', event =&gt; {</a:t>
+            </a:r>
+          </a:p>
+          <a:p>
+            <a:r>
+              <a:rPr lang="en" altLang="ko-KR" sz="1200" b="0" kern="1200" dirty="0">
+                <a:solidFill>
+                  <a:schemeClr val="tx1"/>
+                </a:solidFill>
+                <a:effectLst/>
+                <a:latin typeface="+mn-lt"/>
+                <a:ea typeface="+mn-ea"/>
+                <a:cs typeface="+mn-cs"/>
+              </a:rPr>
+              <a:t>if (</a:t>
+            </a:r>
+            <a:r>
+              <a:rPr lang="en" altLang="ko-KR" sz="1200" b="0" kern="1200" dirty="0" err="1">
+                <a:solidFill>
+                  <a:schemeClr val="tx1"/>
+                </a:solidFill>
+                <a:effectLst/>
+                <a:latin typeface="+mn-lt"/>
+                <a:ea typeface="+mn-ea"/>
+                <a:cs typeface="+mn-cs"/>
+              </a:rPr>
+              <a:t>event.key</a:t>
+            </a:r>
+            <a:r>
+              <a:rPr lang="en" altLang="ko-KR" sz="1200" b="0" kern="1200" dirty="0">
+                <a:solidFill>
+                  <a:schemeClr val="tx1"/>
+                </a:solidFill>
+                <a:effectLst/>
+                <a:latin typeface="+mn-lt"/>
+                <a:ea typeface="+mn-ea"/>
+                <a:cs typeface="+mn-cs"/>
+              </a:rPr>
+              <a:t> === 'Enter') {</a:t>
+            </a:r>
+          </a:p>
+          <a:p>
+            <a:r>
+              <a:rPr lang="en" altLang="ko-KR" sz="1200" b="0" kern="1200" dirty="0" err="1">
+                <a:solidFill>
+                  <a:schemeClr val="tx1"/>
+                </a:solidFill>
+                <a:effectLst/>
+                <a:latin typeface="+mn-lt"/>
+                <a:ea typeface="+mn-ea"/>
+                <a:cs typeface="+mn-cs"/>
+              </a:rPr>
+              <a:t>createItem</a:t>
+            </a:r>
+            <a:r>
+              <a:rPr lang="en" altLang="ko-KR" sz="1200" b="0" kern="1200" dirty="0">
+                <a:solidFill>
+                  <a:schemeClr val="tx1"/>
+                </a:solidFill>
+                <a:effectLst/>
+                <a:latin typeface="+mn-lt"/>
+                <a:ea typeface="+mn-ea"/>
+                <a:cs typeface="+mn-cs"/>
+              </a:rPr>
+              <a:t>();</a:t>
+            </a:r>
+          </a:p>
+          <a:p>
+            <a:r>
+              <a:rPr lang="en" altLang="ko-KR" sz="1200" b="0" kern="1200" dirty="0">
+                <a:solidFill>
+                  <a:schemeClr val="tx1"/>
+                </a:solidFill>
+                <a:effectLst/>
+                <a:latin typeface="+mn-lt"/>
+                <a:ea typeface="+mn-ea"/>
+                <a:cs typeface="+mn-cs"/>
+              </a:rPr>
+              <a:t>}</a:t>
+            </a:r>
+          </a:p>
+          <a:p>
+            <a:r>
+              <a:rPr lang="en" altLang="ko-KR" sz="1200" b="0" kern="1200" dirty="0">
+                <a:solidFill>
+                  <a:schemeClr val="tx1"/>
+                </a:solidFill>
+                <a:effectLst/>
+                <a:latin typeface="+mn-lt"/>
+                <a:ea typeface="+mn-ea"/>
+                <a:cs typeface="+mn-cs"/>
+              </a:rPr>
+              <a:t>});</a:t>
+            </a:r>
+          </a:p>
+          <a:p>
+            <a:br>
+              <a:rPr lang="en" altLang="ko-KR" sz="1200" b="0" kern="1200" dirty="0">
+                <a:solidFill>
+                  <a:schemeClr val="tx1"/>
+                </a:solidFill>
+                <a:effectLst/>
+                <a:latin typeface="+mn-lt"/>
+                <a:ea typeface="+mn-ea"/>
+                <a:cs typeface="+mn-cs"/>
+              </a:rPr>
+            </a:br>
+            <a:br>
+              <a:rPr lang="en" altLang="ko-KR" sz="1200" b="0" kern="1200" dirty="0">
+                <a:solidFill>
+                  <a:schemeClr val="tx1"/>
+                </a:solidFill>
+                <a:effectLst/>
+                <a:latin typeface="+mn-lt"/>
+                <a:ea typeface="+mn-ea"/>
+                <a:cs typeface="+mn-cs"/>
+              </a:rPr>
+            </a:br>
+            <a:r>
+              <a:rPr lang="en" altLang="ko-KR" sz="1200" b="0" kern="1200" dirty="0">
+                <a:solidFill>
+                  <a:schemeClr val="tx1"/>
+                </a:solidFill>
+                <a:effectLst/>
+                <a:latin typeface="+mn-lt"/>
+                <a:ea typeface="+mn-ea"/>
+                <a:cs typeface="+mn-cs"/>
+              </a:rPr>
+              <a:t>const </a:t>
+            </a:r>
+            <a:r>
+              <a:rPr lang="en" altLang="ko-KR" sz="1200" b="0" kern="1200" dirty="0" err="1">
+                <a:solidFill>
+                  <a:schemeClr val="tx1"/>
+                </a:solidFill>
+                <a:effectLst/>
+                <a:latin typeface="+mn-lt"/>
+                <a:ea typeface="+mn-ea"/>
+                <a:cs typeface="+mn-cs"/>
+              </a:rPr>
+              <a:t>createItem</a:t>
+            </a:r>
+            <a:r>
+              <a:rPr lang="en" altLang="ko-KR" sz="1200" b="0" kern="1200" dirty="0">
+                <a:solidFill>
+                  <a:schemeClr val="tx1"/>
+                </a:solidFill>
+                <a:effectLst/>
+                <a:latin typeface="+mn-lt"/>
+                <a:ea typeface="+mn-ea"/>
+                <a:cs typeface="+mn-cs"/>
+              </a:rPr>
+              <a:t> = () =&gt; {</a:t>
+            </a:r>
+          </a:p>
+          <a:p>
+            <a:r>
+              <a:rPr lang="en" altLang="ko-KR" sz="1200" b="0" kern="1200" dirty="0">
+                <a:solidFill>
+                  <a:schemeClr val="tx1"/>
+                </a:solidFill>
+                <a:effectLst/>
+                <a:latin typeface="+mn-lt"/>
+                <a:ea typeface="+mn-ea"/>
+                <a:cs typeface="+mn-cs"/>
+              </a:rPr>
+              <a:t>const </a:t>
+            </a:r>
+            <a:r>
+              <a:rPr lang="en" altLang="ko-KR" sz="1200" b="0" kern="1200" dirty="0" err="1">
+                <a:solidFill>
+                  <a:schemeClr val="tx1"/>
+                </a:solidFill>
+                <a:effectLst/>
+                <a:latin typeface="+mn-lt"/>
+                <a:ea typeface="+mn-ea"/>
+                <a:cs typeface="+mn-cs"/>
+              </a:rPr>
+              <a:t>getText</a:t>
+            </a:r>
+            <a:r>
+              <a:rPr lang="en" altLang="ko-KR" sz="1200" b="0" kern="1200" dirty="0">
+                <a:solidFill>
+                  <a:schemeClr val="tx1"/>
+                </a:solidFill>
+                <a:effectLst/>
+                <a:latin typeface="+mn-lt"/>
+                <a:ea typeface="+mn-ea"/>
+                <a:cs typeface="+mn-cs"/>
+              </a:rPr>
+              <a:t> = </a:t>
+            </a:r>
+            <a:r>
+              <a:rPr lang="en" altLang="ko-KR" sz="1200" b="0" kern="1200" dirty="0" err="1">
+                <a:solidFill>
+                  <a:schemeClr val="tx1"/>
+                </a:solidFill>
+                <a:effectLst/>
+                <a:latin typeface="+mn-lt"/>
+                <a:ea typeface="+mn-ea"/>
+                <a:cs typeface="+mn-cs"/>
+              </a:rPr>
+              <a:t>enterText.value</a:t>
+            </a:r>
+            <a:r>
+              <a:rPr lang="en" altLang="ko-KR" sz="1200" b="0" kern="1200" dirty="0">
+                <a:solidFill>
+                  <a:schemeClr val="tx1"/>
+                </a:solidFill>
+                <a:effectLst/>
+                <a:latin typeface="+mn-lt"/>
+                <a:ea typeface="+mn-ea"/>
+                <a:cs typeface="+mn-cs"/>
+              </a:rPr>
+              <a:t>;</a:t>
+            </a:r>
+          </a:p>
+          <a:p>
+            <a:r>
+              <a:rPr lang="en" altLang="ko-KR" sz="1200" b="0" kern="1200" dirty="0">
+                <a:solidFill>
+                  <a:schemeClr val="tx1"/>
+                </a:solidFill>
+                <a:effectLst/>
+                <a:latin typeface="+mn-lt"/>
+                <a:ea typeface="+mn-ea"/>
+                <a:cs typeface="+mn-cs"/>
+              </a:rPr>
+              <a:t>if (!</a:t>
+            </a:r>
+            <a:r>
+              <a:rPr lang="en" altLang="ko-KR" sz="1200" b="0" kern="1200" dirty="0" err="1">
+                <a:solidFill>
+                  <a:schemeClr val="tx1"/>
+                </a:solidFill>
+                <a:effectLst/>
+                <a:latin typeface="+mn-lt"/>
+                <a:ea typeface="+mn-ea"/>
+                <a:cs typeface="+mn-cs"/>
+              </a:rPr>
+              <a:t>getText</a:t>
+            </a:r>
+            <a:r>
+              <a:rPr lang="en" altLang="ko-KR" sz="1200" b="0" kern="1200" dirty="0">
+                <a:solidFill>
+                  <a:schemeClr val="tx1"/>
+                </a:solidFill>
+                <a:effectLst/>
+                <a:latin typeface="+mn-lt"/>
+                <a:ea typeface="+mn-ea"/>
+                <a:cs typeface="+mn-cs"/>
+              </a:rPr>
+              <a:t>) { return alert('</a:t>
+            </a:r>
+            <a:r>
+              <a:rPr lang="ko-KR" altLang="en-US" sz="1200" b="0" kern="1200" dirty="0">
+                <a:solidFill>
+                  <a:schemeClr val="tx1"/>
+                </a:solidFill>
+                <a:effectLst/>
+                <a:latin typeface="+mn-lt"/>
+                <a:ea typeface="+mn-ea"/>
+                <a:cs typeface="+mn-cs"/>
+              </a:rPr>
+              <a:t>내용을 입력해주세요</a:t>
+            </a:r>
+            <a:r>
+              <a:rPr lang="en-US" altLang="ko-KR" sz="1200" b="0" kern="1200" dirty="0">
+                <a:solidFill>
+                  <a:schemeClr val="tx1"/>
+                </a:solidFill>
+                <a:effectLst/>
+                <a:latin typeface="+mn-lt"/>
+                <a:ea typeface="+mn-ea"/>
+                <a:cs typeface="+mn-cs"/>
+              </a:rPr>
+              <a:t>.') }</a:t>
+            </a:r>
+          </a:p>
+          <a:p>
+            <a:br>
+              <a:rPr lang="en-US" altLang="ko-KR" sz="1200" b="0" kern="1200" dirty="0">
+                <a:solidFill>
+                  <a:schemeClr val="tx1"/>
+                </a:solidFill>
+                <a:effectLst/>
+                <a:latin typeface="+mn-lt"/>
+                <a:ea typeface="+mn-ea"/>
+                <a:cs typeface="+mn-cs"/>
+              </a:rPr>
+            </a:br>
+            <a:r>
+              <a:rPr lang="en" altLang="ko-KR" sz="1200" b="0" kern="1200" dirty="0">
+                <a:solidFill>
+                  <a:schemeClr val="tx1"/>
+                </a:solidFill>
+                <a:effectLst/>
+                <a:latin typeface="+mn-lt"/>
+                <a:ea typeface="+mn-ea"/>
+                <a:cs typeface="+mn-cs"/>
+              </a:rPr>
+              <a:t>const </a:t>
+            </a:r>
+            <a:r>
+              <a:rPr lang="en" altLang="ko-KR" sz="1200" b="0" kern="1200" dirty="0" err="1">
+                <a:solidFill>
+                  <a:schemeClr val="tx1"/>
+                </a:solidFill>
+                <a:effectLst/>
+                <a:latin typeface="+mn-lt"/>
+                <a:ea typeface="+mn-ea"/>
+                <a:cs typeface="+mn-cs"/>
+              </a:rPr>
+              <a:t>itemWrap</a:t>
+            </a:r>
+            <a:r>
+              <a:rPr lang="en" altLang="ko-KR" sz="1200" b="0" kern="1200" dirty="0">
+                <a:solidFill>
+                  <a:schemeClr val="tx1"/>
+                </a:solidFill>
+                <a:effectLst/>
+                <a:latin typeface="+mn-lt"/>
+                <a:ea typeface="+mn-ea"/>
+                <a:cs typeface="+mn-cs"/>
+              </a:rPr>
+              <a:t> = </a:t>
+            </a:r>
+            <a:r>
+              <a:rPr lang="en" altLang="ko-KR" sz="1200" b="0" kern="1200" dirty="0" err="1">
+                <a:solidFill>
+                  <a:schemeClr val="tx1"/>
+                </a:solidFill>
+                <a:effectLst/>
+                <a:latin typeface="+mn-lt"/>
+                <a:ea typeface="+mn-ea"/>
+                <a:cs typeface="+mn-cs"/>
+              </a:rPr>
+              <a:t>document.createElement</a:t>
+            </a:r>
+            <a:r>
+              <a:rPr lang="en" altLang="ko-KR" sz="1200" b="0" kern="1200" dirty="0">
+                <a:solidFill>
+                  <a:schemeClr val="tx1"/>
+                </a:solidFill>
+                <a:effectLst/>
+                <a:latin typeface="+mn-lt"/>
+                <a:ea typeface="+mn-ea"/>
+                <a:cs typeface="+mn-cs"/>
+              </a:rPr>
+              <a:t>('div');</a:t>
+            </a:r>
+          </a:p>
+          <a:p>
+            <a:r>
+              <a:rPr lang="en" altLang="ko-KR" sz="1200" b="0" kern="1200" dirty="0" err="1">
+                <a:solidFill>
+                  <a:schemeClr val="tx1"/>
+                </a:solidFill>
+                <a:effectLst/>
+                <a:latin typeface="+mn-lt"/>
+                <a:ea typeface="+mn-ea"/>
+                <a:cs typeface="+mn-cs"/>
+              </a:rPr>
+              <a:t>itemWrap.setAttribute</a:t>
+            </a:r>
+            <a:r>
+              <a:rPr lang="en" altLang="ko-KR" sz="1200" b="0" kern="1200" dirty="0">
+                <a:solidFill>
+                  <a:schemeClr val="tx1"/>
+                </a:solidFill>
+                <a:effectLst/>
+                <a:latin typeface="+mn-lt"/>
+                <a:ea typeface="+mn-ea"/>
+                <a:cs typeface="+mn-cs"/>
+              </a:rPr>
+              <a:t>('class', '</a:t>
+            </a:r>
+            <a:r>
+              <a:rPr lang="en" altLang="ko-KR" sz="1200" b="0" kern="1200" dirty="0" err="1">
+                <a:solidFill>
+                  <a:schemeClr val="tx1"/>
+                </a:solidFill>
+                <a:effectLst/>
+                <a:latin typeface="+mn-lt"/>
+                <a:ea typeface="+mn-ea"/>
+                <a:cs typeface="+mn-cs"/>
+              </a:rPr>
+              <a:t>itemWrap</a:t>
+            </a:r>
+            <a:r>
+              <a:rPr lang="en" altLang="ko-KR" sz="1200" b="0" kern="1200" dirty="0">
+                <a:solidFill>
+                  <a:schemeClr val="tx1"/>
+                </a:solidFill>
+                <a:effectLst/>
+                <a:latin typeface="+mn-lt"/>
+                <a:ea typeface="+mn-ea"/>
+                <a:cs typeface="+mn-cs"/>
+              </a:rPr>
+              <a:t>');</a:t>
+            </a:r>
+          </a:p>
+          <a:p>
+            <a:br>
+              <a:rPr lang="en" altLang="ko-KR" sz="1200" b="0" kern="1200" dirty="0">
+                <a:solidFill>
+                  <a:schemeClr val="tx1"/>
+                </a:solidFill>
+                <a:effectLst/>
+                <a:latin typeface="+mn-lt"/>
+                <a:ea typeface="+mn-ea"/>
+                <a:cs typeface="+mn-cs"/>
+              </a:rPr>
+            </a:br>
+            <a:r>
+              <a:rPr lang="en" altLang="ko-KR" sz="1200" b="0" kern="1200" dirty="0">
+                <a:solidFill>
+                  <a:schemeClr val="tx1"/>
+                </a:solidFill>
+                <a:effectLst/>
+                <a:latin typeface="+mn-lt"/>
+                <a:ea typeface="+mn-ea"/>
+                <a:cs typeface="+mn-cs"/>
+              </a:rPr>
+              <a:t>const </a:t>
+            </a:r>
+            <a:r>
+              <a:rPr lang="en" altLang="ko-KR" sz="1200" b="0" kern="1200" dirty="0" err="1">
+                <a:solidFill>
+                  <a:schemeClr val="tx1"/>
+                </a:solidFill>
+                <a:effectLst/>
+                <a:latin typeface="+mn-lt"/>
+                <a:ea typeface="+mn-ea"/>
+                <a:cs typeface="+mn-cs"/>
+              </a:rPr>
+              <a:t>checkBtn</a:t>
+            </a:r>
+            <a:r>
+              <a:rPr lang="en" altLang="ko-KR" sz="1200" b="0" kern="1200" dirty="0">
+                <a:solidFill>
+                  <a:schemeClr val="tx1"/>
+                </a:solidFill>
+                <a:effectLst/>
+                <a:latin typeface="+mn-lt"/>
+                <a:ea typeface="+mn-ea"/>
+                <a:cs typeface="+mn-cs"/>
+              </a:rPr>
+              <a:t> = </a:t>
+            </a:r>
+            <a:r>
+              <a:rPr lang="en" altLang="ko-KR" sz="1200" b="0" kern="1200" dirty="0" err="1">
+                <a:solidFill>
+                  <a:schemeClr val="tx1"/>
+                </a:solidFill>
+                <a:effectLst/>
+                <a:latin typeface="+mn-lt"/>
+                <a:ea typeface="+mn-ea"/>
+                <a:cs typeface="+mn-cs"/>
+              </a:rPr>
+              <a:t>document.createElement</a:t>
+            </a:r>
+            <a:r>
+              <a:rPr lang="en" altLang="ko-KR" sz="1200" b="0" kern="1200" dirty="0">
+                <a:solidFill>
+                  <a:schemeClr val="tx1"/>
+                </a:solidFill>
+                <a:effectLst/>
+                <a:latin typeface="+mn-lt"/>
+                <a:ea typeface="+mn-ea"/>
+                <a:cs typeface="+mn-cs"/>
+              </a:rPr>
+              <a:t>('span');</a:t>
+            </a:r>
+          </a:p>
+          <a:p>
+            <a:r>
+              <a:rPr lang="en" altLang="ko-KR" sz="1200" b="0" kern="1200" dirty="0" err="1">
+                <a:solidFill>
+                  <a:schemeClr val="tx1"/>
+                </a:solidFill>
+                <a:effectLst/>
+                <a:latin typeface="+mn-lt"/>
+                <a:ea typeface="+mn-ea"/>
+                <a:cs typeface="+mn-cs"/>
+              </a:rPr>
+              <a:t>checkBtn.setAttribute</a:t>
+            </a:r>
+            <a:r>
+              <a:rPr lang="en" altLang="ko-KR" sz="1200" b="0" kern="1200" dirty="0">
+                <a:solidFill>
+                  <a:schemeClr val="tx1"/>
+                </a:solidFill>
+                <a:effectLst/>
+                <a:latin typeface="+mn-lt"/>
+                <a:ea typeface="+mn-ea"/>
+                <a:cs typeface="+mn-cs"/>
+              </a:rPr>
+              <a:t>('class', 'material-icons md-48 </a:t>
+            </a:r>
+            <a:r>
+              <a:rPr lang="en" altLang="ko-KR" sz="1200" b="0" kern="1200" dirty="0" err="1">
+                <a:solidFill>
+                  <a:schemeClr val="tx1"/>
+                </a:solidFill>
+                <a:effectLst/>
+                <a:latin typeface="+mn-lt"/>
+                <a:ea typeface="+mn-ea"/>
+                <a:cs typeface="+mn-cs"/>
+              </a:rPr>
+              <a:t>checkBtn</a:t>
+            </a:r>
+            <a:r>
+              <a:rPr lang="en" altLang="ko-KR" sz="1200" b="0" kern="1200" dirty="0">
+                <a:solidFill>
+                  <a:schemeClr val="tx1"/>
+                </a:solidFill>
+                <a:effectLst/>
+                <a:latin typeface="+mn-lt"/>
+                <a:ea typeface="+mn-ea"/>
+                <a:cs typeface="+mn-cs"/>
+              </a:rPr>
+              <a:t>');</a:t>
+            </a:r>
+          </a:p>
+          <a:p>
+            <a:r>
+              <a:rPr lang="en" altLang="ko-KR" sz="1200" b="0" kern="1200" dirty="0" err="1">
+                <a:solidFill>
+                  <a:schemeClr val="tx1"/>
+                </a:solidFill>
+                <a:effectLst/>
+                <a:latin typeface="+mn-lt"/>
+                <a:ea typeface="+mn-ea"/>
+                <a:cs typeface="+mn-cs"/>
+              </a:rPr>
+              <a:t>checkBtn.innerText</a:t>
+            </a:r>
+            <a:r>
+              <a:rPr lang="en" altLang="ko-KR" sz="1200" b="0" kern="1200" dirty="0">
+                <a:solidFill>
+                  <a:schemeClr val="tx1"/>
+                </a:solidFill>
+                <a:effectLst/>
+                <a:latin typeface="+mn-lt"/>
+                <a:ea typeface="+mn-ea"/>
+                <a:cs typeface="+mn-cs"/>
+              </a:rPr>
+              <a:t> = 'done';</a:t>
+            </a:r>
+          </a:p>
+          <a:p>
+            <a:br>
+              <a:rPr lang="en" altLang="ko-KR" sz="1200" b="0" kern="1200" dirty="0">
+                <a:solidFill>
+                  <a:schemeClr val="tx1"/>
+                </a:solidFill>
+                <a:effectLst/>
+                <a:latin typeface="+mn-lt"/>
+                <a:ea typeface="+mn-ea"/>
+                <a:cs typeface="+mn-cs"/>
+              </a:rPr>
+            </a:br>
+            <a:r>
+              <a:rPr lang="en" altLang="ko-KR" sz="1200" b="0" kern="1200" dirty="0">
+                <a:solidFill>
+                  <a:schemeClr val="tx1"/>
+                </a:solidFill>
+                <a:effectLst/>
+                <a:latin typeface="+mn-lt"/>
+                <a:ea typeface="+mn-ea"/>
+                <a:cs typeface="+mn-cs"/>
+              </a:rPr>
+              <a:t>const </a:t>
+            </a:r>
+            <a:r>
+              <a:rPr lang="en" altLang="ko-KR" sz="1200" b="0" kern="1200" dirty="0" err="1">
+                <a:solidFill>
+                  <a:schemeClr val="tx1"/>
+                </a:solidFill>
+                <a:effectLst/>
+                <a:latin typeface="+mn-lt"/>
+                <a:ea typeface="+mn-ea"/>
+                <a:cs typeface="+mn-cs"/>
+              </a:rPr>
+              <a:t>itemText</a:t>
+            </a:r>
+            <a:r>
+              <a:rPr lang="en" altLang="ko-KR" sz="1200" b="0" kern="1200" dirty="0">
+                <a:solidFill>
+                  <a:schemeClr val="tx1"/>
+                </a:solidFill>
+                <a:effectLst/>
+                <a:latin typeface="+mn-lt"/>
+                <a:ea typeface="+mn-ea"/>
+                <a:cs typeface="+mn-cs"/>
+              </a:rPr>
+              <a:t> = </a:t>
+            </a:r>
+            <a:r>
+              <a:rPr lang="en" altLang="ko-KR" sz="1200" b="0" kern="1200" dirty="0" err="1">
+                <a:solidFill>
+                  <a:schemeClr val="tx1"/>
+                </a:solidFill>
+                <a:effectLst/>
+                <a:latin typeface="+mn-lt"/>
+                <a:ea typeface="+mn-ea"/>
+                <a:cs typeface="+mn-cs"/>
+              </a:rPr>
+              <a:t>document.createElement</a:t>
+            </a:r>
+            <a:r>
+              <a:rPr lang="en" altLang="ko-KR" sz="1200" b="0" kern="1200" dirty="0">
+                <a:solidFill>
+                  <a:schemeClr val="tx1"/>
+                </a:solidFill>
+                <a:effectLst/>
+                <a:latin typeface="+mn-lt"/>
+                <a:ea typeface="+mn-ea"/>
+                <a:cs typeface="+mn-cs"/>
+              </a:rPr>
+              <a:t>('span');</a:t>
+            </a:r>
+          </a:p>
+          <a:p>
+            <a:r>
+              <a:rPr lang="en" altLang="ko-KR" sz="1200" b="0" kern="1200" dirty="0" err="1">
+                <a:solidFill>
+                  <a:schemeClr val="tx1"/>
+                </a:solidFill>
+                <a:effectLst/>
+                <a:latin typeface="+mn-lt"/>
+                <a:ea typeface="+mn-ea"/>
+                <a:cs typeface="+mn-cs"/>
+              </a:rPr>
+              <a:t>itemText.setAttribute</a:t>
+            </a:r>
+            <a:r>
+              <a:rPr lang="en" altLang="ko-KR" sz="1200" b="0" kern="1200" dirty="0">
+                <a:solidFill>
+                  <a:schemeClr val="tx1"/>
+                </a:solidFill>
+                <a:effectLst/>
+                <a:latin typeface="+mn-lt"/>
+                <a:ea typeface="+mn-ea"/>
+                <a:cs typeface="+mn-cs"/>
+              </a:rPr>
+              <a:t>('class', '</a:t>
+            </a:r>
+            <a:r>
+              <a:rPr lang="en" altLang="ko-KR" sz="1200" b="0" kern="1200" dirty="0" err="1">
+                <a:solidFill>
+                  <a:schemeClr val="tx1"/>
+                </a:solidFill>
+                <a:effectLst/>
+                <a:latin typeface="+mn-lt"/>
+                <a:ea typeface="+mn-ea"/>
+                <a:cs typeface="+mn-cs"/>
+              </a:rPr>
+              <a:t>itemText</a:t>
+            </a:r>
+            <a:r>
+              <a:rPr lang="en" altLang="ko-KR" sz="1200" b="0" kern="1200" dirty="0">
+                <a:solidFill>
+                  <a:schemeClr val="tx1"/>
+                </a:solidFill>
+                <a:effectLst/>
+                <a:latin typeface="+mn-lt"/>
+                <a:ea typeface="+mn-ea"/>
+                <a:cs typeface="+mn-cs"/>
+              </a:rPr>
+              <a:t>');</a:t>
+            </a:r>
+          </a:p>
+          <a:p>
+            <a:r>
+              <a:rPr lang="en" altLang="ko-KR" sz="1200" b="0" kern="1200" dirty="0" err="1">
+                <a:solidFill>
+                  <a:schemeClr val="tx1"/>
+                </a:solidFill>
+                <a:effectLst/>
+                <a:latin typeface="+mn-lt"/>
+                <a:ea typeface="+mn-ea"/>
+                <a:cs typeface="+mn-cs"/>
+              </a:rPr>
+              <a:t>itemText.innerText</a:t>
+            </a:r>
+            <a:r>
+              <a:rPr lang="en" altLang="ko-KR" sz="1200" b="0" kern="1200" dirty="0">
+                <a:solidFill>
+                  <a:schemeClr val="tx1"/>
+                </a:solidFill>
+                <a:effectLst/>
+                <a:latin typeface="+mn-lt"/>
+                <a:ea typeface="+mn-ea"/>
+                <a:cs typeface="+mn-cs"/>
+              </a:rPr>
+              <a:t> = </a:t>
+            </a:r>
+            <a:r>
+              <a:rPr lang="en" altLang="ko-KR" sz="1200" b="0" kern="1200" dirty="0" err="1">
+                <a:solidFill>
+                  <a:schemeClr val="tx1"/>
+                </a:solidFill>
+                <a:effectLst/>
+                <a:latin typeface="+mn-lt"/>
+                <a:ea typeface="+mn-ea"/>
+                <a:cs typeface="+mn-cs"/>
+              </a:rPr>
+              <a:t>getText</a:t>
+            </a:r>
+            <a:r>
+              <a:rPr lang="en" altLang="ko-KR" sz="1200" b="0" kern="1200" dirty="0">
+                <a:solidFill>
+                  <a:schemeClr val="tx1"/>
+                </a:solidFill>
+                <a:effectLst/>
+                <a:latin typeface="+mn-lt"/>
+                <a:ea typeface="+mn-ea"/>
+                <a:cs typeface="+mn-cs"/>
+              </a:rPr>
+              <a:t>;</a:t>
+            </a:r>
+          </a:p>
+          <a:p>
+            <a:br>
+              <a:rPr lang="en" altLang="ko-KR" sz="1200" b="0" kern="1200" dirty="0">
+                <a:solidFill>
+                  <a:schemeClr val="tx1"/>
+                </a:solidFill>
+                <a:effectLst/>
+                <a:latin typeface="+mn-lt"/>
+                <a:ea typeface="+mn-ea"/>
+                <a:cs typeface="+mn-cs"/>
+              </a:rPr>
+            </a:br>
+            <a:r>
+              <a:rPr lang="en" altLang="ko-KR" sz="1200" b="0" kern="1200" dirty="0">
+                <a:solidFill>
+                  <a:schemeClr val="tx1"/>
+                </a:solidFill>
+                <a:effectLst/>
+                <a:latin typeface="+mn-lt"/>
+                <a:ea typeface="+mn-ea"/>
+                <a:cs typeface="+mn-cs"/>
+              </a:rPr>
+              <a:t>const </a:t>
+            </a:r>
+            <a:r>
+              <a:rPr lang="en" altLang="ko-KR" sz="1200" b="0" kern="1200" dirty="0" err="1">
+                <a:solidFill>
+                  <a:schemeClr val="tx1"/>
+                </a:solidFill>
+                <a:effectLst/>
+                <a:latin typeface="+mn-lt"/>
+                <a:ea typeface="+mn-ea"/>
+                <a:cs typeface="+mn-cs"/>
+              </a:rPr>
+              <a:t>delBtn</a:t>
+            </a:r>
+            <a:r>
+              <a:rPr lang="en" altLang="ko-KR" sz="1200" b="0" kern="1200" dirty="0">
+                <a:solidFill>
+                  <a:schemeClr val="tx1"/>
+                </a:solidFill>
+                <a:effectLst/>
+                <a:latin typeface="+mn-lt"/>
+                <a:ea typeface="+mn-ea"/>
+                <a:cs typeface="+mn-cs"/>
+              </a:rPr>
+              <a:t> = </a:t>
+            </a:r>
+            <a:r>
+              <a:rPr lang="en" altLang="ko-KR" sz="1200" b="0" kern="1200" dirty="0" err="1">
+                <a:solidFill>
+                  <a:schemeClr val="tx1"/>
+                </a:solidFill>
+                <a:effectLst/>
+                <a:latin typeface="+mn-lt"/>
+                <a:ea typeface="+mn-ea"/>
+                <a:cs typeface="+mn-cs"/>
+              </a:rPr>
+              <a:t>document.createElement</a:t>
+            </a:r>
+            <a:r>
+              <a:rPr lang="en" altLang="ko-KR" sz="1200" b="0" kern="1200" dirty="0">
+                <a:solidFill>
+                  <a:schemeClr val="tx1"/>
+                </a:solidFill>
+                <a:effectLst/>
+                <a:latin typeface="+mn-lt"/>
+                <a:ea typeface="+mn-ea"/>
+                <a:cs typeface="+mn-cs"/>
+              </a:rPr>
+              <a:t>('span');</a:t>
+            </a:r>
+          </a:p>
+          <a:p>
+            <a:r>
+              <a:rPr lang="en" altLang="ko-KR" sz="1200" b="0" kern="1200" dirty="0" err="1">
+                <a:solidFill>
+                  <a:schemeClr val="tx1"/>
+                </a:solidFill>
+                <a:effectLst/>
+                <a:latin typeface="+mn-lt"/>
+                <a:ea typeface="+mn-ea"/>
+                <a:cs typeface="+mn-cs"/>
+              </a:rPr>
+              <a:t>delBtn.setAttribute</a:t>
+            </a:r>
+            <a:r>
+              <a:rPr lang="en" altLang="ko-KR" sz="1200" b="0" kern="1200" dirty="0">
+                <a:solidFill>
+                  <a:schemeClr val="tx1"/>
+                </a:solidFill>
+                <a:effectLst/>
+                <a:latin typeface="+mn-lt"/>
+                <a:ea typeface="+mn-ea"/>
+                <a:cs typeface="+mn-cs"/>
+              </a:rPr>
+              <a:t>('class', 'material-icons md-48 </a:t>
+            </a:r>
+            <a:r>
+              <a:rPr lang="en" altLang="ko-KR" sz="1200" b="0" kern="1200" dirty="0" err="1">
+                <a:solidFill>
+                  <a:schemeClr val="tx1"/>
+                </a:solidFill>
+                <a:effectLst/>
+                <a:latin typeface="+mn-lt"/>
+                <a:ea typeface="+mn-ea"/>
+                <a:cs typeface="+mn-cs"/>
+              </a:rPr>
+              <a:t>delBtn</a:t>
+            </a:r>
+            <a:r>
+              <a:rPr lang="en" altLang="ko-KR" sz="1200" b="0" kern="1200" dirty="0">
+                <a:solidFill>
+                  <a:schemeClr val="tx1"/>
+                </a:solidFill>
+                <a:effectLst/>
+                <a:latin typeface="+mn-lt"/>
+                <a:ea typeface="+mn-ea"/>
+                <a:cs typeface="+mn-cs"/>
+              </a:rPr>
+              <a:t>');</a:t>
+            </a:r>
+          </a:p>
+          <a:p>
+            <a:r>
+              <a:rPr lang="en" altLang="ko-KR" sz="1200" b="0" kern="1200" dirty="0" err="1">
+                <a:solidFill>
+                  <a:schemeClr val="tx1"/>
+                </a:solidFill>
+                <a:effectLst/>
+                <a:latin typeface="+mn-lt"/>
+                <a:ea typeface="+mn-ea"/>
+                <a:cs typeface="+mn-cs"/>
+              </a:rPr>
+              <a:t>delBtn.innerText</a:t>
+            </a:r>
+            <a:r>
+              <a:rPr lang="en" altLang="ko-KR" sz="1200" b="0" kern="1200" dirty="0">
+                <a:solidFill>
+                  <a:schemeClr val="tx1"/>
+                </a:solidFill>
+                <a:effectLst/>
+                <a:latin typeface="+mn-lt"/>
+                <a:ea typeface="+mn-ea"/>
+                <a:cs typeface="+mn-cs"/>
+              </a:rPr>
+              <a:t> = 'delete';</a:t>
+            </a:r>
+          </a:p>
+          <a:p>
+            <a:br>
+              <a:rPr lang="en" altLang="ko-KR" sz="1200" b="0" kern="1200" dirty="0">
+                <a:solidFill>
+                  <a:schemeClr val="tx1"/>
+                </a:solidFill>
+                <a:effectLst/>
+                <a:latin typeface="+mn-lt"/>
+                <a:ea typeface="+mn-ea"/>
+                <a:cs typeface="+mn-cs"/>
+              </a:rPr>
+            </a:br>
+            <a:r>
+              <a:rPr lang="en" altLang="ko-KR" sz="1200" b="0" kern="1200" dirty="0" err="1">
+                <a:solidFill>
+                  <a:schemeClr val="tx1"/>
+                </a:solidFill>
+                <a:effectLst/>
+                <a:latin typeface="+mn-lt"/>
+                <a:ea typeface="+mn-ea"/>
+                <a:cs typeface="+mn-cs"/>
+              </a:rPr>
+              <a:t>delBtn.addEventListener</a:t>
+            </a:r>
+            <a:r>
+              <a:rPr lang="en" altLang="ko-KR" sz="1200" b="0" kern="1200" dirty="0">
+                <a:solidFill>
+                  <a:schemeClr val="tx1"/>
+                </a:solidFill>
+                <a:effectLst/>
+                <a:latin typeface="+mn-lt"/>
+                <a:ea typeface="+mn-ea"/>
+                <a:cs typeface="+mn-cs"/>
+              </a:rPr>
+              <a:t>('click', () =&gt; {</a:t>
+            </a:r>
+          </a:p>
+          <a:p>
+            <a:r>
+              <a:rPr lang="en" altLang="ko-KR" sz="1200" b="0" kern="1200" dirty="0" err="1">
+                <a:solidFill>
+                  <a:schemeClr val="tx1"/>
+                </a:solidFill>
+                <a:effectLst/>
+                <a:latin typeface="+mn-lt"/>
+                <a:ea typeface="+mn-ea"/>
+                <a:cs typeface="+mn-cs"/>
+              </a:rPr>
+              <a:t>itemList.removeChild</a:t>
+            </a:r>
+            <a:r>
+              <a:rPr lang="en" altLang="ko-KR" sz="1200" b="0" kern="1200" dirty="0">
+                <a:solidFill>
+                  <a:schemeClr val="tx1"/>
+                </a:solidFill>
+                <a:effectLst/>
+                <a:latin typeface="+mn-lt"/>
+                <a:ea typeface="+mn-ea"/>
+                <a:cs typeface="+mn-cs"/>
+              </a:rPr>
+              <a:t>(</a:t>
+            </a:r>
+            <a:r>
+              <a:rPr lang="en" altLang="ko-KR" sz="1200" b="0" kern="1200" dirty="0" err="1">
+                <a:solidFill>
+                  <a:schemeClr val="tx1"/>
+                </a:solidFill>
+                <a:effectLst/>
+                <a:latin typeface="+mn-lt"/>
+                <a:ea typeface="+mn-ea"/>
+                <a:cs typeface="+mn-cs"/>
+              </a:rPr>
+              <a:t>itemWrap</a:t>
+            </a:r>
+            <a:r>
+              <a:rPr lang="en" altLang="ko-KR" sz="1200" b="0" kern="1200" dirty="0">
+                <a:solidFill>
+                  <a:schemeClr val="tx1"/>
+                </a:solidFill>
+                <a:effectLst/>
+                <a:latin typeface="+mn-lt"/>
+                <a:ea typeface="+mn-ea"/>
+                <a:cs typeface="+mn-cs"/>
+              </a:rPr>
+              <a:t>);</a:t>
+            </a:r>
+          </a:p>
+          <a:p>
+            <a:r>
+              <a:rPr lang="en" altLang="ko-KR" sz="1200" b="0" kern="1200" dirty="0">
+                <a:solidFill>
+                  <a:schemeClr val="tx1"/>
+                </a:solidFill>
+                <a:effectLst/>
+                <a:latin typeface="+mn-lt"/>
+                <a:ea typeface="+mn-ea"/>
+                <a:cs typeface="+mn-cs"/>
+              </a:rPr>
+              <a:t>})</a:t>
+            </a:r>
+          </a:p>
+          <a:p>
+            <a:br>
+              <a:rPr lang="en" altLang="ko-KR" sz="1200" b="0" kern="1200" dirty="0">
+                <a:solidFill>
+                  <a:schemeClr val="tx1"/>
+                </a:solidFill>
+                <a:effectLst/>
+                <a:latin typeface="+mn-lt"/>
+                <a:ea typeface="+mn-ea"/>
+                <a:cs typeface="+mn-cs"/>
+              </a:rPr>
+            </a:br>
+            <a:r>
+              <a:rPr lang="en" altLang="ko-KR" sz="1200" b="0" kern="1200" dirty="0" err="1">
+                <a:solidFill>
+                  <a:schemeClr val="tx1"/>
+                </a:solidFill>
+                <a:effectLst/>
+                <a:latin typeface="+mn-lt"/>
+                <a:ea typeface="+mn-ea"/>
+                <a:cs typeface="+mn-cs"/>
+              </a:rPr>
+              <a:t>itemWrap.appendChild</a:t>
+            </a:r>
+            <a:r>
+              <a:rPr lang="en" altLang="ko-KR" sz="1200" b="0" kern="1200" dirty="0">
+                <a:solidFill>
+                  <a:schemeClr val="tx1"/>
+                </a:solidFill>
+                <a:effectLst/>
+                <a:latin typeface="+mn-lt"/>
+                <a:ea typeface="+mn-ea"/>
+                <a:cs typeface="+mn-cs"/>
+              </a:rPr>
+              <a:t>(</a:t>
+            </a:r>
+            <a:r>
+              <a:rPr lang="en" altLang="ko-KR" sz="1200" b="0" kern="1200" dirty="0" err="1">
+                <a:solidFill>
+                  <a:schemeClr val="tx1"/>
+                </a:solidFill>
+                <a:effectLst/>
+                <a:latin typeface="+mn-lt"/>
+                <a:ea typeface="+mn-ea"/>
+                <a:cs typeface="+mn-cs"/>
+              </a:rPr>
+              <a:t>checkBtn</a:t>
+            </a:r>
+            <a:r>
+              <a:rPr lang="en" altLang="ko-KR" sz="1200" b="0" kern="1200" dirty="0">
+                <a:solidFill>
+                  <a:schemeClr val="tx1"/>
+                </a:solidFill>
+                <a:effectLst/>
+                <a:latin typeface="+mn-lt"/>
+                <a:ea typeface="+mn-ea"/>
+                <a:cs typeface="+mn-cs"/>
+              </a:rPr>
+              <a:t>);</a:t>
+            </a:r>
+          </a:p>
+          <a:p>
+            <a:r>
+              <a:rPr lang="en" altLang="ko-KR" sz="1200" b="0" kern="1200" dirty="0" err="1">
+                <a:solidFill>
+                  <a:schemeClr val="tx1"/>
+                </a:solidFill>
+                <a:effectLst/>
+                <a:latin typeface="+mn-lt"/>
+                <a:ea typeface="+mn-ea"/>
+                <a:cs typeface="+mn-cs"/>
+              </a:rPr>
+              <a:t>itemWrap.appendChild</a:t>
+            </a:r>
+            <a:r>
+              <a:rPr lang="en" altLang="ko-KR" sz="1200" b="0" kern="1200" dirty="0">
+                <a:solidFill>
+                  <a:schemeClr val="tx1"/>
+                </a:solidFill>
+                <a:effectLst/>
+                <a:latin typeface="+mn-lt"/>
+                <a:ea typeface="+mn-ea"/>
+                <a:cs typeface="+mn-cs"/>
+              </a:rPr>
+              <a:t>(</a:t>
+            </a:r>
+            <a:r>
+              <a:rPr lang="en" altLang="ko-KR" sz="1200" b="0" kern="1200" dirty="0" err="1">
+                <a:solidFill>
+                  <a:schemeClr val="tx1"/>
+                </a:solidFill>
+                <a:effectLst/>
+                <a:latin typeface="+mn-lt"/>
+                <a:ea typeface="+mn-ea"/>
+                <a:cs typeface="+mn-cs"/>
+              </a:rPr>
+              <a:t>itemText</a:t>
+            </a:r>
+            <a:r>
+              <a:rPr lang="en" altLang="ko-KR" sz="1200" b="0" kern="1200" dirty="0">
+                <a:solidFill>
+                  <a:schemeClr val="tx1"/>
+                </a:solidFill>
+                <a:effectLst/>
+                <a:latin typeface="+mn-lt"/>
+                <a:ea typeface="+mn-ea"/>
+                <a:cs typeface="+mn-cs"/>
+              </a:rPr>
+              <a:t>);</a:t>
+            </a:r>
+          </a:p>
+          <a:p>
+            <a:r>
+              <a:rPr lang="en" altLang="ko-KR" sz="1200" b="0" kern="1200" dirty="0" err="1">
+                <a:solidFill>
+                  <a:schemeClr val="tx1"/>
+                </a:solidFill>
+                <a:effectLst/>
+                <a:latin typeface="+mn-lt"/>
+                <a:ea typeface="+mn-ea"/>
+                <a:cs typeface="+mn-cs"/>
+              </a:rPr>
+              <a:t>itemWrap.appendChild</a:t>
+            </a:r>
+            <a:r>
+              <a:rPr lang="en" altLang="ko-KR" sz="1200" b="0" kern="1200" dirty="0">
+                <a:solidFill>
+                  <a:schemeClr val="tx1"/>
+                </a:solidFill>
+                <a:effectLst/>
+                <a:latin typeface="+mn-lt"/>
+                <a:ea typeface="+mn-ea"/>
+                <a:cs typeface="+mn-cs"/>
+              </a:rPr>
+              <a:t>(</a:t>
+            </a:r>
+            <a:r>
+              <a:rPr lang="en" altLang="ko-KR" sz="1200" b="0" kern="1200" dirty="0" err="1">
+                <a:solidFill>
+                  <a:schemeClr val="tx1"/>
+                </a:solidFill>
+                <a:effectLst/>
+                <a:latin typeface="+mn-lt"/>
+                <a:ea typeface="+mn-ea"/>
+                <a:cs typeface="+mn-cs"/>
+              </a:rPr>
+              <a:t>delBtn</a:t>
+            </a:r>
+            <a:r>
+              <a:rPr lang="en" altLang="ko-KR" sz="1200" b="0" kern="1200" dirty="0">
+                <a:solidFill>
+                  <a:schemeClr val="tx1"/>
+                </a:solidFill>
+                <a:effectLst/>
+                <a:latin typeface="+mn-lt"/>
+                <a:ea typeface="+mn-ea"/>
+                <a:cs typeface="+mn-cs"/>
+              </a:rPr>
+              <a:t>);</a:t>
+            </a:r>
+          </a:p>
+          <a:p>
+            <a:br>
+              <a:rPr lang="en" altLang="ko-KR" sz="1200" b="0" kern="1200" dirty="0">
+                <a:solidFill>
+                  <a:schemeClr val="tx1"/>
+                </a:solidFill>
+                <a:effectLst/>
+                <a:latin typeface="+mn-lt"/>
+                <a:ea typeface="+mn-ea"/>
+                <a:cs typeface="+mn-cs"/>
+              </a:rPr>
+            </a:br>
+            <a:br>
+              <a:rPr lang="en" altLang="ko-KR" sz="1200" b="0" kern="1200" dirty="0">
+                <a:solidFill>
+                  <a:schemeClr val="tx1"/>
+                </a:solidFill>
+                <a:effectLst/>
+                <a:latin typeface="+mn-lt"/>
+                <a:ea typeface="+mn-ea"/>
+                <a:cs typeface="+mn-cs"/>
+              </a:rPr>
+            </a:br>
+            <a:r>
+              <a:rPr lang="en" altLang="ko-KR" sz="1200" b="0" kern="1200" dirty="0">
+                <a:solidFill>
+                  <a:schemeClr val="tx1"/>
+                </a:solidFill>
+                <a:effectLst/>
+                <a:latin typeface="+mn-lt"/>
+                <a:ea typeface="+mn-ea"/>
+                <a:cs typeface="+mn-cs"/>
+              </a:rPr>
+              <a:t>// </a:t>
+            </a:r>
+            <a:r>
+              <a:rPr lang="ko-KR" altLang="en-US" sz="1200" b="0" kern="1200" dirty="0">
+                <a:solidFill>
+                  <a:schemeClr val="tx1"/>
+                </a:solidFill>
+                <a:effectLst/>
+                <a:latin typeface="+mn-lt"/>
+                <a:ea typeface="+mn-ea"/>
+                <a:cs typeface="+mn-cs"/>
+              </a:rPr>
+              <a:t>생성한 아이템을 부모 </a:t>
+            </a:r>
+            <a:r>
+              <a:rPr lang="ko-KR" altLang="en-US" sz="1200" b="0" kern="1200" dirty="0" err="1">
+                <a:solidFill>
+                  <a:schemeClr val="tx1"/>
+                </a:solidFill>
+                <a:effectLst/>
+                <a:latin typeface="+mn-lt"/>
+                <a:ea typeface="+mn-ea"/>
+                <a:cs typeface="+mn-cs"/>
+              </a:rPr>
+              <a:t>리스트뷰에</a:t>
+            </a:r>
+            <a:r>
+              <a:rPr lang="ko-KR" altLang="en-US" sz="1200" b="0" kern="1200" dirty="0">
+                <a:solidFill>
+                  <a:schemeClr val="tx1"/>
+                </a:solidFill>
+                <a:effectLst/>
+                <a:latin typeface="+mn-lt"/>
+                <a:ea typeface="+mn-ea"/>
+                <a:cs typeface="+mn-cs"/>
+              </a:rPr>
+              <a:t> 넣는다</a:t>
+            </a:r>
+            <a:r>
+              <a:rPr lang="en-US" altLang="ko-KR" sz="1200" b="0" kern="1200" dirty="0">
+                <a:solidFill>
+                  <a:schemeClr val="tx1"/>
+                </a:solidFill>
+                <a:effectLst/>
+                <a:latin typeface="+mn-lt"/>
+                <a:ea typeface="+mn-ea"/>
+                <a:cs typeface="+mn-cs"/>
+              </a:rPr>
+              <a:t>.</a:t>
+            </a:r>
+            <a:endParaRPr lang="ko-KR" altLang="en-US" sz="1200" b="0" kern="1200" dirty="0">
+              <a:solidFill>
+                <a:schemeClr val="tx1"/>
+              </a:solidFill>
+              <a:effectLst/>
+              <a:latin typeface="+mn-lt"/>
+              <a:ea typeface="+mn-ea"/>
+              <a:cs typeface="+mn-cs"/>
+            </a:endParaRPr>
+          </a:p>
+          <a:p>
+            <a:r>
+              <a:rPr lang="en" altLang="ko-KR" sz="1200" b="0" kern="1200" dirty="0" err="1">
+                <a:solidFill>
+                  <a:schemeClr val="tx1"/>
+                </a:solidFill>
+                <a:effectLst/>
+                <a:latin typeface="+mn-lt"/>
+                <a:ea typeface="+mn-ea"/>
+                <a:cs typeface="+mn-cs"/>
+              </a:rPr>
+              <a:t>itemList.appendChild</a:t>
+            </a:r>
+            <a:r>
+              <a:rPr lang="en" altLang="ko-KR" sz="1200" b="0" kern="1200" dirty="0">
+                <a:solidFill>
+                  <a:schemeClr val="tx1"/>
+                </a:solidFill>
+                <a:effectLst/>
+                <a:latin typeface="+mn-lt"/>
+                <a:ea typeface="+mn-ea"/>
+                <a:cs typeface="+mn-cs"/>
+              </a:rPr>
+              <a:t>(</a:t>
+            </a:r>
+            <a:r>
+              <a:rPr lang="en" altLang="ko-KR" sz="1200" b="0" kern="1200" dirty="0" err="1">
+                <a:solidFill>
+                  <a:schemeClr val="tx1"/>
+                </a:solidFill>
+                <a:effectLst/>
+                <a:latin typeface="+mn-lt"/>
+                <a:ea typeface="+mn-ea"/>
+                <a:cs typeface="+mn-cs"/>
+              </a:rPr>
+              <a:t>itemWrap</a:t>
+            </a:r>
+            <a:r>
+              <a:rPr lang="en" altLang="ko-KR" sz="1200" b="0" kern="1200" dirty="0">
+                <a:solidFill>
+                  <a:schemeClr val="tx1"/>
+                </a:solidFill>
+                <a:effectLst/>
+                <a:latin typeface="+mn-lt"/>
+                <a:ea typeface="+mn-ea"/>
+                <a:cs typeface="+mn-cs"/>
+              </a:rPr>
+              <a:t>);</a:t>
+            </a:r>
+          </a:p>
+          <a:p>
+            <a:br>
+              <a:rPr lang="en" altLang="ko-KR" sz="1200" b="0" kern="1200" dirty="0">
+                <a:solidFill>
+                  <a:schemeClr val="tx1"/>
+                </a:solidFill>
+                <a:effectLst/>
+                <a:latin typeface="+mn-lt"/>
+                <a:ea typeface="+mn-ea"/>
+                <a:cs typeface="+mn-cs"/>
+              </a:rPr>
+            </a:br>
+            <a:r>
+              <a:rPr lang="en" altLang="ko-KR" sz="1200" b="0" kern="1200" dirty="0">
+                <a:solidFill>
+                  <a:schemeClr val="tx1"/>
+                </a:solidFill>
+                <a:effectLst/>
+                <a:latin typeface="+mn-lt"/>
+                <a:ea typeface="+mn-ea"/>
+                <a:cs typeface="+mn-cs"/>
+              </a:rPr>
+              <a:t>// </a:t>
+            </a:r>
+            <a:r>
+              <a:rPr lang="ko-KR" altLang="en-US" sz="1200" b="0" kern="1200" dirty="0" err="1">
+                <a:solidFill>
+                  <a:schemeClr val="tx1"/>
+                </a:solidFill>
+                <a:effectLst/>
+                <a:latin typeface="+mn-lt"/>
+                <a:ea typeface="+mn-ea"/>
+                <a:cs typeface="+mn-cs"/>
+              </a:rPr>
+              <a:t>스크롤링</a:t>
+            </a:r>
+            <a:endParaRPr lang="ko-KR" altLang="en-US" sz="1200" b="0" kern="1200" dirty="0">
+              <a:solidFill>
+                <a:schemeClr val="tx1"/>
+              </a:solidFill>
+              <a:effectLst/>
+              <a:latin typeface="+mn-lt"/>
+              <a:ea typeface="+mn-ea"/>
+              <a:cs typeface="+mn-cs"/>
+            </a:endParaRPr>
+          </a:p>
+          <a:p>
+            <a:r>
+              <a:rPr lang="en" altLang="ko-KR" sz="1200" b="0" kern="1200" dirty="0" err="1">
+                <a:solidFill>
+                  <a:schemeClr val="tx1"/>
+                </a:solidFill>
+                <a:effectLst/>
+                <a:latin typeface="+mn-lt"/>
+                <a:ea typeface="+mn-ea"/>
+                <a:cs typeface="+mn-cs"/>
+              </a:rPr>
+              <a:t>itemList.scrollIntoView</a:t>
+            </a:r>
+            <a:r>
+              <a:rPr lang="en" altLang="ko-KR" sz="1200" b="0" kern="1200" dirty="0">
+                <a:solidFill>
+                  <a:schemeClr val="tx1"/>
+                </a:solidFill>
+                <a:effectLst/>
+                <a:latin typeface="+mn-lt"/>
+                <a:ea typeface="+mn-ea"/>
+                <a:cs typeface="+mn-cs"/>
+              </a:rPr>
+              <a:t>({ block: 'end' });</a:t>
+            </a:r>
+          </a:p>
+          <a:p>
+            <a:br>
+              <a:rPr lang="en" altLang="ko-KR" sz="1200" b="0" kern="1200" dirty="0">
+                <a:solidFill>
+                  <a:schemeClr val="tx1"/>
+                </a:solidFill>
+                <a:effectLst/>
+                <a:latin typeface="+mn-lt"/>
+                <a:ea typeface="+mn-ea"/>
+                <a:cs typeface="+mn-cs"/>
+              </a:rPr>
+            </a:br>
+            <a:r>
+              <a:rPr lang="en" altLang="ko-KR" sz="1200" b="0" kern="1200" dirty="0" err="1">
+                <a:solidFill>
+                  <a:schemeClr val="tx1"/>
+                </a:solidFill>
+                <a:effectLst/>
+                <a:latin typeface="+mn-lt"/>
+                <a:ea typeface="+mn-ea"/>
+                <a:cs typeface="+mn-cs"/>
+              </a:rPr>
+              <a:t>enterText.value</a:t>
+            </a:r>
+            <a:r>
+              <a:rPr lang="en" altLang="ko-KR" sz="1200" b="0" kern="1200" dirty="0">
+                <a:solidFill>
+                  <a:schemeClr val="tx1"/>
+                </a:solidFill>
+                <a:effectLst/>
+                <a:latin typeface="+mn-lt"/>
+                <a:ea typeface="+mn-ea"/>
+                <a:cs typeface="+mn-cs"/>
+              </a:rPr>
+              <a:t> = '';</a:t>
+            </a:r>
+          </a:p>
+          <a:p>
+            <a:r>
+              <a:rPr lang="en" altLang="ko-KR" sz="1200" b="0" kern="1200" dirty="0" err="1">
+                <a:solidFill>
+                  <a:schemeClr val="tx1"/>
+                </a:solidFill>
+                <a:effectLst/>
+                <a:latin typeface="+mn-lt"/>
+                <a:ea typeface="+mn-ea"/>
+                <a:cs typeface="+mn-cs"/>
+              </a:rPr>
+              <a:t>enterText.focus</a:t>
+            </a:r>
+            <a:r>
+              <a:rPr lang="en" altLang="ko-KR" sz="1200" b="0" kern="1200" dirty="0">
+                <a:solidFill>
+                  <a:schemeClr val="tx1"/>
+                </a:solidFill>
+                <a:effectLst/>
+                <a:latin typeface="+mn-lt"/>
+                <a:ea typeface="+mn-ea"/>
+                <a:cs typeface="+mn-cs"/>
+              </a:rPr>
+              <a:t>();</a:t>
+            </a:r>
+          </a:p>
+          <a:p>
+            <a:r>
+              <a:rPr lang="en" altLang="ko-KR" sz="1200" b="0" kern="1200" dirty="0">
+                <a:solidFill>
+                  <a:schemeClr val="tx1"/>
+                </a:solidFill>
+                <a:effectLst/>
+                <a:latin typeface="+mn-lt"/>
+                <a:ea typeface="+mn-ea"/>
+                <a:cs typeface="+mn-cs"/>
+              </a:rPr>
+              <a:t>}</a:t>
+            </a:r>
+          </a:p>
+          <a:p>
+            <a:br>
+              <a:rPr lang="en" altLang="ko-KR" sz="1200" b="0" kern="1200" dirty="0">
+                <a:solidFill>
+                  <a:schemeClr val="tx1"/>
+                </a:solidFill>
+                <a:effectLst/>
+                <a:latin typeface="+mn-lt"/>
+                <a:ea typeface="+mn-ea"/>
+                <a:cs typeface="+mn-cs"/>
+              </a:rPr>
+            </a:br>
+            <a:endParaRPr lang="en" altLang="ko-KR" sz="1200" b="0" kern="1200" dirty="0">
+              <a:solidFill>
+                <a:schemeClr val="tx1"/>
+              </a:solidFill>
+              <a:effectLst/>
+              <a:latin typeface="+mn-lt"/>
+              <a:ea typeface="+mn-ea"/>
+              <a:cs typeface="+mn-cs"/>
+            </a:endParaRPr>
+          </a:p>
+        </p:txBody>
+      </p:sp>
+      <p:sp>
+        <p:nvSpPr>
+          <p:cNvPr id="4" name="슬라이드 번호 개체 틀 3"/>
+          <p:cNvSpPr>
+            <a:spLocks noGrp="1"/>
+          </p:cNvSpPr>
+          <p:nvPr>
+            <p:ph type="sldNum" sz="quarter" idx="5"/>
+          </p:nvPr>
+        </p:nvSpPr>
+        <p:spPr/>
+        <p:txBody>
+          <a:bodyPr/>
+          <a:lstStyle/>
+          <a:p>
+            <a:fld id="{1EFA6CA5-1AB8-7840-86E1-8A38211DD311}" type="slidenum">
+              <a:rPr kumimoji="1" lang="ko-Kore-KR" altLang="en-US" smtClean="0"/>
+              <a:t>12</a:t>
             </a:fld>
             <a:endParaRPr kumimoji="1" lang="ko-Kore-KR" altLang="en-US"/>
           </a:p>
@@ -7501,7 +9215,7 @@
     </p:spTree>
     <p:extLst>
       <p:ext uri="{BB962C8B-B14F-4D97-AF65-F5344CB8AC3E}">
-        <p14:creationId xmlns:p14="http://schemas.microsoft.com/office/powerpoint/2010/main" val="4130102791"/>
+        <p14:creationId xmlns:p14="http://schemas.microsoft.com/office/powerpoint/2010/main" val="3434760779"/>
       </p:ext>
     </p:extLst>
   </p:cSld>
@@ -10627,6 +12341,279 @@
       </p:grpSpPr>
       <p:sp>
         <p:nvSpPr>
+          <p:cNvPr id="2" name="슬라이드 번호 개체 틀 1">
+            <a:extLst>
+              <a:ext uri="{FF2B5EF4-FFF2-40B4-BE49-F238E27FC236}">
+                <a16:creationId xmlns:a16="http://schemas.microsoft.com/office/drawing/2014/main" id="{592219FC-0501-8348-A9D0-91500037BFA7}"/>
+              </a:ext>
+            </a:extLst>
+          </p:cNvPr>
+          <p:cNvSpPr>
+            <a:spLocks noGrp="1"/>
+          </p:cNvSpPr>
+          <p:nvPr>
+            <p:ph type="sldNum" sz="quarter" idx="12"/>
+          </p:nvPr>
+        </p:nvSpPr>
+        <p:spPr/>
+        <p:txBody>
+          <a:bodyPr/>
+          <a:lstStyle/>
+          <a:p>
+            <a:fld id="{192C8BCD-5B35-A34A-B22B-B82F0254BA7B}" type="slidenum">
+              <a:rPr kumimoji="1" lang="ko-Kore-KR" altLang="en-US" smtClean="0"/>
+              <a:t>10</a:t>
+            </a:fld>
+            <a:endParaRPr kumimoji="1" lang="ko-Kore-KR" altLang="en-US"/>
+          </a:p>
+        </p:txBody>
+      </p:sp>
+      <p:sp>
+        <p:nvSpPr>
+          <p:cNvPr id="3" name="내용 개체 틀 2">
+            <a:extLst>
+              <a:ext uri="{FF2B5EF4-FFF2-40B4-BE49-F238E27FC236}">
+                <a16:creationId xmlns:a16="http://schemas.microsoft.com/office/drawing/2014/main" id="{C4D11DC3-2C99-6948-936D-52E11BEF9679}"/>
+              </a:ext>
+            </a:extLst>
+          </p:cNvPr>
+          <p:cNvSpPr>
+            <a:spLocks noGrp="1"/>
+          </p:cNvSpPr>
+          <p:nvPr>
+            <p:ph sz="quarter" idx="13"/>
+          </p:nvPr>
+        </p:nvSpPr>
+        <p:spPr/>
+        <p:txBody>
+          <a:bodyPr/>
+          <a:lstStyle/>
+          <a:p>
+            <a:r>
+              <a:rPr kumimoji="1" lang="en-US" altLang="ko-KR" dirty="0"/>
+              <a:t>01</a:t>
+            </a:r>
+            <a:endParaRPr kumimoji="1" lang="ko-Kore-KR" altLang="en-US" dirty="0"/>
+          </a:p>
+        </p:txBody>
+      </p:sp>
+      <p:sp>
+        <p:nvSpPr>
+          <p:cNvPr id="4" name="내용 개체 틀 3">
+            <a:extLst>
+              <a:ext uri="{FF2B5EF4-FFF2-40B4-BE49-F238E27FC236}">
+                <a16:creationId xmlns:a16="http://schemas.microsoft.com/office/drawing/2014/main" id="{BB78D4FB-5455-0C4E-AA57-4CEDC9D5454B}"/>
+              </a:ext>
+            </a:extLst>
+          </p:cNvPr>
+          <p:cNvSpPr>
+            <a:spLocks noGrp="1"/>
+          </p:cNvSpPr>
+          <p:nvPr>
+            <p:ph sz="quarter" idx="14"/>
+          </p:nvPr>
+        </p:nvSpPr>
+        <p:spPr/>
+        <p:txBody>
+          <a:bodyPr/>
+          <a:lstStyle/>
+          <a:p>
+            <a:r>
+              <a:rPr lang="en-US" altLang="en-US" dirty="0"/>
+              <a:t>DOM</a:t>
+            </a:r>
+            <a:r>
+              <a:rPr lang="ko-KR" altLang="en-US" dirty="0"/>
+              <a:t> 조작 하기</a:t>
+            </a:r>
+            <a:endParaRPr lang="ko-Kore-KR" altLang="en-US" dirty="0"/>
+          </a:p>
+        </p:txBody>
+      </p:sp>
+      <p:sp>
+        <p:nvSpPr>
+          <p:cNvPr id="8" name="TextBox 7">
+            <a:extLst>
+              <a:ext uri="{FF2B5EF4-FFF2-40B4-BE49-F238E27FC236}">
+                <a16:creationId xmlns:a16="http://schemas.microsoft.com/office/drawing/2014/main" id="{2F7BE05E-519D-8348-B91F-D33230268654}"/>
+              </a:ext>
+            </a:extLst>
+          </p:cNvPr>
+          <p:cNvSpPr txBox="1"/>
+          <p:nvPr/>
+        </p:nvSpPr>
+        <p:spPr>
+          <a:xfrm>
+            <a:off x="685799" y="1162879"/>
+            <a:ext cx="2376158" cy="400039"/>
+          </a:xfrm>
+          <a:prstGeom prst="rect">
+            <a:avLst/>
+          </a:prstGeom>
+          <a:noFill/>
+        </p:spPr>
+        <p:txBody>
+          <a:bodyPr wrap="none" lIns="91374" tIns="45685" rIns="91374" bIns="45685" rtlCol="0">
+            <a:spAutoFit/>
+          </a:bodyPr>
+          <a:lstStyle/>
+          <a:p>
+            <a:pPr marL="342900" indent="-342900" defTabSz="912813" fontAlgn="base">
+              <a:spcBef>
+                <a:spcPts val="600"/>
+              </a:spcBef>
+              <a:spcAft>
+                <a:spcPct val="0"/>
+              </a:spcAft>
+              <a:buFont typeface="Arial" panose="020B0604020202020204" pitchFamily="34" charset="0"/>
+              <a:buChar char="•"/>
+            </a:pPr>
+            <a:r>
+              <a:rPr kumimoji="1" lang="en-US" altLang="ko-KR" sz="2000" b="1" dirty="0">
+                <a:ln>
+                  <a:solidFill>
+                    <a:schemeClr val="bg1">
+                      <a:lumMod val="85000"/>
+                      <a:alpha val="0"/>
+                    </a:schemeClr>
+                  </a:solidFill>
+                </a:ln>
+                <a:solidFill>
+                  <a:schemeClr val="bg1"/>
+                </a:solidFill>
+                <a:latin typeface="+mn-ea"/>
+                <a:cs typeface="Arial" panose="020B0604020202020204" pitchFamily="34" charset="0"/>
+              </a:rPr>
+              <a:t>Browser</a:t>
+            </a:r>
+            <a:r>
+              <a:rPr kumimoji="1" lang="ko-KR" altLang="en-US" sz="2000" b="1" dirty="0">
+                <a:ln>
+                  <a:solidFill>
+                    <a:schemeClr val="bg1">
+                      <a:lumMod val="85000"/>
+                      <a:alpha val="0"/>
+                    </a:schemeClr>
+                  </a:solidFill>
+                </a:ln>
+                <a:solidFill>
+                  <a:schemeClr val="bg1"/>
+                </a:solidFill>
+                <a:latin typeface="+mn-ea"/>
+                <a:cs typeface="Arial" panose="020B0604020202020204" pitchFamily="34" charset="0"/>
+              </a:rPr>
+              <a:t> 디버깅</a:t>
+            </a:r>
+            <a:endParaRPr kumimoji="1" lang="en-US" altLang="ko-KR" sz="2000" b="1" dirty="0">
+              <a:ln>
+                <a:solidFill>
+                  <a:schemeClr val="bg1">
+                    <a:lumMod val="85000"/>
+                    <a:alpha val="0"/>
+                  </a:schemeClr>
+                </a:solidFill>
+              </a:ln>
+              <a:solidFill>
+                <a:schemeClr val="bg1"/>
+              </a:solidFill>
+              <a:latin typeface="+mn-ea"/>
+              <a:cs typeface="Arial" panose="020B0604020202020204" pitchFamily="34" charset="0"/>
+            </a:endParaRPr>
+          </a:p>
+        </p:txBody>
+      </p:sp>
+      <p:pic>
+        <p:nvPicPr>
+          <p:cNvPr id="6" name="그림 5" descr="텍스트, 스크린샷, 모니터, 화면이(가) 표시된 사진&#10;&#10;자동 생성된 설명">
+            <a:extLst>
+              <a:ext uri="{FF2B5EF4-FFF2-40B4-BE49-F238E27FC236}">
+                <a16:creationId xmlns:a16="http://schemas.microsoft.com/office/drawing/2014/main" id="{DDD1D7CE-4095-D944-AA40-B387A75D5D8C}"/>
+              </a:ext>
+            </a:extLst>
+          </p:cNvPr>
+          <p:cNvPicPr>
+            <a:picLocks noChangeAspect="1"/>
+          </p:cNvPicPr>
+          <p:nvPr/>
+        </p:nvPicPr>
+        <p:blipFill>
+          <a:blip r:embed="rId3"/>
+          <a:stretch>
+            <a:fillRect/>
+          </a:stretch>
+        </p:blipFill>
+        <p:spPr>
+          <a:xfrm>
+            <a:off x="339435" y="3747659"/>
+            <a:ext cx="11506201" cy="2574345"/>
+          </a:xfrm>
+          <a:prstGeom prst="rect">
+            <a:avLst/>
+          </a:prstGeom>
+        </p:spPr>
+      </p:pic>
+      <p:pic>
+        <p:nvPicPr>
+          <p:cNvPr id="9" name="그림 8">
+            <a:extLst>
+              <a:ext uri="{FF2B5EF4-FFF2-40B4-BE49-F238E27FC236}">
+                <a16:creationId xmlns:a16="http://schemas.microsoft.com/office/drawing/2014/main" id="{87608042-505C-ED46-ABB5-7CAF22B354F8}"/>
+              </a:ext>
+            </a:extLst>
+          </p:cNvPr>
+          <p:cNvPicPr>
+            <a:picLocks noChangeAspect="1"/>
+          </p:cNvPicPr>
+          <p:nvPr/>
+        </p:nvPicPr>
+        <p:blipFill>
+          <a:blip r:embed="rId4"/>
+          <a:stretch>
+            <a:fillRect/>
+          </a:stretch>
+        </p:blipFill>
+        <p:spPr>
+          <a:xfrm>
+            <a:off x="339435" y="1961394"/>
+            <a:ext cx="3975100" cy="1549400"/>
+          </a:xfrm>
+          <a:prstGeom prst="rect">
+            <a:avLst/>
+          </a:prstGeom>
+        </p:spPr>
+      </p:pic>
+    </p:spTree>
+    <p:extLst>
+      <p:ext uri="{BB962C8B-B14F-4D97-AF65-F5344CB8AC3E}">
+        <p14:creationId xmlns:p14="http://schemas.microsoft.com/office/powerpoint/2010/main" val="2653000300"/>
+      </p:ext>
+    </p:extLst>
+  </p:cSld>
+  <p:clrMapOvr>
+    <a:masterClrMapping/>
+  </p:clrMapOvr>
+</p:sld>
+</file>
+
+<file path=ppt/slides/slide11.xml><?xml version="1.0" encoding="utf-8"?>
+<p:sld xmlns:a="http://schemas.openxmlformats.org/drawingml/2006/main" xmlns:r="http://schemas.openxmlformats.org/officeDocument/2006/relationships" xmlns:p="http://schemas.openxmlformats.org/presentationml/2006/main">
+  <p:cSld>
+    <p:spTree>
+      <p:nvGrpSpPr>
+        <p:cNvPr id="1" name=""/>
+        <p:cNvGrpSpPr/>
+        <p:nvPr/>
+      </p:nvGrpSpPr>
+      <p:grpSpPr>
+        <a:xfrm>
+          <a:off x="0" y="0"/>
+          <a:ext cx="0" cy="0"/>
+          <a:chOff x="0" y="0"/>
+          <a:chExt cx="0" cy="0"/>
+        </a:xfrm>
+      </p:grpSpPr>
+      <p:sp>
+        <p:nvSpPr>
           <p:cNvPr id="4" name="내용 개체 틀 3">
             <a:extLst>
               <a:ext uri="{FF2B5EF4-FFF2-40B4-BE49-F238E27FC236}">
@@ -10719,7 +12706,7 @@
           <a:p>
             <a:fld id="{192C8BCD-5B35-A34A-B22B-B82F0254BA7B}" type="slidenum">
               <a:rPr kumimoji="1" lang="ko-Kore-KR" altLang="en-US" smtClean="0"/>
-              <a:t>10</a:t>
+              <a:t>11</a:t>
             </a:fld>
             <a:endParaRPr kumimoji="1" lang="ko-Kore-KR" altLang="en-US"/>
           </a:p>
@@ -10738,7 +12725,7 @@
 </p:sld>
 </file>
 
-<file path=ppt/slides/slide11.xml><?xml version="1.0" encoding="utf-8"?>
+<file path=ppt/slides/slide12.xml><?xml version="1.0" encoding="utf-8"?>
 <p:sld xmlns:a="http://schemas.openxmlformats.org/drawingml/2006/main" xmlns:r="http://schemas.openxmlformats.org/officeDocument/2006/relationships" xmlns:p="http://schemas.openxmlformats.org/presentationml/2006/main">
   <p:cSld>
     <p:spTree>
@@ -10778,7 +12765,7 @@
           <a:p>
             <a:fld id="{192C8BCD-5B35-A34A-B22B-B82F0254BA7B}" type="slidenum">
               <a:rPr kumimoji="1" lang="ko-Kore-KR" altLang="en-US" smtClean="0"/>
-              <a:t>11</a:t>
+              <a:t>12</a:t>
             </a:fld>
             <a:endParaRPr kumimoji="1" lang="ko-Kore-KR" altLang="en-US"/>
           </a:p>
